--- a/DOCKER 101.pptx
+++ b/DOCKER 101.pptx
@@ -23,16 +23,19 @@
     <p:sldId id="293" r:id="rId17"/>
     <p:sldId id="285" r:id="rId18"/>
     <p:sldId id="294" r:id="rId19"/>
-    <p:sldId id="284" r:id="rId20"/>
-    <p:sldId id="286" r:id="rId21"/>
-    <p:sldId id="287" r:id="rId22"/>
-    <p:sldId id="263" r:id="rId23"/>
-    <p:sldId id="264" r:id="rId24"/>
-    <p:sldId id="265" r:id="rId25"/>
-    <p:sldId id="266" r:id="rId26"/>
-    <p:sldId id="267" r:id="rId27"/>
-    <p:sldId id="268" r:id="rId28"/>
-    <p:sldId id="269" r:id="rId29"/>
+    <p:sldId id="295" r:id="rId20"/>
+    <p:sldId id="296" r:id="rId21"/>
+    <p:sldId id="286" r:id="rId22"/>
+    <p:sldId id="297" r:id="rId23"/>
+    <p:sldId id="284" r:id="rId24"/>
+    <p:sldId id="287" r:id="rId25"/>
+    <p:sldId id="263" r:id="rId26"/>
+    <p:sldId id="264" r:id="rId27"/>
+    <p:sldId id="265" r:id="rId28"/>
+    <p:sldId id="266" r:id="rId29"/>
+    <p:sldId id="267" r:id="rId30"/>
+    <p:sldId id="268" r:id="rId31"/>
+    <p:sldId id="269" r:id="rId32"/>
   </p:sldIdLst>
   <p:sldSz cx="12192000" cy="6858000"/>
   <p:notesSz cx="6858000" cy="9144000"/>
@@ -4415,7 +4418,7 @@
           <a:p>
             <a:fld id="{48A87A34-81AB-432B-8DAE-1953F412C126}" type="datetimeFigureOut">
               <a:rPr lang="en-US" dirty="0"/>
-              <a:t>6/19/2018</a:t>
+              <a:t>6/20/2018</a:t>
             </a:fld>
             <a:endParaRPr lang="en-US" dirty="0"/>
           </a:p>
@@ -4677,7 +4680,7 @@
           <a:p>
             <a:fld id="{48A87A34-81AB-432B-8DAE-1953F412C126}" type="datetimeFigureOut">
               <a:rPr lang="en-US" dirty="0"/>
-              <a:t>6/19/2018</a:t>
+              <a:t>6/20/2018</a:t>
             </a:fld>
             <a:endParaRPr lang="en-US" dirty="0"/>
           </a:p>
@@ -4868,7 +4871,7 @@
           <a:p>
             <a:fld id="{48A87A34-81AB-432B-8DAE-1953F412C126}" type="datetimeFigureOut">
               <a:rPr lang="en-US" dirty="0"/>
-              <a:t>6/19/2018</a:t>
+              <a:t>6/20/2018</a:t>
             </a:fld>
             <a:endParaRPr lang="en-US" dirty="0"/>
           </a:p>
@@ -5126,7 +5129,7 @@
           <a:p>
             <a:fld id="{48A87A34-81AB-432B-8DAE-1953F412C126}" type="datetimeFigureOut">
               <a:rPr lang="en-US" dirty="0"/>
-              <a:t>6/19/2018</a:t>
+              <a:t>6/20/2018</a:t>
             </a:fld>
             <a:endParaRPr lang="en-US" dirty="0"/>
           </a:p>
@@ -5555,7 +5558,7 @@
           <a:p>
             <a:fld id="{48A87A34-81AB-432B-8DAE-1953F412C126}" type="datetimeFigureOut">
               <a:rPr lang="en-US" dirty="0"/>
-              <a:t>6/19/2018</a:t>
+              <a:t>6/20/2018</a:t>
             </a:fld>
             <a:endParaRPr lang="en-US" dirty="0"/>
           </a:p>
@@ -6096,7 +6099,7 @@
           <a:p>
             <a:fld id="{48A87A34-81AB-432B-8DAE-1953F412C126}" type="datetimeFigureOut">
               <a:rPr lang="en-US" dirty="0"/>
-              <a:t>6/19/2018</a:t>
+              <a:t>6/20/2018</a:t>
             </a:fld>
             <a:endParaRPr lang="en-US" dirty="0"/>
           </a:p>
@@ -6811,7 +6814,7 @@
           <a:p>
             <a:fld id="{48A87A34-81AB-432B-8DAE-1953F412C126}" type="datetimeFigureOut">
               <a:rPr lang="en-US" dirty="0"/>
-              <a:t>6/19/2018</a:t>
+              <a:t>6/20/2018</a:t>
             </a:fld>
             <a:endParaRPr lang="en-US" dirty="0"/>
           </a:p>
@@ -6976,7 +6979,7 @@
           <a:p>
             <a:fld id="{48A87A34-81AB-432B-8DAE-1953F412C126}" type="datetimeFigureOut">
               <a:rPr lang="en-US" dirty="0"/>
-              <a:t>6/19/2018</a:t>
+              <a:t>6/20/2018</a:t>
             </a:fld>
             <a:endParaRPr lang="en-US" dirty="0"/>
           </a:p>
@@ -7151,7 +7154,7 @@
           <a:p>
             <a:fld id="{48A87A34-81AB-432B-8DAE-1953F412C126}" type="datetimeFigureOut">
               <a:rPr lang="en-US" dirty="0"/>
-              <a:t>6/19/2018</a:t>
+              <a:t>6/20/2018</a:t>
             </a:fld>
             <a:endParaRPr lang="en-US" dirty="0"/>
           </a:p>
@@ -7316,7 +7319,7 @@
           <a:p>
             <a:fld id="{48A87A34-81AB-432B-8DAE-1953F412C126}" type="datetimeFigureOut">
               <a:rPr lang="en-US" dirty="0"/>
-              <a:t>6/19/2018</a:t>
+              <a:t>6/20/2018</a:t>
             </a:fld>
             <a:endParaRPr lang="en-US" dirty="0"/>
           </a:p>
@@ -7561,7 +7564,7 @@
           <a:p>
             <a:fld id="{48A87A34-81AB-432B-8DAE-1953F412C126}" type="datetimeFigureOut">
               <a:rPr lang="en-US" dirty="0"/>
-              <a:t>6/19/2018</a:t>
+              <a:t>6/20/2018</a:t>
             </a:fld>
             <a:endParaRPr lang="en-US" dirty="0"/>
           </a:p>
@@ -7788,7 +7791,7 @@
           <a:p>
             <a:fld id="{48A87A34-81AB-432B-8DAE-1953F412C126}" type="datetimeFigureOut">
               <a:rPr lang="en-US" dirty="0"/>
-              <a:t>6/19/2018</a:t>
+              <a:t>6/20/2018</a:t>
             </a:fld>
             <a:endParaRPr lang="en-US" dirty="0"/>
           </a:p>
@@ -8164,7 +8167,7 @@
           <a:p>
             <a:fld id="{48A87A34-81AB-432B-8DAE-1953F412C126}" type="datetimeFigureOut">
               <a:rPr lang="en-US" dirty="0"/>
-              <a:t>6/19/2018</a:t>
+              <a:t>6/20/2018</a:t>
             </a:fld>
             <a:endParaRPr lang="en-US" dirty="0"/>
           </a:p>
@@ -8277,7 +8280,7 @@
           <a:p>
             <a:fld id="{48A87A34-81AB-432B-8DAE-1953F412C126}" type="datetimeFigureOut">
               <a:rPr lang="en-US" dirty="0"/>
-              <a:t>6/19/2018</a:t>
+              <a:t>6/20/2018</a:t>
             </a:fld>
             <a:endParaRPr lang="en-US" dirty="0"/>
           </a:p>
@@ -8367,7 +8370,7 @@
           <a:p>
             <a:fld id="{48A87A34-81AB-432B-8DAE-1953F412C126}" type="datetimeFigureOut">
               <a:rPr lang="en-US" dirty="0"/>
-              <a:t>6/19/2018</a:t>
+              <a:t>6/20/2018</a:t>
             </a:fld>
             <a:endParaRPr lang="en-US" dirty="0"/>
           </a:p>
@@ -8611,7 +8614,7 @@
           <a:p>
             <a:fld id="{48A87A34-81AB-432B-8DAE-1953F412C126}" type="datetimeFigureOut">
               <a:rPr lang="en-US" dirty="0"/>
-              <a:t>6/19/2018</a:t>
+              <a:t>6/20/2018</a:t>
             </a:fld>
             <a:endParaRPr lang="en-US" dirty="0"/>
           </a:p>
@@ -8886,7 +8889,7 @@
           <a:p>
             <a:fld id="{48A87A34-81AB-432B-8DAE-1953F412C126}" type="datetimeFigureOut">
               <a:rPr lang="en-US" dirty="0"/>
-              <a:t>6/19/2018</a:t>
+              <a:t>6/20/2018</a:t>
             </a:fld>
             <a:endParaRPr lang="en-US" dirty="0"/>
           </a:p>
@@ -11959,7 +11962,7 @@
             <a:fld id="{48A87A34-81AB-432B-8DAE-1953F412C126}" type="datetimeFigureOut">
               <a:rPr lang="en-US" dirty="0"/>
               <a:pPr/>
-              <a:t>6/19/2018</a:t>
+              <a:t>6/20/2018</a:t>
             </a:fld>
             <a:endParaRPr lang="en-US" dirty="0"/>
           </a:p>
@@ -13622,6 +13625,32 @@
               <a:t>docker network ls</a:t>
             </a:r>
           </a:p>
+          <a:p>
+            <a:r>
+              <a:rPr lang="en-US" dirty="0"/>
+              <a:t>Bridge, Host, None</a:t>
+            </a:r>
+          </a:p>
+          <a:p>
+            <a:r>
+              <a:rPr lang="en-US" dirty="0"/>
+              <a:t>docker network inspect bridge</a:t>
+            </a:r>
+          </a:p>
+          <a:p>
+            <a:r>
+              <a:rPr lang="en-US" dirty="0"/>
+              <a:t>docker network create </a:t>
+            </a:r>
+            <a:r>
+              <a:rPr lang="en-US" dirty="0" err="1"/>
+              <a:t>mynetwork</a:t>
+            </a:r>
+            <a:r>
+              <a:rPr lang="en-US" dirty="0"/>
+              <a:t> (--driver)</a:t>
+            </a:r>
+          </a:p>
         </p:txBody>
       </p:sp>
     </p:spTree>
@@ -13671,7 +13700,7 @@
           <a:p>
             <a:r>
               <a:rPr lang="en-GB" dirty="0"/>
-              <a:t>Docker PERSISTENCE</a:t>
+              <a:t>Docker NETWORKING</a:t>
             </a:r>
             <a:endParaRPr lang="tr-TR" dirty="0"/>
           </a:p>
@@ -13693,19 +13722,118 @@
             <p:ph idx="1"/>
           </p:nvPr>
         </p:nvSpPr>
-        <p:spPr/>
-        <p:txBody>
-          <a:bodyPr/>
+        <p:spPr>
+          <a:xfrm>
+            <a:off x="1141412" y="1856096"/>
+            <a:ext cx="9905999" cy="4287851"/>
+          </a:xfrm>
+        </p:spPr>
+        <p:txBody>
+          <a:bodyPr>
+            <a:normAutofit lnSpcReduction="10000"/>
+          </a:bodyPr>
           <a:lstStyle/>
           <a:p>
-            <a:endParaRPr lang="en-US"/>
+            <a:r>
+              <a:rPr lang="en-US" dirty="0"/>
+              <a:t>docker container run -d --name proxy –network </a:t>
+            </a:r>
+            <a:r>
+              <a:rPr lang="en-US" dirty="0" err="1"/>
+              <a:t>mynetwork</a:t>
+            </a:r>
+            <a:r>
+              <a:rPr lang="en-US" dirty="0"/>
+              <a:t> </a:t>
+            </a:r>
+            <a:r>
+              <a:rPr lang="en-US" dirty="0" err="1"/>
+              <a:t>nginx</a:t>
+            </a:r>
+            <a:endParaRPr lang="en-US" dirty="0"/>
+          </a:p>
+          <a:p>
+            <a:r>
+              <a:rPr lang="en-US" dirty="0"/>
+              <a:t>docker network inspect </a:t>
+            </a:r>
+            <a:r>
+              <a:rPr lang="en-US" dirty="0" err="1"/>
+              <a:t>mynetwork</a:t>
+            </a:r>
+            <a:endParaRPr lang="en-US" dirty="0"/>
+          </a:p>
+          <a:p>
+            <a:r>
+              <a:rPr lang="en-US" dirty="0"/>
+              <a:t>docker network connect</a:t>
+            </a:r>
+          </a:p>
+          <a:p>
+            <a:r>
+              <a:rPr lang="en-US" dirty="0"/>
+              <a:t>docker network disconnect</a:t>
+            </a:r>
+          </a:p>
+          <a:p>
+            <a:r>
+              <a:rPr lang="en-US" dirty="0"/>
+              <a:t>DNS (we cannot rely on the IP Addresses)</a:t>
+            </a:r>
+          </a:p>
+          <a:p>
+            <a:r>
+              <a:rPr lang="en-US" dirty="0"/>
+              <a:t>docker container run –d --name </a:t>
+            </a:r>
+            <a:r>
+              <a:rPr lang="en-US" dirty="0" err="1"/>
+              <a:t>newproxy</a:t>
+            </a:r>
+            <a:r>
+              <a:rPr lang="en-US" dirty="0"/>
+              <a:t> --network </a:t>
+            </a:r>
+            <a:r>
+              <a:rPr lang="en-US" dirty="0" err="1"/>
+              <a:t>mynetwork</a:t>
+            </a:r>
+            <a:r>
+              <a:rPr lang="en-US" dirty="0"/>
+              <a:t> </a:t>
+            </a:r>
+            <a:r>
+              <a:rPr lang="en-US" dirty="0" err="1"/>
+              <a:t>nginx</a:t>
+            </a:r>
+            <a:endParaRPr lang="en-US" dirty="0"/>
+          </a:p>
+          <a:p>
+            <a:r>
+              <a:rPr lang="en-US" dirty="0"/>
+              <a:t>docker container exec -it </a:t>
+            </a:r>
+            <a:r>
+              <a:rPr lang="en-US" dirty="0" err="1"/>
+              <a:t>newproxy</a:t>
+            </a:r>
+            <a:r>
+              <a:rPr lang="en-US" dirty="0"/>
+              <a:t> ping proxy</a:t>
+            </a:r>
+          </a:p>
+          <a:p>
+            <a:r>
+              <a:rPr lang="en-US" dirty="0"/>
+              <a:t>--link (for default bridge network) - in docker-compose it is easier</a:t>
+            </a:r>
           </a:p>
         </p:txBody>
       </p:sp>
     </p:spTree>
     <p:extLst>
       <p:ext uri="{BB962C8B-B14F-4D97-AF65-F5344CB8AC3E}">
-        <p14:creationId xmlns:p14="http://schemas.microsoft.com/office/powerpoint/2010/main" val="698232708"/>
+        <p14:creationId xmlns:p14="http://schemas.microsoft.com/office/powerpoint/2010/main" val="3295595735"/>
       </p:ext>
     </p:extLst>
   </p:cSld>
@@ -13905,7 +14033,7 @@
           <a:p>
             <a:r>
               <a:rPr lang="en-GB" dirty="0"/>
-              <a:t>DOCKERFILE: CREATING CUSTOM DOCKER IMAGES</a:t>
+              <a:t>Docker NETWORKING</a:t>
             </a:r>
             <a:endParaRPr lang="tr-TR" dirty="0"/>
           </a:p>
@@ -13927,19 +14055,134 @@
             <p:ph idx="1"/>
           </p:nvPr>
         </p:nvSpPr>
-        <p:spPr/>
-        <p:txBody>
-          <a:bodyPr/>
+        <p:spPr>
+          <a:xfrm>
+            <a:off x="1141412" y="1856096"/>
+            <a:ext cx="10119487" cy="4287851"/>
+          </a:xfrm>
+        </p:spPr>
+        <p:txBody>
+          <a:bodyPr>
+            <a:normAutofit/>
+          </a:bodyPr>
           <a:lstStyle/>
           <a:p>
-            <a:endParaRPr lang="en-US"/>
+            <a:r>
+              <a:rPr lang="en-US" dirty="0"/>
+              <a:t>docker network create test</a:t>
+            </a:r>
+          </a:p>
+          <a:p>
+            <a:r>
+              <a:rPr lang="en-US" dirty="0"/>
+              <a:t>docker container run –d --net </a:t>
+            </a:r>
+            <a:r>
+              <a:rPr lang="en-US" dirty="0" err="1"/>
+              <a:t>testnetwork</a:t>
+            </a:r>
+            <a:r>
+              <a:rPr lang="en-US" dirty="0"/>
+              <a:t> --net-alias </a:t>
+            </a:r>
+            <a:r>
+              <a:rPr lang="en-US" dirty="0" err="1"/>
+              <a:t>mysearch</a:t>
+            </a:r>
+            <a:r>
+              <a:rPr lang="en-US" dirty="0"/>
+              <a:t> elasticsearch:2</a:t>
+            </a:r>
+          </a:p>
+          <a:p>
+            <a:r>
+              <a:rPr lang="en-US" dirty="0"/>
+              <a:t>docker container run –d --net </a:t>
+            </a:r>
+            <a:r>
+              <a:rPr lang="en-US" dirty="0" err="1"/>
+              <a:t>testnetwork</a:t>
+            </a:r>
+            <a:r>
+              <a:rPr lang="en-US" dirty="0"/>
+              <a:t> --net-alias </a:t>
+            </a:r>
+            <a:r>
+              <a:rPr lang="en-US" dirty="0" err="1"/>
+              <a:t>mysearch</a:t>
+            </a:r>
+            <a:r>
+              <a:rPr lang="en-US" dirty="0"/>
+              <a:t> elasticsearch:2</a:t>
+            </a:r>
+          </a:p>
+          <a:p>
+            <a:r>
+              <a:rPr lang="en-US" dirty="0"/>
+              <a:t>docker container run --rm --net </a:t>
+            </a:r>
+            <a:r>
+              <a:rPr lang="en-US" dirty="0" err="1"/>
+              <a:t>testnetwork</a:t>
+            </a:r>
+            <a:r>
+              <a:rPr lang="en-US" dirty="0"/>
+              <a:t> alpine </a:t>
+            </a:r>
+            <a:r>
+              <a:rPr lang="en-US" dirty="0" err="1"/>
+              <a:t>nslookup</a:t>
+            </a:r>
+            <a:r>
+              <a:rPr lang="en-US" dirty="0"/>
+              <a:t> </a:t>
+            </a:r>
+            <a:r>
+              <a:rPr lang="en-US" dirty="0" err="1"/>
+              <a:t>mysearch</a:t>
+            </a:r>
+            <a:endParaRPr lang="en-US" dirty="0"/>
+          </a:p>
+          <a:p>
+            <a:r>
+              <a:rPr lang="en-US" dirty="0"/>
+              <a:t>docker container run --rm --net </a:t>
+            </a:r>
+            <a:r>
+              <a:rPr lang="en-US" dirty="0" err="1"/>
+              <a:t>testnetwork</a:t>
+            </a:r>
+            <a:r>
+              <a:rPr lang="en-US" dirty="0"/>
+              <a:t> centos </a:t>
+            </a:r>
+            <a:r>
+              <a:rPr lang="en-US" dirty="0" err="1"/>
+              <a:t>centos</a:t>
+            </a:r>
+            <a:r>
+              <a:rPr lang="en-US" dirty="0"/>
+              <a:t> curl –s mysearch:9200</a:t>
+            </a:r>
+          </a:p>
+          <a:p>
+            <a:endParaRPr lang="en-US" dirty="0"/>
+          </a:p>
+          <a:p>
+            <a:pPr marL="0" indent="0">
+              <a:buNone/>
+            </a:pPr>
+            <a:endParaRPr lang="en-US" dirty="0"/>
+          </a:p>
+          <a:p>
+            <a:endParaRPr lang="en-US" dirty="0"/>
           </a:p>
         </p:txBody>
       </p:sp>
     </p:spTree>
     <p:extLst>
       <p:ext uri="{BB962C8B-B14F-4D97-AF65-F5344CB8AC3E}">
-        <p14:creationId xmlns:p14="http://schemas.microsoft.com/office/powerpoint/2010/main" val="1154353670"/>
+        <p14:creationId xmlns:p14="http://schemas.microsoft.com/office/powerpoint/2010/main" val="36081972"/>
       </p:ext>
     </p:extLst>
   </p:cSld>
@@ -13983,7 +14226,7 @@
           <a:p>
             <a:r>
               <a:rPr lang="en-GB" dirty="0"/>
-              <a:t>DOCKER COMPOSE</a:t>
+              <a:t>DOCKERFILE: CREATING CUSTOM DOCKER IMAGES</a:t>
             </a:r>
             <a:endParaRPr lang="tr-TR" dirty="0"/>
           </a:p>
@@ -14010,14 +14253,67 @@
           <a:bodyPr/>
           <a:lstStyle/>
           <a:p>
-            <a:endParaRPr lang="en-US"/>
-          </a:p>
-        </p:txBody>
-      </p:sp>
+            <a:r>
+              <a:rPr lang="en-US" dirty="0"/>
+              <a:t>Image: App binaries and dependencies (No kernel, no kernel modules)</a:t>
+            </a:r>
+          </a:p>
+          <a:p>
+            <a:r>
+              <a:rPr lang="en-US" dirty="0"/>
+              <a:t>Image layers</a:t>
+            </a:r>
+          </a:p>
+          <a:p>
+            <a:r>
+              <a:rPr lang="en-US" dirty="0"/>
+              <a:t>docker history </a:t>
+            </a:r>
+            <a:r>
+              <a:rPr lang="en-US" dirty="0" err="1"/>
+              <a:t>nginx:latest</a:t>
+            </a:r>
+            <a:endParaRPr lang="en-US" dirty="0"/>
+          </a:p>
+          <a:p>
+            <a:endParaRPr lang="en-US" dirty="0"/>
+          </a:p>
+        </p:txBody>
+      </p:sp>
+      <p:pic>
+        <p:nvPicPr>
+          <p:cNvPr id="4" name="Picture 3">
+            <a:extLst>
+              <a:ext uri="{FF2B5EF4-FFF2-40B4-BE49-F238E27FC236}">
+                <a16:creationId xmlns:a16="http://schemas.microsoft.com/office/drawing/2014/main" id="{52F07653-52A8-4B2E-9439-8639910CBCC3}"/>
+              </a:ext>
+            </a:extLst>
+          </p:cNvPr>
+          <p:cNvPicPr>
+            <a:picLocks noChangeAspect="1"/>
+          </p:cNvPicPr>
+          <p:nvPr/>
+        </p:nvPicPr>
+        <p:blipFill>
+          <a:blip r:embed="rId2"/>
+          <a:stretch>
+            <a:fillRect/>
+          </a:stretch>
+        </p:blipFill>
+        <p:spPr>
+          <a:xfrm>
+            <a:off x="3684861" y="4020344"/>
+            <a:ext cx="4591050" cy="2105025"/>
+          </a:xfrm>
+          <a:prstGeom prst="rect">
+            <a:avLst/>
+          </a:prstGeom>
+        </p:spPr>
+      </p:pic>
     </p:spTree>
     <p:extLst>
       <p:ext uri="{BB962C8B-B14F-4D97-AF65-F5344CB8AC3E}">
-        <p14:creationId xmlns:p14="http://schemas.microsoft.com/office/powerpoint/2010/main" val="484121309"/>
+        <p14:creationId xmlns:p14="http://schemas.microsoft.com/office/powerpoint/2010/main" val="1154353670"/>
       </p:ext>
     </p:extLst>
   </p:cSld>
@@ -14061,7 +14357,7 @@
           <a:p>
             <a:r>
               <a:rPr lang="en-GB" dirty="0"/>
-              <a:t>WORKSHOP 1</a:t>
+              <a:t>DOCKERFILE: CREATING CUSTOM DOCKER IMAGES</a:t>
             </a:r>
             <a:endParaRPr lang="tr-TR" dirty="0"/>
           </a:p>
@@ -14069,55 +14365,75 @@
       </p:sp>
       <p:sp>
         <p:nvSpPr>
-          <p:cNvPr id="3" name="Text Placeholder 2"/>
+          <p:cNvPr id="5" name="Content Placeholder 4">
+            <a:extLst>
+              <a:ext uri="{FF2B5EF4-FFF2-40B4-BE49-F238E27FC236}">
+                <a16:creationId xmlns:a16="http://schemas.microsoft.com/office/drawing/2014/main" id="{16E0D661-67E9-4EBB-8D27-4881FDB37593}"/>
+              </a:ext>
+            </a:extLst>
+          </p:cNvPr>
           <p:cNvSpPr>
             <a:spLocks noGrp="1"/>
           </p:cNvSpPr>
           <p:nvPr>
-            <p:ph type="body" idx="1"/>
+            <p:ph idx="1"/>
           </p:nvPr>
         </p:nvSpPr>
         <p:spPr/>
         <p:txBody>
-          <a:bodyPr/>
+          <a:bodyPr>
+            <a:normAutofit fontScale="92500" lnSpcReduction="10000"/>
+          </a:bodyPr>
           <a:lstStyle/>
           <a:p>
             <a:r>
-              <a:rPr lang="en-GB" dirty="0"/>
-              <a:t>Creatıng </a:t>
-            </a:r>
-            <a:r>
-              <a:rPr lang="en-GB" dirty="0" err="1"/>
-              <a:t>elastıcsearch</a:t>
-            </a:r>
-            <a:r>
-              <a:rPr lang="en-GB" dirty="0"/>
-              <a:t> and </a:t>
-            </a:r>
-            <a:r>
-              <a:rPr lang="en-GB" dirty="0" err="1"/>
-              <a:t>redıs</a:t>
-            </a:r>
-            <a:r>
-              <a:rPr lang="en-GB" dirty="0"/>
-              <a:t> clusters locally wıth </a:t>
-            </a:r>
-            <a:r>
-              <a:rPr lang="en-GB" dirty="0" err="1"/>
-              <a:t>docker</a:t>
-            </a:r>
-            <a:r>
-              <a:rPr lang="en-GB" dirty="0"/>
-              <a:t> compose</a:t>
-            </a:r>
-            <a:endParaRPr lang="tr-TR" dirty="0"/>
+              <a:rPr lang="en-US" dirty="0" err="1"/>
+              <a:t>Dockerfile</a:t>
+            </a:r>
+            <a:endParaRPr lang="en-US" dirty="0"/>
+          </a:p>
+          <a:p>
+            <a:r>
+              <a:rPr lang="en-US" dirty="0"/>
+              <a:t>FROM</a:t>
+            </a:r>
+          </a:p>
+          <a:p>
+            <a:r>
+              <a:rPr lang="en-US" dirty="0"/>
+              <a:t>ENV</a:t>
+            </a:r>
+          </a:p>
+          <a:p>
+            <a:r>
+              <a:rPr lang="en-US" dirty="0"/>
+              <a:t>RUN</a:t>
+            </a:r>
+          </a:p>
+          <a:p>
+            <a:r>
+              <a:rPr lang="en-US" dirty="0"/>
+              <a:t>COPY</a:t>
+            </a:r>
+          </a:p>
+          <a:p>
+            <a:r>
+              <a:rPr lang="en-US" dirty="0"/>
+              <a:t>EXPOSE</a:t>
+            </a:r>
+          </a:p>
+          <a:p>
+            <a:r>
+              <a:rPr lang="en-US" dirty="0"/>
+              <a:t>CMD</a:t>
+            </a:r>
           </a:p>
         </p:txBody>
       </p:sp>
     </p:spTree>
     <p:extLst>
       <p:ext uri="{BB962C8B-B14F-4D97-AF65-F5344CB8AC3E}">
-        <p14:creationId xmlns:p14="http://schemas.microsoft.com/office/powerpoint/2010/main" val="2700959177"/>
+        <p14:creationId xmlns:p14="http://schemas.microsoft.com/office/powerpoint/2010/main" val="3287705965"/>
       </p:ext>
     </p:extLst>
   </p:cSld>
@@ -14161,7 +14477,7 @@
           <a:p>
             <a:r>
               <a:rPr lang="en-GB" dirty="0"/>
-              <a:t>WORKSHOP 2</a:t>
+              <a:t>Docker PERSISTENCE</a:t>
             </a:r>
             <a:endParaRPr lang="tr-TR" dirty="0"/>
           </a:p>
@@ -14169,12 +14485,18 @@
       </p:sp>
       <p:sp>
         <p:nvSpPr>
-          <p:cNvPr id="3" name="Text Placeholder 2"/>
+          <p:cNvPr id="5" name="Content Placeholder 4">
+            <a:extLst>
+              <a:ext uri="{FF2B5EF4-FFF2-40B4-BE49-F238E27FC236}">
+                <a16:creationId xmlns:a16="http://schemas.microsoft.com/office/drawing/2014/main" id="{16E0D661-67E9-4EBB-8D27-4881FDB37593}"/>
+              </a:ext>
+            </a:extLst>
+          </p:cNvPr>
           <p:cNvSpPr>
             <a:spLocks noGrp="1"/>
           </p:cNvSpPr>
           <p:nvPr>
-            <p:ph type="body" idx="1"/>
+            <p:ph idx="1"/>
           </p:nvPr>
         </p:nvSpPr>
         <p:spPr/>
@@ -14182,18 +14504,14 @@
           <a:bodyPr/>
           <a:lstStyle/>
           <a:p>
-            <a:r>
-              <a:rPr lang="en-GB" dirty="0"/>
-              <a:t>Creatıng a node.js applıcatıon</a:t>
-            </a:r>
-            <a:endParaRPr lang="tr-TR" dirty="0"/>
+            <a:endParaRPr lang="en-US"/>
           </a:p>
         </p:txBody>
       </p:sp>
     </p:spTree>
     <p:extLst>
       <p:ext uri="{BB962C8B-B14F-4D97-AF65-F5344CB8AC3E}">
-        <p14:creationId xmlns:p14="http://schemas.microsoft.com/office/powerpoint/2010/main" val="3695001643"/>
+        <p14:creationId xmlns:p14="http://schemas.microsoft.com/office/powerpoint/2010/main" val="698232708"/>
       </p:ext>
     </p:extLst>
   </p:cSld>
@@ -14237,7 +14555,7 @@
           <a:p>
             <a:r>
               <a:rPr lang="en-GB" dirty="0"/>
-              <a:t>WORKSHOP 3</a:t>
+              <a:t>DOCKER COMPOSE</a:t>
             </a:r>
             <a:endParaRPr lang="tr-TR" dirty="0"/>
           </a:p>
@@ -14245,12 +14563,18 @@
       </p:sp>
       <p:sp>
         <p:nvSpPr>
-          <p:cNvPr id="3" name="Text Placeholder 2"/>
+          <p:cNvPr id="5" name="Content Placeholder 4">
+            <a:extLst>
+              <a:ext uri="{FF2B5EF4-FFF2-40B4-BE49-F238E27FC236}">
+                <a16:creationId xmlns:a16="http://schemas.microsoft.com/office/drawing/2014/main" id="{16E0D661-67E9-4EBB-8D27-4881FDB37593}"/>
+              </a:ext>
+            </a:extLst>
+          </p:cNvPr>
           <p:cNvSpPr>
             <a:spLocks noGrp="1"/>
           </p:cNvSpPr>
           <p:nvPr>
-            <p:ph type="body" idx="1"/>
+            <p:ph idx="1"/>
           </p:nvPr>
         </p:nvSpPr>
         <p:spPr/>
@@ -14258,22 +14582,14 @@
           <a:bodyPr/>
           <a:lstStyle/>
           <a:p>
-            <a:r>
-              <a:rPr lang="en-GB" dirty="0"/>
-              <a:t>Deployment to </a:t>
-            </a:r>
-            <a:r>
-              <a:rPr lang="en-GB" dirty="0" err="1"/>
-              <a:t>dıgıtalocean</a:t>
-            </a:r>
-            <a:endParaRPr lang="tr-TR" dirty="0"/>
+            <a:endParaRPr lang="en-US"/>
           </a:p>
         </p:txBody>
       </p:sp>
     </p:spTree>
     <p:extLst>
       <p:ext uri="{BB962C8B-B14F-4D97-AF65-F5344CB8AC3E}">
-        <p14:creationId xmlns:p14="http://schemas.microsoft.com/office/powerpoint/2010/main" val="4118455303"/>
+        <p14:creationId xmlns:p14="http://schemas.microsoft.com/office/powerpoint/2010/main" val="484121309"/>
       </p:ext>
     </p:extLst>
   </p:cSld>
@@ -14317,7 +14633,7 @@
           <a:p>
             <a:r>
               <a:rPr lang="en-GB" dirty="0"/>
-              <a:t>WORKSHOP 4</a:t>
+              <a:t>WORKSHOP 1</a:t>
             </a:r>
             <a:endParaRPr lang="tr-TR" dirty="0"/>
           </a:p>
@@ -14340,15 +14656,31 @@
           <a:p>
             <a:r>
               <a:rPr lang="en-GB" dirty="0"/>
-              <a:t>Usıng </a:t>
+              <a:t>Creatıng </a:t>
             </a:r>
             <a:r>
               <a:rPr lang="en-GB" dirty="0" err="1"/>
-              <a:t>dockercloud</a:t>
+              <a:t>elastıcsearch</a:t>
             </a:r>
             <a:r>
               <a:rPr lang="en-GB" dirty="0"/>
-              <a:t> for deployment</a:t>
+              <a:t> and </a:t>
+            </a:r>
+            <a:r>
+              <a:rPr lang="en-GB" dirty="0" err="1"/>
+              <a:t>redıs</a:t>
+            </a:r>
+            <a:r>
+              <a:rPr lang="en-GB" dirty="0"/>
+              <a:t> clusters locally wıth </a:t>
+            </a:r>
+            <a:r>
+              <a:rPr lang="en-GB" dirty="0" err="1"/>
+              <a:t>docker</a:t>
+            </a:r>
+            <a:r>
+              <a:rPr lang="en-GB" dirty="0"/>
+              <a:t> compose</a:t>
             </a:r>
             <a:endParaRPr lang="tr-TR" dirty="0"/>
           </a:p>
@@ -14357,7 +14689,7 @@
     </p:spTree>
     <p:extLst>
       <p:ext uri="{BB962C8B-B14F-4D97-AF65-F5344CB8AC3E}">
-        <p14:creationId xmlns:p14="http://schemas.microsoft.com/office/powerpoint/2010/main" val="2448390071"/>
+        <p14:creationId xmlns:p14="http://schemas.microsoft.com/office/powerpoint/2010/main" val="2700959177"/>
       </p:ext>
     </p:extLst>
   </p:cSld>
@@ -14401,7 +14733,7 @@
           <a:p>
             <a:r>
               <a:rPr lang="en-GB" dirty="0"/>
-              <a:t>WORKSHOP 5</a:t>
+              <a:t>WORKSHOP 2</a:t>
             </a:r>
             <a:endParaRPr lang="tr-TR" dirty="0"/>
           </a:p>
@@ -14424,23 +14756,7 @@
           <a:p>
             <a:r>
               <a:rPr lang="en-GB" dirty="0"/>
-              <a:t>Usıng </a:t>
-            </a:r>
-            <a:r>
-              <a:rPr lang="en-GB" dirty="0" err="1"/>
-              <a:t>dockercloud</a:t>
-            </a:r>
-            <a:r>
-              <a:rPr lang="en-GB" dirty="0"/>
-              <a:t> and </a:t>
-            </a:r>
-            <a:r>
-              <a:rPr lang="en-GB" dirty="0" err="1"/>
-              <a:t>dockerhub</a:t>
-            </a:r>
-            <a:r>
-              <a:rPr lang="en-GB" dirty="0"/>
-              <a:t> for contınuous ıntegratıon</a:t>
+              <a:t>Creatıng a node.js applıcatıon</a:t>
             </a:r>
             <a:endParaRPr lang="tr-TR" dirty="0"/>
           </a:p>
@@ -14449,7 +14765,7 @@
     </p:spTree>
     <p:extLst>
       <p:ext uri="{BB962C8B-B14F-4D97-AF65-F5344CB8AC3E}">
-        <p14:creationId xmlns:p14="http://schemas.microsoft.com/office/powerpoint/2010/main" val="1199674397"/>
+        <p14:creationId xmlns:p14="http://schemas.microsoft.com/office/powerpoint/2010/main" val="3695001643"/>
       </p:ext>
     </p:extLst>
   </p:cSld>
@@ -14493,7 +14809,7 @@
           <a:p>
             <a:r>
               <a:rPr lang="en-GB" dirty="0"/>
-              <a:t>AMAZON ELASTIC CONTAINER REGISTRY</a:t>
+              <a:t>WORKSHOP 3</a:t>
             </a:r>
             <a:endParaRPr lang="tr-TR" dirty="0"/>
           </a:p>
@@ -14514,6 +14830,14 @@
           <a:bodyPr/>
           <a:lstStyle/>
           <a:p>
+            <a:r>
+              <a:rPr lang="en-GB" dirty="0"/>
+              <a:t>Deployment to </a:t>
+            </a:r>
+            <a:r>
+              <a:rPr lang="en-GB" dirty="0" err="1"/>
+              <a:t>dıgıtalocean</a:t>
+            </a:r>
             <a:endParaRPr lang="tr-TR" dirty="0"/>
           </a:p>
         </p:txBody>
@@ -14521,7 +14845,7 @@
     </p:spTree>
     <p:extLst>
       <p:ext uri="{BB962C8B-B14F-4D97-AF65-F5344CB8AC3E}">
-        <p14:creationId xmlns:p14="http://schemas.microsoft.com/office/powerpoint/2010/main" val="1672303738"/>
+        <p14:creationId xmlns:p14="http://schemas.microsoft.com/office/powerpoint/2010/main" val="4118455303"/>
       </p:ext>
     </p:extLst>
   </p:cSld>
@@ -14555,7 +14879,7 @@
             <a:spLocks noGrp="1"/>
           </p:cNvSpPr>
           <p:nvPr>
-            <p:ph type="ctrTitle"/>
+            <p:ph type="title"/>
           </p:nvPr>
         </p:nvSpPr>
         <p:spPr/>
@@ -14565,7 +14889,7 @@
           <a:p>
             <a:r>
               <a:rPr lang="en-GB" dirty="0"/>
-              <a:t>The end</a:t>
+              <a:t>WORKSHOP 4</a:t>
             </a:r>
             <a:endParaRPr lang="tr-TR" dirty="0"/>
           </a:p>
@@ -14573,12 +14897,12 @@
       </p:sp>
       <p:sp>
         <p:nvSpPr>
-          <p:cNvPr id="3" name="Subtitle 2"/>
+          <p:cNvPr id="3" name="Text Placeholder 2"/>
           <p:cNvSpPr>
             <a:spLocks noGrp="1"/>
           </p:cNvSpPr>
           <p:nvPr>
-            <p:ph type="subTitle" idx="1"/>
+            <p:ph type="body" idx="1"/>
           </p:nvPr>
         </p:nvSpPr>
         <p:spPr/>
@@ -14588,7 +14912,15 @@
           <a:p>
             <a:r>
               <a:rPr lang="en-GB" dirty="0"/>
-              <a:t>Any questıons or comments?</a:t>
+              <a:t>Usıng </a:t>
+            </a:r>
+            <a:r>
+              <a:rPr lang="en-GB" dirty="0" err="1"/>
+              <a:t>dockercloud</a:t>
+            </a:r>
+            <a:r>
+              <a:rPr lang="en-GB" dirty="0"/>
+              <a:t> for deployment</a:t>
             </a:r>
             <a:endParaRPr lang="tr-TR" dirty="0"/>
           </a:p>
@@ -14597,7 +14929,99 @@
     </p:spTree>
     <p:extLst>
       <p:ext uri="{BB962C8B-B14F-4D97-AF65-F5344CB8AC3E}">
-        <p14:creationId xmlns:p14="http://schemas.microsoft.com/office/powerpoint/2010/main" val="3243646192"/>
+        <p14:creationId xmlns:p14="http://schemas.microsoft.com/office/powerpoint/2010/main" val="2448390071"/>
+      </p:ext>
+    </p:extLst>
+  </p:cSld>
+  <p:clrMapOvr>
+    <a:masterClrMapping/>
+  </p:clrMapOvr>
+</p:sld>
+</file>
+
+<file path=ppt/slides/slide29.xml><?xml version="1.0" encoding="utf-8"?>
+<p:sld xmlns:a="http://schemas.openxmlformats.org/drawingml/2006/main" xmlns:r="http://schemas.openxmlformats.org/officeDocument/2006/relationships" xmlns:p="http://schemas.openxmlformats.org/presentationml/2006/main">
+  <p:cSld>
+    <p:spTree>
+      <p:nvGrpSpPr>
+        <p:cNvPr id="1" name=""/>
+        <p:cNvGrpSpPr/>
+        <p:nvPr/>
+      </p:nvGrpSpPr>
+      <p:grpSpPr>
+        <a:xfrm>
+          <a:off x="0" y="0"/>
+          <a:ext cx="0" cy="0"/>
+          <a:chOff x="0" y="0"/>
+          <a:chExt cx="0" cy="0"/>
+        </a:xfrm>
+      </p:grpSpPr>
+      <p:sp>
+        <p:nvSpPr>
+          <p:cNvPr id="2" name="Title 1"/>
+          <p:cNvSpPr>
+            <a:spLocks noGrp="1"/>
+          </p:cNvSpPr>
+          <p:nvPr>
+            <p:ph type="title"/>
+          </p:nvPr>
+        </p:nvSpPr>
+        <p:spPr/>
+        <p:txBody>
+          <a:bodyPr/>
+          <a:lstStyle/>
+          <a:p>
+            <a:r>
+              <a:rPr lang="en-GB" dirty="0"/>
+              <a:t>WORKSHOP 5</a:t>
+            </a:r>
+            <a:endParaRPr lang="tr-TR" dirty="0"/>
+          </a:p>
+        </p:txBody>
+      </p:sp>
+      <p:sp>
+        <p:nvSpPr>
+          <p:cNvPr id="3" name="Text Placeholder 2"/>
+          <p:cNvSpPr>
+            <a:spLocks noGrp="1"/>
+          </p:cNvSpPr>
+          <p:nvPr>
+            <p:ph type="body" idx="1"/>
+          </p:nvPr>
+        </p:nvSpPr>
+        <p:spPr/>
+        <p:txBody>
+          <a:bodyPr/>
+          <a:lstStyle/>
+          <a:p>
+            <a:r>
+              <a:rPr lang="en-GB" dirty="0"/>
+              <a:t>Usıng </a:t>
+            </a:r>
+            <a:r>
+              <a:rPr lang="en-GB" dirty="0" err="1"/>
+              <a:t>dockercloud</a:t>
+            </a:r>
+            <a:r>
+              <a:rPr lang="en-GB" dirty="0"/>
+              <a:t> and </a:t>
+            </a:r>
+            <a:r>
+              <a:rPr lang="en-GB" dirty="0" err="1"/>
+              <a:t>dockerhub</a:t>
+            </a:r>
+            <a:r>
+              <a:rPr lang="en-GB" dirty="0"/>
+              <a:t> for contınuous ıntegratıon</a:t>
+            </a:r>
+            <a:endParaRPr lang="tr-TR" dirty="0"/>
+          </a:p>
+        </p:txBody>
+      </p:sp>
+    </p:spTree>
+    <p:extLst>
+      <p:ext uri="{BB962C8B-B14F-4D97-AF65-F5344CB8AC3E}">
+        <p14:creationId xmlns:p14="http://schemas.microsoft.com/office/powerpoint/2010/main" val="1199674397"/>
       </p:ext>
     </p:extLst>
   </p:cSld>
@@ -14769,6 +15193,154 @@
     <p:extLst>
       <p:ext uri="{BB962C8B-B14F-4D97-AF65-F5344CB8AC3E}">
         <p14:creationId xmlns:p14="http://schemas.microsoft.com/office/powerpoint/2010/main" val="1838292274"/>
+      </p:ext>
+    </p:extLst>
+  </p:cSld>
+  <p:clrMapOvr>
+    <a:masterClrMapping/>
+  </p:clrMapOvr>
+</p:sld>
+</file>
+
+<file path=ppt/slides/slide30.xml><?xml version="1.0" encoding="utf-8"?>
+<p:sld xmlns:a="http://schemas.openxmlformats.org/drawingml/2006/main" xmlns:r="http://schemas.openxmlformats.org/officeDocument/2006/relationships" xmlns:p="http://schemas.openxmlformats.org/presentationml/2006/main">
+  <p:cSld>
+    <p:spTree>
+      <p:nvGrpSpPr>
+        <p:cNvPr id="1" name=""/>
+        <p:cNvGrpSpPr/>
+        <p:nvPr/>
+      </p:nvGrpSpPr>
+      <p:grpSpPr>
+        <a:xfrm>
+          <a:off x="0" y="0"/>
+          <a:ext cx="0" cy="0"/>
+          <a:chOff x="0" y="0"/>
+          <a:chExt cx="0" cy="0"/>
+        </a:xfrm>
+      </p:grpSpPr>
+      <p:sp>
+        <p:nvSpPr>
+          <p:cNvPr id="2" name="Title 1"/>
+          <p:cNvSpPr>
+            <a:spLocks noGrp="1"/>
+          </p:cNvSpPr>
+          <p:nvPr>
+            <p:ph type="title"/>
+          </p:nvPr>
+        </p:nvSpPr>
+        <p:spPr/>
+        <p:txBody>
+          <a:bodyPr/>
+          <a:lstStyle/>
+          <a:p>
+            <a:r>
+              <a:rPr lang="en-GB" dirty="0"/>
+              <a:t>AMAZON ELASTIC CONTAINER REGISTRY</a:t>
+            </a:r>
+            <a:endParaRPr lang="tr-TR" dirty="0"/>
+          </a:p>
+        </p:txBody>
+      </p:sp>
+      <p:sp>
+        <p:nvSpPr>
+          <p:cNvPr id="3" name="Text Placeholder 2"/>
+          <p:cNvSpPr>
+            <a:spLocks noGrp="1"/>
+          </p:cNvSpPr>
+          <p:nvPr>
+            <p:ph type="body" idx="1"/>
+          </p:nvPr>
+        </p:nvSpPr>
+        <p:spPr/>
+        <p:txBody>
+          <a:bodyPr/>
+          <a:lstStyle/>
+          <a:p>
+            <a:endParaRPr lang="tr-TR" dirty="0"/>
+          </a:p>
+        </p:txBody>
+      </p:sp>
+    </p:spTree>
+    <p:extLst>
+      <p:ext uri="{BB962C8B-B14F-4D97-AF65-F5344CB8AC3E}">
+        <p14:creationId xmlns:p14="http://schemas.microsoft.com/office/powerpoint/2010/main" val="1672303738"/>
+      </p:ext>
+    </p:extLst>
+  </p:cSld>
+  <p:clrMapOvr>
+    <a:masterClrMapping/>
+  </p:clrMapOvr>
+</p:sld>
+</file>
+
+<file path=ppt/slides/slide31.xml><?xml version="1.0" encoding="utf-8"?>
+<p:sld xmlns:a="http://schemas.openxmlformats.org/drawingml/2006/main" xmlns:r="http://schemas.openxmlformats.org/officeDocument/2006/relationships" xmlns:p="http://schemas.openxmlformats.org/presentationml/2006/main">
+  <p:cSld>
+    <p:spTree>
+      <p:nvGrpSpPr>
+        <p:cNvPr id="1" name=""/>
+        <p:cNvGrpSpPr/>
+        <p:nvPr/>
+      </p:nvGrpSpPr>
+      <p:grpSpPr>
+        <a:xfrm>
+          <a:off x="0" y="0"/>
+          <a:ext cx="0" cy="0"/>
+          <a:chOff x="0" y="0"/>
+          <a:chExt cx="0" cy="0"/>
+        </a:xfrm>
+      </p:grpSpPr>
+      <p:sp>
+        <p:nvSpPr>
+          <p:cNvPr id="2" name="Title 1"/>
+          <p:cNvSpPr>
+            <a:spLocks noGrp="1"/>
+          </p:cNvSpPr>
+          <p:nvPr>
+            <p:ph type="ctrTitle"/>
+          </p:nvPr>
+        </p:nvSpPr>
+        <p:spPr/>
+        <p:txBody>
+          <a:bodyPr/>
+          <a:lstStyle/>
+          <a:p>
+            <a:r>
+              <a:rPr lang="en-GB" dirty="0"/>
+              <a:t>The end</a:t>
+            </a:r>
+            <a:endParaRPr lang="tr-TR" dirty="0"/>
+          </a:p>
+        </p:txBody>
+      </p:sp>
+      <p:sp>
+        <p:nvSpPr>
+          <p:cNvPr id="3" name="Subtitle 2"/>
+          <p:cNvSpPr>
+            <a:spLocks noGrp="1"/>
+          </p:cNvSpPr>
+          <p:nvPr>
+            <p:ph type="subTitle" idx="1"/>
+          </p:nvPr>
+        </p:nvSpPr>
+        <p:spPr/>
+        <p:txBody>
+          <a:bodyPr/>
+          <a:lstStyle/>
+          <a:p>
+            <a:r>
+              <a:rPr lang="en-GB" dirty="0"/>
+              <a:t>Any questıons or comments?</a:t>
+            </a:r>
+            <a:endParaRPr lang="tr-TR" dirty="0"/>
+          </a:p>
+        </p:txBody>
+      </p:sp>
+    </p:spTree>
+    <p:extLst>
+      <p:ext uri="{BB962C8B-B14F-4D97-AF65-F5344CB8AC3E}">
+        <p14:creationId xmlns:p14="http://schemas.microsoft.com/office/powerpoint/2010/main" val="3243646192"/>
       </p:ext>
     </p:extLst>
   </p:cSld>

--- a/DOCKER 101.pptx
+++ b/DOCKER 101.pptx
@@ -10,32 +10,34 @@
     <p:sldId id="275" r:id="rId4"/>
     <p:sldId id="276" r:id="rId5"/>
     <p:sldId id="274" r:id="rId6"/>
-    <p:sldId id="289" r:id="rId7"/>
-    <p:sldId id="271" r:id="rId8"/>
-    <p:sldId id="280" r:id="rId9"/>
-    <p:sldId id="272" r:id="rId10"/>
-    <p:sldId id="288" r:id="rId11"/>
-    <p:sldId id="282" r:id="rId12"/>
-    <p:sldId id="290" r:id="rId13"/>
-    <p:sldId id="283" r:id="rId14"/>
-    <p:sldId id="291" r:id="rId15"/>
-    <p:sldId id="292" r:id="rId16"/>
-    <p:sldId id="293" r:id="rId17"/>
-    <p:sldId id="285" r:id="rId18"/>
-    <p:sldId id="294" r:id="rId19"/>
-    <p:sldId id="295" r:id="rId20"/>
-    <p:sldId id="296" r:id="rId21"/>
-    <p:sldId id="286" r:id="rId22"/>
-    <p:sldId id="297" r:id="rId23"/>
-    <p:sldId id="284" r:id="rId24"/>
-    <p:sldId id="287" r:id="rId25"/>
-    <p:sldId id="263" r:id="rId26"/>
-    <p:sldId id="264" r:id="rId27"/>
-    <p:sldId id="265" r:id="rId28"/>
-    <p:sldId id="266" r:id="rId29"/>
-    <p:sldId id="267" r:id="rId30"/>
-    <p:sldId id="268" r:id="rId31"/>
-    <p:sldId id="269" r:id="rId32"/>
+    <p:sldId id="271" r:id="rId7"/>
+    <p:sldId id="280" r:id="rId8"/>
+    <p:sldId id="272" r:id="rId9"/>
+    <p:sldId id="288" r:id="rId10"/>
+    <p:sldId id="282" r:id="rId11"/>
+    <p:sldId id="290" r:id="rId12"/>
+    <p:sldId id="283" r:id="rId13"/>
+    <p:sldId id="291" r:id="rId14"/>
+    <p:sldId id="292" r:id="rId15"/>
+    <p:sldId id="293" r:id="rId16"/>
+    <p:sldId id="285" r:id="rId17"/>
+    <p:sldId id="294" r:id="rId18"/>
+    <p:sldId id="295" r:id="rId19"/>
+    <p:sldId id="296" r:id="rId20"/>
+    <p:sldId id="286" r:id="rId21"/>
+    <p:sldId id="297" r:id="rId22"/>
+    <p:sldId id="298" r:id="rId23"/>
+    <p:sldId id="299" r:id="rId24"/>
+    <p:sldId id="284" r:id="rId25"/>
+    <p:sldId id="301" r:id="rId26"/>
+    <p:sldId id="300" r:id="rId27"/>
+    <p:sldId id="287" r:id="rId28"/>
+    <p:sldId id="302" r:id="rId29"/>
+    <p:sldId id="303" r:id="rId30"/>
+    <p:sldId id="304" r:id="rId31"/>
+    <p:sldId id="305" r:id="rId32"/>
+    <p:sldId id="268" r:id="rId33"/>
+    <p:sldId id="269" r:id="rId34"/>
   </p:sldIdLst>
   <p:sldSz cx="12192000" cy="6858000"/>
   <p:notesSz cx="6858000" cy="9144000"/>
@@ -192,7 +194,7 @@
           <a:noFill/>
           <a:extLst>
             <a:ext uri="{909E8E84-426E-40dd-AFC4-6F175D3DCCD1}">
-              <a14:hiddenFill xmlns="" xmlns:a14="http://schemas.microsoft.com/office/drawing/2010/main">
+              <a14:hiddenFill xmlns:a14="http://schemas.microsoft.com/office/drawing/2010/main" xmlns="">
                 <a:solidFill>
                   <a:srgbClr val="FFFFFF"/>
                 </a:solidFill>
@@ -252,7 +254,7 @@
             </a:ln>
             <a:extLst>
               <a:ext uri="{91240B29-F687-4f45-9708-019B960494DF}">
-                <a14:hiddenLine xmlns="" xmlns:a14="http://schemas.microsoft.com/office/drawing/2010/main" w="9525">
+                <a14:hiddenLine xmlns:a14="http://schemas.microsoft.com/office/drawing/2010/main" xmlns="" w="9525">
                   <a:solidFill>
                     <a:srgbClr val="000000"/>
                   </a:solidFill>
@@ -342,7 +344,7 @@
             </a:ln>
             <a:extLst>
               <a:ext uri="{91240B29-F687-4f45-9708-019B960494DF}">
-                <a14:hiddenLine xmlns="" xmlns:a14="http://schemas.microsoft.com/office/drawing/2010/main" w="9525">
+                <a14:hiddenLine xmlns:a14="http://schemas.microsoft.com/office/drawing/2010/main" xmlns="" w="9525">
                   <a:solidFill>
                     <a:srgbClr val="000000"/>
                   </a:solidFill>
@@ -432,7 +434,7 @@
             </a:ln>
             <a:extLst>
               <a:ext uri="{91240B29-F687-4f45-9708-019B960494DF}">
-                <a14:hiddenLine xmlns="" xmlns:a14="http://schemas.microsoft.com/office/drawing/2010/main" w="9525">
+                <a14:hiddenLine xmlns:a14="http://schemas.microsoft.com/office/drawing/2010/main" xmlns="" w="9525">
                   <a:solidFill>
                     <a:srgbClr val="000000"/>
                   </a:solidFill>
@@ -466,7 +468,7 @@
             </a:ln>
             <a:extLst>
               <a:ext uri="{91240B29-F687-4f45-9708-019B960494DF}">
-                <a14:hiddenLine xmlns="" xmlns:a14="http://schemas.microsoft.com/office/drawing/2010/main" w="9525">
+                <a14:hiddenLine xmlns:a14="http://schemas.microsoft.com/office/drawing/2010/main" xmlns="" w="9525">
                   <a:solidFill>
                     <a:srgbClr val="000000"/>
                   </a:solidFill>
@@ -556,7 +558,7 @@
             </a:ln>
             <a:extLst>
               <a:ext uri="{91240B29-F687-4f45-9708-019B960494DF}">
-                <a14:hiddenLine xmlns="" xmlns:a14="http://schemas.microsoft.com/office/drawing/2010/main" w="9525">
+                <a14:hiddenLine xmlns:a14="http://schemas.microsoft.com/office/drawing/2010/main" xmlns="" w="9525">
                   <a:solidFill>
                     <a:srgbClr val="000000"/>
                   </a:solidFill>
@@ -618,7 +620,7 @@
             </a:ln>
             <a:extLst>
               <a:ext uri="{91240B29-F687-4f45-9708-019B960494DF}">
-                <a14:hiddenLine xmlns="" xmlns:a14="http://schemas.microsoft.com/office/drawing/2010/main" w="9525">
+                <a14:hiddenLine xmlns:a14="http://schemas.microsoft.com/office/drawing/2010/main" xmlns="" w="9525">
                   <a:solidFill>
                     <a:srgbClr val="000000"/>
                   </a:solidFill>
@@ -680,7 +682,7 @@
             </a:ln>
             <a:extLst>
               <a:ext uri="{91240B29-F687-4f45-9708-019B960494DF}">
-                <a14:hiddenLine xmlns="" xmlns:a14="http://schemas.microsoft.com/office/drawing/2010/main" w="9525">
+                <a14:hiddenLine xmlns:a14="http://schemas.microsoft.com/office/drawing/2010/main" xmlns="" w="9525">
                   <a:solidFill>
                     <a:srgbClr val="000000"/>
                   </a:solidFill>
@@ -770,7 +772,7 @@
             </a:ln>
             <a:extLst>
               <a:ext uri="{91240B29-F687-4f45-9708-019B960494DF}">
-                <a14:hiddenLine xmlns="" xmlns:a14="http://schemas.microsoft.com/office/drawing/2010/main" w="9525">
+                <a14:hiddenLine xmlns:a14="http://schemas.microsoft.com/office/drawing/2010/main" xmlns="" w="9525">
                   <a:solidFill>
                     <a:srgbClr val="000000"/>
                   </a:solidFill>
@@ -832,7 +834,7 @@
             </a:ln>
             <a:extLst>
               <a:ext uri="{91240B29-F687-4f45-9708-019B960494DF}">
-                <a14:hiddenLine xmlns="" xmlns:a14="http://schemas.microsoft.com/office/drawing/2010/main" w="9525">
+                <a14:hiddenLine xmlns:a14="http://schemas.microsoft.com/office/drawing/2010/main" xmlns="" w="9525">
                   <a:solidFill>
                     <a:srgbClr val="000000"/>
                   </a:solidFill>
@@ -894,7 +896,7 @@
             </a:ln>
             <a:extLst>
               <a:ext uri="{91240B29-F687-4f45-9708-019B960494DF}">
-                <a14:hiddenLine xmlns="" xmlns:a14="http://schemas.microsoft.com/office/drawing/2010/main" w="9525">
+                <a14:hiddenLine xmlns:a14="http://schemas.microsoft.com/office/drawing/2010/main" xmlns="" w="9525">
                   <a:solidFill>
                     <a:srgbClr val="000000"/>
                   </a:solidFill>
@@ -984,7 +986,7 @@
             </a:ln>
             <a:extLst>
               <a:ext uri="{91240B29-F687-4f45-9708-019B960494DF}">
-                <a14:hiddenLine xmlns="" xmlns:a14="http://schemas.microsoft.com/office/drawing/2010/main" w="9525">
+                <a14:hiddenLine xmlns:a14="http://schemas.microsoft.com/office/drawing/2010/main" xmlns="" w="9525">
                   <a:solidFill>
                     <a:srgbClr val="000000"/>
                   </a:solidFill>
@@ -1074,7 +1076,7 @@
             </a:ln>
             <a:extLst>
               <a:ext uri="{91240B29-F687-4f45-9708-019B960494DF}">
-                <a14:hiddenLine xmlns="" xmlns:a14="http://schemas.microsoft.com/office/drawing/2010/main" w="9525">
+                <a14:hiddenLine xmlns:a14="http://schemas.microsoft.com/office/drawing/2010/main" xmlns="" w="9525">
                   <a:solidFill>
                     <a:srgbClr val="000000"/>
                   </a:solidFill>
@@ -1136,7 +1138,7 @@
             </a:ln>
             <a:extLst>
               <a:ext uri="{91240B29-F687-4f45-9708-019B960494DF}">
-                <a14:hiddenLine xmlns="" xmlns:a14="http://schemas.microsoft.com/office/drawing/2010/main" w="9525">
+                <a14:hiddenLine xmlns:a14="http://schemas.microsoft.com/office/drawing/2010/main" xmlns="" w="9525">
                   <a:solidFill>
                     <a:srgbClr val="000000"/>
                   </a:solidFill>
@@ -1246,7 +1248,7 @@
             </a:ln>
             <a:extLst>
               <a:ext uri="{91240B29-F687-4f45-9708-019B960494DF}">
-                <a14:hiddenLine xmlns="" xmlns:a14="http://schemas.microsoft.com/office/drawing/2010/main" w="9525">
+                <a14:hiddenLine xmlns:a14="http://schemas.microsoft.com/office/drawing/2010/main" xmlns="" w="9525">
                   <a:solidFill>
                     <a:srgbClr val="000000"/>
                   </a:solidFill>
@@ -1308,7 +1310,7 @@
             </a:ln>
             <a:extLst>
               <a:ext uri="{91240B29-F687-4f45-9708-019B960494DF}">
-                <a14:hiddenLine xmlns="" xmlns:a14="http://schemas.microsoft.com/office/drawing/2010/main" w="9525">
+                <a14:hiddenLine xmlns:a14="http://schemas.microsoft.com/office/drawing/2010/main" xmlns="" w="9525">
                   <a:solidFill>
                     <a:srgbClr val="000000"/>
                   </a:solidFill>
@@ -1398,7 +1400,7 @@
             </a:ln>
             <a:extLst>
               <a:ext uri="{91240B29-F687-4f45-9708-019B960494DF}">
-                <a14:hiddenLine xmlns="" xmlns:a14="http://schemas.microsoft.com/office/drawing/2010/main" w="9525">
+                <a14:hiddenLine xmlns:a14="http://schemas.microsoft.com/office/drawing/2010/main" xmlns="" w="9525">
                   <a:solidFill>
                     <a:srgbClr val="000000"/>
                   </a:solidFill>
@@ -1488,7 +1490,7 @@
             </a:ln>
             <a:extLst>
               <a:ext uri="{91240B29-F687-4f45-9708-019B960494DF}">
-                <a14:hiddenLine xmlns="" xmlns:a14="http://schemas.microsoft.com/office/drawing/2010/main" w="9525">
+                <a14:hiddenLine xmlns:a14="http://schemas.microsoft.com/office/drawing/2010/main" xmlns="" w="9525">
                   <a:solidFill>
                     <a:srgbClr val="000000"/>
                   </a:solidFill>
@@ -1550,7 +1552,7 @@
             </a:ln>
             <a:extLst>
               <a:ext uri="{91240B29-F687-4f45-9708-019B960494DF}">
-                <a14:hiddenLine xmlns="" xmlns:a14="http://schemas.microsoft.com/office/drawing/2010/main" w="9525">
+                <a14:hiddenLine xmlns:a14="http://schemas.microsoft.com/office/drawing/2010/main" xmlns="" w="9525">
                   <a:solidFill>
                     <a:srgbClr val="000000"/>
                   </a:solidFill>
@@ -1640,7 +1642,7 @@
             </a:ln>
             <a:extLst>
               <a:ext uri="{91240B29-F687-4f45-9708-019B960494DF}">
-                <a14:hiddenLine xmlns="" xmlns:a14="http://schemas.microsoft.com/office/drawing/2010/main" w="9525">
+                <a14:hiddenLine xmlns:a14="http://schemas.microsoft.com/office/drawing/2010/main" xmlns="" w="9525">
                   <a:solidFill>
                     <a:srgbClr val="000000"/>
                   </a:solidFill>
@@ -1730,7 +1732,7 @@
             </a:ln>
             <a:extLst>
               <a:ext uri="{91240B29-F687-4f45-9708-019B960494DF}">
-                <a14:hiddenLine xmlns="" xmlns:a14="http://schemas.microsoft.com/office/drawing/2010/main" w="9525">
+                <a14:hiddenLine xmlns:a14="http://schemas.microsoft.com/office/drawing/2010/main" xmlns="" w="9525">
                   <a:solidFill>
                     <a:srgbClr val="000000"/>
                   </a:solidFill>
@@ -1786,7 +1788,7 @@
             </a:ln>
             <a:extLst>
               <a:ext uri="{91240B29-F687-4f45-9708-019B960494DF}">
-                <a14:hiddenLine xmlns="" xmlns:a14="http://schemas.microsoft.com/office/drawing/2010/main" w="9525">
+                <a14:hiddenLine xmlns:a14="http://schemas.microsoft.com/office/drawing/2010/main" xmlns="" w="9525">
                   <a:solidFill>
                     <a:srgbClr val="000000"/>
                   </a:solidFill>
@@ -1876,7 +1878,7 @@
             </a:ln>
             <a:extLst>
               <a:ext uri="{91240B29-F687-4f45-9708-019B960494DF}">
-                <a14:hiddenLine xmlns="" xmlns:a14="http://schemas.microsoft.com/office/drawing/2010/main" w="9525">
+                <a14:hiddenLine xmlns:a14="http://schemas.microsoft.com/office/drawing/2010/main" xmlns="" w="9525">
                   <a:solidFill>
                     <a:srgbClr val="000000"/>
                   </a:solidFill>
@@ -1932,7 +1934,7 @@
             </a:ln>
             <a:extLst>
               <a:ext uri="{91240B29-F687-4f45-9708-019B960494DF}">
-                <a14:hiddenLine xmlns="" xmlns:a14="http://schemas.microsoft.com/office/drawing/2010/main" w="9525">
+                <a14:hiddenLine xmlns:a14="http://schemas.microsoft.com/office/drawing/2010/main" xmlns="" w="9525">
                   <a:solidFill>
                     <a:srgbClr val="000000"/>
                   </a:solidFill>
@@ -2022,7 +2024,7 @@
             </a:ln>
             <a:extLst>
               <a:ext uri="{91240B29-F687-4f45-9708-019B960494DF}">
-                <a14:hiddenLine xmlns="" xmlns:a14="http://schemas.microsoft.com/office/drawing/2010/main" w="9525">
+                <a14:hiddenLine xmlns:a14="http://schemas.microsoft.com/office/drawing/2010/main" xmlns="" w="9525">
                   <a:solidFill>
                     <a:srgbClr val="000000"/>
                   </a:solidFill>
@@ -2090,7 +2092,7 @@
             </a:ln>
             <a:extLst>
               <a:ext uri="{91240B29-F687-4f45-9708-019B960494DF}">
-                <a14:hiddenLine xmlns="" xmlns:a14="http://schemas.microsoft.com/office/drawing/2010/main" w="9525">
+                <a14:hiddenLine xmlns:a14="http://schemas.microsoft.com/office/drawing/2010/main" xmlns="" w="9525">
                   <a:solidFill>
                     <a:srgbClr val="000000"/>
                   </a:solidFill>
@@ -2180,7 +2182,7 @@
             </a:ln>
             <a:extLst>
               <a:ext uri="{91240B29-F687-4f45-9708-019B960494DF}">
-                <a14:hiddenLine xmlns="" xmlns:a14="http://schemas.microsoft.com/office/drawing/2010/main" w="9525">
+                <a14:hiddenLine xmlns:a14="http://schemas.microsoft.com/office/drawing/2010/main" xmlns="" w="9525">
                   <a:solidFill>
                     <a:srgbClr val="000000"/>
                   </a:solidFill>
@@ -2248,7 +2250,7 @@
             </a:ln>
             <a:extLst>
               <a:ext uri="{91240B29-F687-4f45-9708-019B960494DF}">
-                <a14:hiddenLine xmlns="" xmlns:a14="http://schemas.microsoft.com/office/drawing/2010/main" w="9525">
+                <a14:hiddenLine xmlns:a14="http://schemas.microsoft.com/office/drawing/2010/main" xmlns="" w="9525">
                   <a:solidFill>
                     <a:srgbClr val="000000"/>
                   </a:solidFill>
@@ -2338,7 +2340,7 @@
             </a:ln>
             <a:extLst>
               <a:ext uri="{91240B29-F687-4f45-9708-019B960494DF}">
-                <a14:hiddenLine xmlns="" xmlns:a14="http://schemas.microsoft.com/office/drawing/2010/main" w="9525">
+                <a14:hiddenLine xmlns:a14="http://schemas.microsoft.com/office/drawing/2010/main" xmlns="" w="9525">
                   <a:solidFill>
                     <a:srgbClr val="000000"/>
                   </a:solidFill>
@@ -2372,7 +2374,7 @@
             </a:ln>
             <a:extLst>
               <a:ext uri="{91240B29-F687-4f45-9708-019B960494DF}">
-                <a14:hiddenLine xmlns="" xmlns:a14="http://schemas.microsoft.com/office/drawing/2010/main" w="9525">
+                <a14:hiddenLine xmlns:a14="http://schemas.microsoft.com/office/drawing/2010/main" xmlns="" w="9525">
                   <a:solidFill>
                     <a:srgbClr val="000000"/>
                   </a:solidFill>
@@ -2462,7 +2464,7 @@
             </a:ln>
             <a:extLst>
               <a:ext uri="{91240B29-F687-4f45-9708-019B960494DF}">
-                <a14:hiddenLine xmlns="" xmlns:a14="http://schemas.microsoft.com/office/drawing/2010/main" w="9525">
+                <a14:hiddenLine xmlns:a14="http://schemas.microsoft.com/office/drawing/2010/main" xmlns="" w="9525">
                   <a:solidFill>
                     <a:srgbClr val="000000"/>
                   </a:solidFill>
@@ -2524,7 +2526,7 @@
             </a:ln>
             <a:extLst>
               <a:ext uri="{91240B29-F687-4f45-9708-019B960494DF}">
-                <a14:hiddenLine xmlns="" xmlns:a14="http://schemas.microsoft.com/office/drawing/2010/main" w="9525">
+                <a14:hiddenLine xmlns:a14="http://schemas.microsoft.com/office/drawing/2010/main" xmlns="" w="9525">
                   <a:solidFill>
                     <a:srgbClr val="000000"/>
                   </a:solidFill>
@@ -2586,7 +2588,7 @@
             </a:ln>
             <a:extLst>
               <a:ext uri="{91240B29-F687-4f45-9708-019B960494DF}">
-                <a14:hiddenLine xmlns="" xmlns:a14="http://schemas.microsoft.com/office/drawing/2010/main" w="9525">
+                <a14:hiddenLine xmlns:a14="http://schemas.microsoft.com/office/drawing/2010/main" xmlns="" w="9525">
                   <a:solidFill>
                     <a:srgbClr val="000000"/>
                   </a:solidFill>
@@ -2676,7 +2678,7 @@
             </a:ln>
             <a:extLst>
               <a:ext uri="{91240B29-F687-4f45-9708-019B960494DF}">
-                <a14:hiddenLine xmlns="" xmlns:a14="http://schemas.microsoft.com/office/drawing/2010/main" w="9525">
+                <a14:hiddenLine xmlns:a14="http://schemas.microsoft.com/office/drawing/2010/main" xmlns="" w="9525">
                   <a:solidFill>
                     <a:srgbClr val="000000"/>
                   </a:solidFill>
@@ -2744,7 +2746,7 @@
             </a:ln>
             <a:extLst>
               <a:ext uri="{91240B29-F687-4f45-9708-019B960494DF}">
-                <a14:hiddenLine xmlns="" xmlns:a14="http://schemas.microsoft.com/office/drawing/2010/main" w="9525">
+                <a14:hiddenLine xmlns:a14="http://schemas.microsoft.com/office/drawing/2010/main" xmlns="" w="9525">
                   <a:solidFill>
                     <a:srgbClr val="000000"/>
                   </a:solidFill>
@@ -2806,7 +2808,7 @@
             </a:ln>
             <a:extLst>
               <a:ext uri="{91240B29-F687-4f45-9708-019B960494DF}">
-                <a14:hiddenLine xmlns="" xmlns:a14="http://schemas.microsoft.com/office/drawing/2010/main" w="9525">
+                <a14:hiddenLine xmlns:a14="http://schemas.microsoft.com/office/drawing/2010/main" xmlns="" w="9525">
                   <a:solidFill>
                     <a:srgbClr val="000000"/>
                   </a:solidFill>
@@ -2896,7 +2898,7 @@
             </a:ln>
             <a:extLst>
               <a:ext uri="{91240B29-F687-4f45-9708-019B960494DF}">
-                <a14:hiddenLine xmlns="" xmlns:a14="http://schemas.microsoft.com/office/drawing/2010/main" w="9525">
+                <a14:hiddenLine xmlns:a14="http://schemas.microsoft.com/office/drawing/2010/main" xmlns="" w="9525">
                   <a:solidFill>
                     <a:srgbClr val="000000"/>
                   </a:solidFill>
@@ -2958,7 +2960,7 @@
             </a:ln>
             <a:extLst>
               <a:ext uri="{91240B29-F687-4f45-9708-019B960494DF}">
-                <a14:hiddenLine xmlns="" xmlns:a14="http://schemas.microsoft.com/office/drawing/2010/main" w="9525">
+                <a14:hiddenLine xmlns:a14="http://schemas.microsoft.com/office/drawing/2010/main" xmlns="" w="9525">
                   <a:solidFill>
                     <a:srgbClr val="000000"/>
                   </a:solidFill>
@@ -3048,7 +3050,7 @@
             </a:ln>
             <a:extLst>
               <a:ext uri="{91240B29-F687-4f45-9708-019B960494DF}">
-                <a14:hiddenLine xmlns="" xmlns:a14="http://schemas.microsoft.com/office/drawing/2010/main" w="9525">
+                <a14:hiddenLine xmlns:a14="http://schemas.microsoft.com/office/drawing/2010/main" xmlns="" w="9525">
                   <a:solidFill>
                     <a:srgbClr val="000000"/>
                   </a:solidFill>
@@ -3110,7 +3112,7 @@
             </a:ln>
             <a:extLst>
               <a:ext uri="{91240B29-F687-4f45-9708-019B960494DF}">
-                <a14:hiddenLine xmlns="" xmlns:a14="http://schemas.microsoft.com/office/drawing/2010/main" w="9525">
+                <a14:hiddenLine xmlns:a14="http://schemas.microsoft.com/office/drawing/2010/main" xmlns="" w="9525">
                   <a:solidFill>
                     <a:srgbClr val="000000"/>
                   </a:solidFill>
@@ -3200,7 +3202,7 @@
             </a:ln>
             <a:extLst>
               <a:ext uri="{91240B29-F687-4f45-9708-019B960494DF}">
-                <a14:hiddenLine xmlns="" xmlns:a14="http://schemas.microsoft.com/office/drawing/2010/main" w="9525">
+                <a14:hiddenLine xmlns:a14="http://schemas.microsoft.com/office/drawing/2010/main" xmlns="" w="9525">
                   <a:solidFill>
                     <a:srgbClr val="000000"/>
                   </a:solidFill>
@@ -3234,7 +3236,7 @@
             </a:ln>
             <a:extLst>
               <a:ext uri="{91240B29-F687-4f45-9708-019B960494DF}">
-                <a14:hiddenLine xmlns="" xmlns:a14="http://schemas.microsoft.com/office/drawing/2010/main" w="9525">
+                <a14:hiddenLine xmlns:a14="http://schemas.microsoft.com/office/drawing/2010/main" xmlns="" w="9525">
                   <a:solidFill>
                     <a:srgbClr val="000000"/>
                   </a:solidFill>
@@ -3299,7 +3301,7 @@
             </a:ln>
             <a:extLst>
               <a:ext uri="{91240B29-F687-4f45-9708-019B960494DF}">
-                <a14:hiddenLine xmlns="" xmlns:a14="http://schemas.microsoft.com/office/drawing/2010/main" w="9525">
+                <a14:hiddenLine xmlns:a14="http://schemas.microsoft.com/office/drawing/2010/main" xmlns="" w="9525">
                   <a:solidFill>
                     <a:srgbClr val="000000"/>
                   </a:solidFill>
@@ -3389,7 +3391,7 @@
             </a:ln>
             <a:extLst>
               <a:ext uri="{91240B29-F687-4f45-9708-019B960494DF}">
-                <a14:hiddenLine xmlns="" xmlns:a14="http://schemas.microsoft.com/office/drawing/2010/main" w="9525">
+                <a14:hiddenLine xmlns:a14="http://schemas.microsoft.com/office/drawing/2010/main" xmlns="" w="9525">
                   <a:solidFill>
                     <a:srgbClr val="000000"/>
                   </a:solidFill>
@@ -3451,7 +3453,7 @@
             </a:ln>
             <a:extLst>
               <a:ext uri="{91240B29-F687-4f45-9708-019B960494DF}">
-                <a14:hiddenLine xmlns="" xmlns:a14="http://schemas.microsoft.com/office/drawing/2010/main" w="9525">
+                <a14:hiddenLine xmlns:a14="http://schemas.microsoft.com/office/drawing/2010/main" xmlns="" w="9525">
                   <a:solidFill>
                     <a:srgbClr val="000000"/>
                   </a:solidFill>
@@ -3541,7 +3543,7 @@
             </a:ln>
             <a:extLst>
               <a:ext uri="{91240B29-F687-4f45-9708-019B960494DF}">
-                <a14:hiddenLine xmlns="" xmlns:a14="http://schemas.microsoft.com/office/drawing/2010/main" w="9525">
+                <a14:hiddenLine xmlns:a14="http://schemas.microsoft.com/office/drawing/2010/main" xmlns="" w="9525">
                   <a:solidFill>
                     <a:srgbClr val="000000"/>
                   </a:solidFill>
@@ -3631,7 +3633,7 @@
             </a:ln>
             <a:extLst>
               <a:ext uri="{91240B29-F687-4f45-9708-019B960494DF}">
-                <a14:hiddenLine xmlns="" xmlns:a14="http://schemas.microsoft.com/office/drawing/2010/main" w="9525">
+                <a14:hiddenLine xmlns:a14="http://schemas.microsoft.com/office/drawing/2010/main" xmlns="" w="9525">
                   <a:solidFill>
                     <a:srgbClr val="000000"/>
                   </a:solidFill>
@@ -3696,7 +3698,7 @@
             </a:ln>
             <a:extLst>
               <a:ext uri="{91240B29-F687-4f45-9708-019B960494DF}">
-                <a14:hiddenLine xmlns="" xmlns:a14="http://schemas.microsoft.com/office/drawing/2010/main" w="9525">
+                <a14:hiddenLine xmlns:a14="http://schemas.microsoft.com/office/drawing/2010/main" xmlns="" w="9525">
                   <a:solidFill>
                     <a:srgbClr val="000000"/>
                   </a:solidFill>
@@ -3758,7 +3760,7 @@
             </a:ln>
             <a:extLst>
               <a:ext uri="{91240B29-F687-4f45-9708-019B960494DF}">
-                <a14:hiddenLine xmlns="" xmlns:a14="http://schemas.microsoft.com/office/drawing/2010/main" w="9525">
+                <a14:hiddenLine xmlns:a14="http://schemas.microsoft.com/office/drawing/2010/main" xmlns="" w="9525">
                   <a:solidFill>
                     <a:srgbClr val="000000"/>
                   </a:solidFill>
@@ -3848,7 +3850,7 @@
             </a:ln>
             <a:extLst>
               <a:ext uri="{91240B29-F687-4f45-9708-019B960494DF}">
-                <a14:hiddenLine xmlns="" xmlns:a14="http://schemas.microsoft.com/office/drawing/2010/main" w="9525">
+                <a14:hiddenLine xmlns:a14="http://schemas.microsoft.com/office/drawing/2010/main" xmlns="" w="9525">
                   <a:solidFill>
                     <a:srgbClr val="000000"/>
                   </a:solidFill>
@@ -3938,7 +3940,7 @@
             </a:ln>
             <a:extLst>
               <a:ext uri="{91240B29-F687-4f45-9708-019B960494DF}">
-                <a14:hiddenLine xmlns="" xmlns:a14="http://schemas.microsoft.com/office/drawing/2010/main" w="9525">
+                <a14:hiddenLine xmlns:a14="http://schemas.microsoft.com/office/drawing/2010/main" xmlns="" w="9525">
                   <a:solidFill>
                     <a:srgbClr val="000000"/>
                   </a:solidFill>
@@ -4000,7 +4002,7 @@
             </a:ln>
             <a:extLst>
               <a:ext uri="{91240B29-F687-4f45-9708-019B960494DF}">
-                <a14:hiddenLine xmlns="" xmlns:a14="http://schemas.microsoft.com/office/drawing/2010/main" w="9525">
+                <a14:hiddenLine xmlns:a14="http://schemas.microsoft.com/office/drawing/2010/main" xmlns="" w="9525">
                   <a:solidFill>
                     <a:srgbClr val="000000"/>
                   </a:solidFill>
@@ -4120,7 +4122,7 @@
             </a:ln>
             <a:extLst>
               <a:ext uri="{91240B29-F687-4f45-9708-019B960494DF}">
-                <a14:hiddenLine xmlns="" xmlns:a14="http://schemas.microsoft.com/office/drawing/2010/main" w="9525">
+                <a14:hiddenLine xmlns:a14="http://schemas.microsoft.com/office/drawing/2010/main" xmlns="" w="9525">
                   <a:solidFill>
                     <a:srgbClr val="000000"/>
                   </a:solidFill>
@@ -4188,7 +4190,7 @@
             </a:ln>
             <a:extLst>
               <a:ext uri="{91240B29-F687-4f45-9708-019B960494DF}">
-                <a14:hiddenLine xmlns="" xmlns:a14="http://schemas.microsoft.com/office/drawing/2010/main" w="9525">
+                <a14:hiddenLine xmlns:a14="http://schemas.microsoft.com/office/drawing/2010/main" xmlns="" w="9525">
                   <a:solidFill>
                     <a:srgbClr val="000000"/>
                   </a:solidFill>
@@ -4278,7 +4280,7 @@
             </a:ln>
             <a:extLst>
               <a:ext uri="{91240B29-F687-4f45-9708-019B960494DF}">
-                <a14:hiddenLine xmlns="" xmlns:a14="http://schemas.microsoft.com/office/drawing/2010/main" w="9525">
+                <a14:hiddenLine xmlns:a14="http://schemas.microsoft.com/office/drawing/2010/main" xmlns="" w="9525">
                   <a:solidFill>
                     <a:srgbClr val="000000"/>
                   </a:solidFill>
@@ -4418,7 +4420,7 @@
           <a:p>
             <a:fld id="{48A87A34-81AB-432B-8DAE-1953F412C126}" type="datetimeFigureOut">
               <a:rPr lang="en-US" dirty="0"/>
-              <a:t>6/20/2018</a:t>
+              <a:t>6/30/2018</a:t>
             </a:fld>
             <a:endParaRPr lang="en-US" dirty="0"/>
           </a:p>
@@ -4680,7 +4682,7 @@
           <a:p>
             <a:fld id="{48A87A34-81AB-432B-8DAE-1953F412C126}" type="datetimeFigureOut">
               <a:rPr lang="en-US" dirty="0"/>
-              <a:t>6/20/2018</a:t>
+              <a:t>6/30/2018</a:t>
             </a:fld>
             <a:endParaRPr lang="en-US" dirty="0"/>
           </a:p>
@@ -4871,7 +4873,7 @@
           <a:p>
             <a:fld id="{48A87A34-81AB-432B-8DAE-1953F412C126}" type="datetimeFigureOut">
               <a:rPr lang="en-US" dirty="0"/>
-              <a:t>6/20/2018</a:t>
+              <a:t>6/30/2018</a:t>
             </a:fld>
             <a:endParaRPr lang="en-US" dirty="0"/>
           </a:p>
@@ -5129,7 +5131,7 @@
           <a:p>
             <a:fld id="{48A87A34-81AB-432B-8DAE-1953F412C126}" type="datetimeFigureOut">
               <a:rPr lang="en-US" dirty="0"/>
-              <a:t>6/20/2018</a:t>
+              <a:t>6/30/2018</a:t>
             </a:fld>
             <a:endParaRPr lang="en-US" dirty="0"/>
           </a:p>
@@ -5558,7 +5560,7 @@
           <a:p>
             <a:fld id="{48A87A34-81AB-432B-8DAE-1953F412C126}" type="datetimeFigureOut">
               <a:rPr lang="en-US" dirty="0"/>
-              <a:t>6/20/2018</a:t>
+              <a:t>6/30/2018</a:t>
             </a:fld>
             <a:endParaRPr lang="en-US" dirty="0"/>
           </a:p>
@@ -6099,7 +6101,7 @@
           <a:p>
             <a:fld id="{48A87A34-81AB-432B-8DAE-1953F412C126}" type="datetimeFigureOut">
               <a:rPr lang="en-US" dirty="0"/>
-              <a:t>6/20/2018</a:t>
+              <a:t>6/30/2018</a:t>
             </a:fld>
             <a:endParaRPr lang="en-US" dirty="0"/>
           </a:p>
@@ -6814,7 +6816,7 @@
           <a:p>
             <a:fld id="{48A87A34-81AB-432B-8DAE-1953F412C126}" type="datetimeFigureOut">
               <a:rPr lang="en-US" dirty="0"/>
-              <a:t>6/20/2018</a:t>
+              <a:t>6/30/2018</a:t>
             </a:fld>
             <a:endParaRPr lang="en-US" dirty="0"/>
           </a:p>
@@ -6979,7 +6981,7 @@
           <a:p>
             <a:fld id="{48A87A34-81AB-432B-8DAE-1953F412C126}" type="datetimeFigureOut">
               <a:rPr lang="en-US" dirty="0"/>
-              <a:t>6/20/2018</a:t>
+              <a:t>6/30/2018</a:t>
             </a:fld>
             <a:endParaRPr lang="en-US" dirty="0"/>
           </a:p>
@@ -7154,7 +7156,7 @@
           <a:p>
             <a:fld id="{48A87A34-81AB-432B-8DAE-1953F412C126}" type="datetimeFigureOut">
               <a:rPr lang="en-US" dirty="0"/>
-              <a:t>6/20/2018</a:t>
+              <a:t>6/30/2018</a:t>
             </a:fld>
             <a:endParaRPr lang="en-US" dirty="0"/>
           </a:p>
@@ -7319,7 +7321,7 @@
           <a:p>
             <a:fld id="{48A87A34-81AB-432B-8DAE-1953F412C126}" type="datetimeFigureOut">
               <a:rPr lang="en-US" dirty="0"/>
-              <a:t>6/20/2018</a:t>
+              <a:t>6/30/2018</a:t>
             </a:fld>
             <a:endParaRPr lang="en-US" dirty="0"/>
           </a:p>
@@ -7564,7 +7566,7 @@
           <a:p>
             <a:fld id="{48A87A34-81AB-432B-8DAE-1953F412C126}" type="datetimeFigureOut">
               <a:rPr lang="en-US" dirty="0"/>
-              <a:t>6/20/2018</a:t>
+              <a:t>6/30/2018</a:t>
             </a:fld>
             <a:endParaRPr lang="en-US" dirty="0"/>
           </a:p>
@@ -7791,7 +7793,7 @@
           <a:p>
             <a:fld id="{48A87A34-81AB-432B-8DAE-1953F412C126}" type="datetimeFigureOut">
               <a:rPr lang="en-US" dirty="0"/>
-              <a:t>6/20/2018</a:t>
+              <a:t>6/30/2018</a:t>
             </a:fld>
             <a:endParaRPr lang="en-US" dirty="0"/>
           </a:p>
@@ -8167,7 +8169,7 @@
           <a:p>
             <a:fld id="{48A87A34-81AB-432B-8DAE-1953F412C126}" type="datetimeFigureOut">
               <a:rPr lang="en-US" dirty="0"/>
-              <a:t>6/20/2018</a:t>
+              <a:t>6/30/2018</a:t>
             </a:fld>
             <a:endParaRPr lang="en-US" dirty="0"/>
           </a:p>
@@ -8280,7 +8282,7 @@
           <a:p>
             <a:fld id="{48A87A34-81AB-432B-8DAE-1953F412C126}" type="datetimeFigureOut">
               <a:rPr lang="en-US" dirty="0"/>
-              <a:t>6/20/2018</a:t>
+              <a:t>6/30/2018</a:t>
             </a:fld>
             <a:endParaRPr lang="en-US" dirty="0"/>
           </a:p>
@@ -8370,7 +8372,7 @@
           <a:p>
             <a:fld id="{48A87A34-81AB-432B-8DAE-1953F412C126}" type="datetimeFigureOut">
               <a:rPr lang="en-US" dirty="0"/>
-              <a:t>6/20/2018</a:t>
+              <a:t>6/30/2018</a:t>
             </a:fld>
             <a:endParaRPr lang="en-US" dirty="0"/>
           </a:p>
@@ -8614,7 +8616,7 @@
           <a:p>
             <a:fld id="{48A87A34-81AB-432B-8DAE-1953F412C126}" type="datetimeFigureOut">
               <a:rPr lang="en-US" dirty="0"/>
-              <a:t>6/20/2018</a:t>
+              <a:t>6/30/2018</a:t>
             </a:fld>
             <a:endParaRPr lang="en-US" dirty="0"/>
           </a:p>
@@ -8889,7 +8891,7 @@
           <a:p>
             <a:fld id="{48A87A34-81AB-432B-8DAE-1953F412C126}" type="datetimeFigureOut">
               <a:rPr lang="en-US" dirty="0"/>
-              <a:t>6/20/2018</a:t>
+              <a:t>6/30/2018</a:t>
             </a:fld>
             <a:endParaRPr lang="en-US" dirty="0"/>
           </a:p>
@@ -9000,7 +9002,7 @@
           <a:noFill/>
           <a:extLst>
             <a:ext uri="{909E8E84-426E-40dd-AFC4-6F175D3DCCD1}">
-              <a14:hiddenFill xmlns="" xmlns:a14="http://schemas.microsoft.com/office/drawing/2010/main">
+              <a14:hiddenFill xmlns:a14="http://schemas.microsoft.com/office/drawing/2010/main" xmlns="">
                 <a:solidFill>
                   <a:srgbClr val="FFFFFF"/>
                 </a:solidFill>
@@ -9074,7 +9076,7 @@
               </a:ln>
               <a:extLst>
                 <a:ext uri="{91240B29-F687-4f45-9708-019B960494DF}">
-                  <a14:hiddenLine xmlns="" xmlns:a14="http://schemas.microsoft.com/office/drawing/2010/main" w="9525">
+                  <a14:hiddenLine xmlns:a14="http://schemas.microsoft.com/office/drawing/2010/main" xmlns="" w="9525">
                     <a:solidFill>
                       <a:srgbClr val="000000"/>
                     </a:solidFill>
@@ -9164,7 +9166,7 @@
               </a:ln>
               <a:extLst>
                 <a:ext uri="{91240B29-F687-4f45-9708-019B960494DF}">
-                  <a14:hiddenLine xmlns="" xmlns:a14="http://schemas.microsoft.com/office/drawing/2010/main" w="9525">
+                  <a14:hiddenLine xmlns:a14="http://schemas.microsoft.com/office/drawing/2010/main" xmlns="" w="9525">
                     <a:solidFill>
                       <a:srgbClr val="000000"/>
                     </a:solidFill>
@@ -9254,7 +9256,7 @@
               </a:ln>
               <a:extLst>
                 <a:ext uri="{91240B29-F687-4f45-9708-019B960494DF}">
-                  <a14:hiddenLine xmlns="" xmlns:a14="http://schemas.microsoft.com/office/drawing/2010/main" w="9525">
+                  <a14:hiddenLine xmlns:a14="http://schemas.microsoft.com/office/drawing/2010/main" xmlns="" w="9525">
                     <a:solidFill>
                       <a:srgbClr val="000000"/>
                     </a:solidFill>
@@ -9316,7 +9318,7 @@
               </a:ln>
               <a:extLst>
                 <a:ext uri="{91240B29-F687-4f45-9708-019B960494DF}">
-                  <a14:hiddenLine xmlns="" xmlns:a14="http://schemas.microsoft.com/office/drawing/2010/main" w="9525">
+                  <a14:hiddenLine xmlns:a14="http://schemas.microsoft.com/office/drawing/2010/main" xmlns="" w="9525">
                     <a:solidFill>
                       <a:srgbClr val="000000"/>
                     </a:solidFill>
@@ -9406,7 +9408,7 @@
               </a:ln>
               <a:extLst>
                 <a:ext uri="{91240B29-F687-4f45-9708-019B960494DF}">
-                  <a14:hiddenLine xmlns="" xmlns:a14="http://schemas.microsoft.com/office/drawing/2010/main" w="9525">
+                  <a14:hiddenLine xmlns:a14="http://schemas.microsoft.com/office/drawing/2010/main" xmlns="" w="9525">
                     <a:solidFill>
                       <a:srgbClr val="000000"/>
                     </a:solidFill>
@@ -9468,7 +9470,7 @@
               </a:ln>
               <a:extLst>
                 <a:ext uri="{91240B29-F687-4f45-9708-019B960494DF}">
-                  <a14:hiddenLine xmlns="" xmlns:a14="http://schemas.microsoft.com/office/drawing/2010/main" w="9525">
+                  <a14:hiddenLine xmlns:a14="http://schemas.microsoft.com/office/drawing/2010/main" xmlns="" w="9525">
                     <a:solidFill>
                       <a:srgbClr val="000000"/>
                     </a:solidFill>
@@ -9530,7 +9532,7 @@
               </a:ln>
               <a:extLst>
                 <a:ext uri="{91240B29-F687-4f45-9708-019B960494DF}">
-                  <a14:hiddenLine xmlns="" xmlns:a14="http://schemas.microsoft.com/office/drawing/2010/main" w="9525">
+                  <a14:hiddenLine xmlns:a14="http://schemas.microsoft.com/office/drawing/2010/main" xmlns="" w="9525">
                     <a:solidFill>
                       <a:srgbClr val="000000"/>
                     </a:solidFill>
@@ -9620,7 +9622,7 @@
               </a:ln>
               <a:extLst>
                 <a:ext uri="{91240B29-F687-4f45-9708-019B960494DF}">
-                  <a14:hiddenLine xmlns="" xmlns:a14="http://schemas.microsoft.com/office/drawing/2010/main" w="9525">
+                  <a14:hiddenLine xmlns:a14="http://schemas.microsoft.com/office/drawing/2010/main" xmlns="" w="9525">
                     <a:solidFill>
                       <a:srgbClr val="000000"/>
                     </a:solidFill>
@@ -9710,7 +9712,7 @@
               </a:ln>
               <a:extLst>
                 <a:ext uri="{91240B29-F687-4f45-9708-019B960494DF}">
-                  <a14:hiddenLine xmlns="" xmlns:a14="http://schemas.microsoft.com/office/drawing/2010/main" w="9525">
+                  <a14:hiddenLine xmlns:a14="http://schemas.microsoft.com/office/drawing/2010/main" xmlns="" w="9525">
                     <a:solidFill>
                       <a:srgbClr val="000000"/>
                     </a:solidFill>
@@ -9772,7 +9774,7 @@
               </a:ln>
               <a:extLst>
                 <a:ext uri="{91240B29-F687-4f45-9708-019B960494DF}">
-                  <a14:hiddenLine xmlns="" xmlns:a14="http://schemas.microsoft.com/office/drawing/2010/main" w="9525">
+                  <a14:hiddenLine xmlns:a14="http://schemas.microsoft.com/office/drawing/2010/main" xmlns="" w="9525">
                     <a:solidFill>
                       <a:srgbClr val="000000"/>
                     </a:solidFill>
@@ -9882,7 +9884,7 @@
               </a:ln>
               <a:extLst>
                 <a:ext uri="{91240B29-F687-4f45-9708-019B960494DF}">
-                  <a14:hiddenLine xmlns="" xmlns:a14="http://schemas.microsoft.com/office/drawing/2010/main" w="9525">
+                  <a14:hiddenLine xmlns:a14="http://schemas.microsoft.com/office/drawing/2010/main" xmlns="" w="9525">
                     <a:solidFill>
                       <a:srgbClr val="000000"/>
                     </a:solidFill>
@@ -9966,7 +9968,7 @@
               </a:ln>
               <a:extLst>
                 <a:ext uri="{91240B29-F687-4f45-9708-019B960494DF}">
-                  <a14:hiddenLine xmlns="" xmlns:a14="http://schemas.microsoft.com/office/drawing/2010/main" w="9525">
+                  <a14:hiddenLine xmlns:a14="http://schemas.microsoft.com/office/drawing/2010/main" xmlns="" w="9525">
                     <a:solidFill>
                       <a:srgbClr val="000000"/>
                     </a:solidFill>
@@ -10028,7 +10030,7 @@
               </a:ln>
               <a:extLst>
                 <a:ext uri="{91240B29-F687-4f45-9708-019B960494DF}">
-                  <a14:hiddenLine xmlns="" xmlns:a14="http://schemas.microsoft.com/office/drawing/2010/main" w="9525">
+                  <a14:hiddenLine xmlns:a14="http://schemas.microsoft.com/office/drawing/2010/main" xmlns="" w="9525">
                     <a:solidFill>
                       <a:srgbClr val="000000"/>
                     </a:solidFill>
@@ -10090,7 +10092,7 @@
               </a:ln>
               <a:extLst>
                 <a:ext uri="{91240B29-F687-4f45-9708-019B960494DF}">
-                  <a14:hiddenLine xmlns="" xmlns:a14="http://schemas.microsoft.com/office/drawing/2010/main" w="9525">
+                  <a14:hiddenLine xmlns:a14="http://schemas.microsoft.com/office/drawing/2010/main" xmlns="" w="9525">
                     <a:solidFill>
                       <a:srgbClr val="000000"/>
                     </a:solidFill>
@@ -10180,7 +10182,7 @@
               </a:ln>
               <a:extLst>
                 <a:ext uri="{91240B29-F687-4f45-9708-019B960494DF}">
-                  <a14:hiddenLine xmlns="" xmlns:a14="http://schemas.microsoft.com/office/drawing/2010/main" w="9525">
+                  <a14:hiddenLine xmlns:a14="http://schemas.microsoft.com/office/drawing/2010/main" xmlns="" w="9525">
                     <a:solidFill>
                       <a:srgbClr val="000000"/>
                     </a:solidFill>
@@ -10214,7 +10216,7 @@
               </a:ln>
               <a:extLst>
                 <a:ext uri="{91240B29-F687-4f45-9708-019B960494DF}">
-                  <a14:hiddenLine xmlns="" xmlns:a14="http://schemas.microsoft.com/office/drawing/2010/main" w="9525">
+                  <a14:hiddenLine xmlns:a14="http://schemas.microsoft.com/office/drawing/2010/main" xmlns="" w="9525">
                     <a:solidFill>
                       <a:srgbClr val="000000"/>
                     </a:solidFill>
@@ -10279,7 +10281,7 @@
               </a:ln>
               <a:extLst>
                 <a:ext uri="{91240B29-F687-4f45-9708-019B960494DF}">
-                  <a14:hiddenLine xmlns="" xmlns:a14="http://schemas.microsoft.com/office/drawing/2010/main" w="9525">
+                  <a14:hiddenLine xmlns:a14="http://schemas.microsoft.com/office/drawing/2010/main" xmlns="" w="9525">
                     <a:solidFill>
                       <a:srgbClr val="000000"/>
                     </a:solidFill>
@@ -10369,7 +10371,7 @@
               </a:ln>
               <a:extLst>
                 <a:ext uri="{91240B29-F687-4f45-9708-019B960494DF}">
-                  <a14:hiddenLine xmlns="" xmlns:a14="http://schemas.microsoft.com/office/drawing/2010/main" w="9525">
+                  <a14:hiddenLine xmlns:a14="http://schemas.microsoft.com/office/drawing/2010/main" xmlns="" w="9525">
                     <a:solidFill>
                       <a:srgbClr val="000000"/>
                     </a:solidFill>
@@ -10431,7 +10433,7 @@
               </a:ln>
               <a:extLst>
                 <a:ext uri="{91240B29-F687-4f45-9708-019B960494DF}">
-                  <a14:hiddenLine xmlns="" xmlns:a14="http://schemas.microsoft.com/office/drawing/2010/main" w="9525">
+                  <a14:hiddenLine xmlns:a14="http://schemas.microsoft.com/office/drawing/2010/main" xmlns="" w="9525">
                     <a:solidFill>
                       <a:srgbClr val="000000"/>
                     </a:solidFill>
@@ -10521,7 +10523,7 @@
               </a:ln>
               <a:extLst>
                 <a:ext uri="{91240B29-F687-4f45-9708-019B960494DF}">
-                  <a14:hiddenLine xmlns="" xmlns:a14="http://schemas.microsoft.com/office/drawing/2010/main" w="9525">
+                  <a14:hiddenLine xmlns:a14="http://schemas.microsoft.com/office/drawing/2010/main" xmlns="" w="9525">
                     <a:solidFill>
                       <a:srgbClr val="000000"/>
                     </a:solidFill>
@@ -10586,7 +10588,7 @@
               </a:ln>
               <a:extLst>
                 <a:ext uri="{91240B29-F687-4f45-9708-019B960494DF}">
-                  <a14:hiddenLine xmlns="" xmlns:a14="http://schemas.microsoft.com/office/drawing/2010/main" w="9525">
+                  <a14:hiddenLine xmlns:a14="http://schemas.microsoft.com/office/drawing/2010/main" xmlns="" w="9525">
                     <a:solidFill>
                       <a:srgbClr val="000000"/>
                     </a:solidFill>
@@ -10648,7 +10650,7 @@
               </a:ln>
               <a:extLst>
                 <a:ext uri="{91240B29-F687-4f45-9708-019B960494DF}">
-                  <a14:hiddenLine xmlns="" xmlns:a14="http://schemas.microsoft.com/office/drawing/2010/main" w="9525">
+                  <a14:hiddenLine xmlns:a14="http://schemas.microsoft.com/office/drawing/2010/main" xmlns="" w="9525">
                     <a:solidFill>
                       <a:srgbClr val="000000"/>
                     </a:solidFill>
@@ -10738,7 +10740,7 @@
               </a:ln>
               <a:extLst>
                 <a:ext uri="{91240B29-F687-4f45-9708-019B960494DF}">
-                  <a14:hiddenLine xmlns="" xmlns:a14="http://schemas.microsoft.com/office/drawing/2010/main" w="9525">
+                  <a14:hiddenLine xmlns:a14="http://schemas.microsoft.com/office/drawing/2010/main" xmlns="" w="9525">
                     <a:solidFill>
                       <a:srgbClr val="000000"/>
                     </a:solidFill>
@@ -10828,7 +10830,7 @@
               </a:ln>
               <a:extLst>
                 <a:ext uri="{91240B29-F687-4f45-9708-019B960494DF}">
-                  <a14:hiddenLine xmlns="" xmlns:a14="http://schemas.microsoft.com/office/drawing/2010/main" w="9525">
+                  <a14:hiddenLine xmlns:a14="http://schemas.microsoft.com/office/drawing/2010/main" xmlns="" w="9525">
                     <a:solidFill>
                       <a:srgbClr val="000000"/>
                     </a:solidFill>
@@ -10893,7 +10895,7 @@
               </a:ln>
               <a:extLst>
                 <a:ext uri="{91240B29-F687-4f45-9708-019B960494DF}">
-                  <a14:hiddenLine xmlns="" xmlns:a14="http://schemas.microsoft.com/office/drawing/2010/main" w="9525">
+                  <a14:hiddenLine xmlns:a14="http://schemas.microsoft.com/office/drawing/2010/main" xmlns="" w="9525">
                     <a:solidFill>
                       <a:srgbClr val="000000"/>
                     </a:solidFill>
@@ -11013,7 +11015,7 @@
               </a:ln>
               <a:extLst>
                 <a:ext uri="{91240B29-F687-4f45-9708-019B960494DF}">
-                  <a14:hiddenLine xmlns="" xmlns:a14="http://schemas.microsoft.com/office/drawing/2010/main" w="9525">
+                  <a14:hiddenLine xmlns:a14="http://schemas.microsoft.com/office/drawing/2010/main" xmlns="" w="9525">
                     <a:solidFill>
                       <a:srgbClr val="000000"/>
                     </a:solidFill>
@@ -11111,7 +11113,7 @@
               </a:ln>
               <a:extLst>
                 <a:ext uri="{91240B29-F687-4f45-9708-019B960494DF}">
-                  <a14:hiddenLine xmlns="" xmlns:a14="http://schemas.microsoft.com/office/drawing/2010/main" w="9525">
+                  <a14:hiddenLine xmlns:a14="http://schemas.microsoft.com/office/drawing/2010/main" xmlns="" w="9525">
                     <a:solidFill>
                       <a:srgbClr val="000000"/>
                     </a:solidFill>
@@ -11226,7 +11228,7 @@
               </a:ln>
               <a:extLst>
                 <a:ext uri="{91240B29-F687-4f45-9708-019B960494DF}">
-                  <a14:hiddenLine xmlns="" xmlns:a14="http://schemas.microsoft.com/office/drawing/2010/main" w="9525">
+                  <a14:hiddenLine xmlns:a14="http://schemas.microsoft.com/office/drawing/2010/main" xmlns="" w="9525">
                     <a:solidFill>
                       <a:srgbClr val="000000"/>
                     </a:solidFill>
@@ -11316,7 +11318,7 @@
               </a:ln>
               <a:extLst>
                 <a:ext uri="{91240B29-F687-4f45-9708-019B960494DF}">
-                  <a14:hiddenLine xmlns="" xmlns:a14="http://schemas.microsoft.com/office/drawing/2010/main" w="9525">
+                  <a14:hiddenLine xmlns:a14="http://schemas.microsoft.com/office/drawing/2010/main" xmlns="" w="9525">
                     <a:solidFill>
                       <a:srgbClr val="000000"/>
                     </a:solidFill>
@@ -11381,7 +11383,7 @@
               </a:ln>
               <a:extLst>
                 <a:ext uri="{91240B29-F687-4f45-9708-019B960494DF}">
-                  <a14:hiddenLine xmlns="" xmlns:a14="http://schemas.microsoft.com/office/drawing/2010/main" w="9525">
+                  <a14:hiddenLine xmlns:a14="http://schemas.microsoft.com/office/drawing/2010/main" xmlns="" w="9525">
                     <a:solidFill>
                       <a:srgbClr val="000000"/>
                     </a:solidFill>
@@ -11471,7 +11473,7 @@
               </a:ln>
               <a:extLst>
                 <a:ext uri="{91240B29-F687-4f45-9708-019B960494DF}">
-                  <a14:hiddenLine xmlns="" xmlns:a14="http://schemas.microsoft.com/office/drawing/2010/main" w="9525">
+                  <a14:hiddenLine xmlns:a14="http://schemas.microsoft.com/office/drawing/2010/main" xmlns="" w="9525">
                     <a:solidFill>
                       <a:srgbClr val="000000"/>
                     </a:solidFill>
@@ -11539,7 +11541,7 @@
               </a:ln>
               <a:extLst>
                 <a:ext uri="{91240B29-F687-4f45-9708-019B960494DF}">
-                  <a14:hiddenLine xmlns="" xmlns:a14="http://schemas.microsoft.com/office/drawing/2010/main" w="9525">
+                  <a14:hiddenLine xmlns:a14="http://schemas.microsoft.com/office/drawing/2010/main" xmlns="" w="9525">
                     <a:solidFill>
                       <a:srgbClr val="000000"/>
                     </a:solidFill>
@@ -11629,7 +11631,7 @@
               </a:ln>
               <a:extLst>
                 <a:ext uri="{91240B29-F687-4f45-9708-019B960494DF}">
-                  <a14:hiddenLine xmlns="" xmlns:a14="http://schemas.microsoft.com/office/drawing/2010/main" w="9525">
+                  <a14:hiddenLine xmlns:a14="http://schemas.microsoft.com/office/drawing/2010/main" xmlns="" w="9525">
                     <a:solidFill>
                       <a:srgbClr val="000000"/>
                     </a:solidFill>
@@ -11697,7 +11699,7 @@
               </a:ln>
               <a:extLst>
                 <a:ext uri="{91240B29-F687-4f45-9708-019B960494DF}">
-                  <a14:hiddenLine xmlns="" xmlns:a14="http://schemas.microsoft.com/office/drawing/2010/main" w="9525">
+                  <a14:hiddenLine xmlns:a14="http://schemas.microsoft.com/office/drawing/2010/main" xmlns="" w="9525">
                     <a:solidFill>
                       <a:srgbClr val="000000"/>
                     </a:solidFill>
@@ -11787,7 +11789,7 @@
               </a:ln>
               <a:extLst>
                 <a:ext uri="{91240B29-F687-4f45-9708-019B960494DF}">
-                  <a14:hiddenLine xmlns="" xmlns:a14="http://schemas.microsoft.com/office/drawing/2010/main" w="9525">
+                  <a14:hiddenLine xmlns:a14="http://schemas.microsoft.com/office/drawing/2010/main" xmlns="" w="9525">
                     <a:solidFill>
                       <a:srgbClr val="000000"/>
                     </a:solidFill>
@@ -11821,7 +11823,7 @@
               </a:ln>
               <a:extLst>
                 <a:ext uri="{91240B29-F687-4f45-9708-019B960494DF}">
-                  <a14:hiddenLine xmlns="" xmlns:a14="http://schemas.microsoft.com/office/drawing/2010/main" w="9525">
+                  <a14:hiddenLine xmlns:a14="http://schemas.microsoft.com/office/drawing/2010/main" xmlns="" w="9525">
                     <a:solidFill>
                       <a:srgbClr val="000000"/>
                     </a:solidFill>
@@ -11962,7 +11964,7 @@
             <a:fld id="{48A87A34-81AB-432B-8DAE-1953F412C126}" type="datetimeFigureOut">
               <a:rPr lang="en-US" dirty="0"/>
               <a:pPr/>
-              <a:t>6/20/2018</a:t>
+              <a:t>6/30/2018</a:t>
             </a:fld>
             <a:endParaRPr lang="en-US" dirty="0"/>
           </a:p>
@@ -12413,7 +12415,9 @@
         </p:nvSpPr>
         <p:spPr/>
         <p:txBody>
-          <a:bodyPr/>
+          <a:bodyPr>
+            <a:normAutofit fontScale="92500" lnSpcReduction="20000"/>
+          </a:bodyPr>
           <a:lstStyle/>
           <a:p>
             <a:r>
@@ -12462,6 +12466,12 @@
               <a:t>https://github.com/serdarmumcu/nurddockertraining</a:t>
             </a:r>
             <a:endParaRPr lang="en-GB" dirty="0"/>
+          </a:p>
+          <a:p>
+            <a:r>
+              <a:rPr lang="en-GB" dirty="0"/>
+              <a:t>#NURDDOCKERTRAINING </a:t>
+            </a:r>
           </a:p>
           <a:p>
             <a:endParaRPr lang="en-GB" dirty="0"/>
@@ -12490,8 +12500,38 @@
         </p:blipFill>
         <p:spPr>
           <a:xfrm>
-            <a:off x="8827944" y="4635581"/>
+            <a:off x="8505972" y="4429919"/>
             <a:ext cx="956829" cy="399555"/>
+          </a:xfrm>
+          <a:prstGeom prst="rect">
+            <a:avLst/>
+          </a:prstGeom>
+        </p:spPr>
+      </p:pic>
+      <p:pic>
+        <p:nvPicPr>
+          <p:cNvPr id="6" name="Picture 5">
+            <a:extLst>
+              <a:ext uri="{FF2B5EF4-FFF2-40B4-BE49-F238E27FC236}">
+                <a16:creationId xmlns:a16="http://schemas.microsoft.com/office/drawing/2014/main" id="{44C75074-B7EE-409D-8A80-04841BE57D3D}"/>
+              </a:ext>
+            </a:extLst>
+          </p:cNvPr>
+          <p:cNvPicPr>
+            <a:picLocks noChangeAspect="1"/>
+          </p:cNvPicPr>
+          <p:nvPr/>
+        </p:nvPicPr>
+        <p:blipFill>
+          <a:blip r:embed="rId5"/>
+          <a:stretch>
+            <a:fillRect/>
+          </a:stretch>
+        </p:blipFill>
+        <p:spPr>
+          <a:xfrm>
+            <a:off x="4638071" y="4911747"/>
+            <a:ext cx="346053" cy="346053"/>
           </a:xfrm>
           <a:prstGeom prst="rect">
             <a:avLst/>
@@ -12545,11 +12585,7 @@
           <a:p>
             <a:r>
               <a:rPr lang="en-GB" dirty="0"/>
-              <a:t>Docker </a:t>
-            </a:r>
-            <a:r>
-              <a:rPr lang="en-GB" dirty="0" err="1"/>
-              <a:t>ınstallatıon</a:t>
+              <a:t>Docker CLI</a:t>
             </a:r>
             <a:endParaRPr lang="tr-TR" dirty="0"/>
           </a:p>
@@ -12560,7 +12596,7 @@
           <p:cNvPr id="5" name="Content Placeholder 4">
             <a:extLst>
               <a:ext uri="{FF2B5EF4-FFF2-40B4-BE49-F238E27FC236}">
-                <a16:creationId xmlns:a16="http://schemas.microsoft.com/office/drawing/2014/main" id="{27C75E71-562A-4F8E-BB27-1143F98C3E85}"/>
+                <a16:creationId xmlns:a16="http://schemas.microsoft.com/office/drawing/2014/main" id="{16E0D661-67E9-4EBB-8D27-4881FDB37593}"/>
               </a:ext>
             </a:extLst>
           </p:cNvPr>
@@ -12571,48 +12607,56 @@
             <p:ph idx="1"/>
           </p:nvPr>
         </p:nvSpPr>
-        <p:spPr/>
-        <p:txBody>
-          <a:bodyPr/>
+        <p:spPr>
+          <a:xfrm>
+            <a:off x="1141412" y="1956816"/>
+            <a:ext cx="9905999" cy="3964299"/>
+          </a:xfrm>
+        </p:spPr>
+        <p:txBody>
+          <a:bodyPr>
+            <a:normAutofit/>
+          </a:bodyPr>
           <a:lstStyle/>
           <a:p>
             <a:r>
-              <a:rPr lang="en-US" dirty="0">
-                <a:hlinkClick r:id="rId2"/>
-              </a:rPr>
-              <a:t>https://store.docker.com/</a:t>
-            </a:r>
-            <a:endParaRPr lang="en-US" dirty="0"/>
-          </a:p>
-          <a:p>
-            <a:r>
-              <a:rPr lang="en-US" dirty="0"/>
-              <a:t>Mac , Windows, Centos, Debian, Fedora, Ubuntu</a:t>
-            </a:r>
-          </a:p>
-          <a:p>
-            <a:r>
-              <a:rPr lang="en-US" dirty="0"/>
-              <a:t>IaaS (AWS, Azure)</a:t>
-            </a:r>
-          </a:p>
-          <a:p>
+              <a:rPr lang="en-US" dirty="0"/>
+              <a:t>docker version / docker info</a:t>
+            </a:r>
+          </a:p>
+          <a:p>
+            <a:r>
+              <a:rPr lang="en-US" dirty="0"/>
+              <a:t>docker / docker --help</a:t>
+            </a:r>
+          </a:p>
+          <a:p>
+            <a:r>
+              <a:rPr lang="en-US" dirty="0"/>
+              <a:t>docker container run --rm</a:t>
+            </a:r>
+          </a:p>
+          <a:p>
+            <a:r>
+              <a:rPr lang="en-US" dirty="0"/>
+              <a:t>docker image ls</a:t>
+            </a:r>
+          </a:p>
+          <a:p>
+            <a:r>
+              <a:rPr lang="en-US" dirty="0"/>
+              <a:t>docker volume ls</a:t>
+            </a:r>
+          </a:p>
+          <a:p>
+            <a:r>
+              <a:rPr lang="en-US" dirty="0"/>
+              <a:t>docker </a:t>
+            </a:r>
             <a:r>
               <a:rPr lang="en-US" dirty="0" err="1"/>
-              <a:t>DockerCloud</a:t>
-            </a:r>
-            <a:r>
-              <a:rPr lang="en-US" dirty="0"/>
-              <a:t> (1 free private repo)</a:t>
-            </a:r>
-          </a:p>
-          <a:p>
-            <a:r>
-              <a:rPr lang="en-US" dirty="0"/>
-              <a:t>Visual Studio Code (Recommended)</a:t>
-            </a:r>
-          </a:p>
-          <a:p>
+              <a:t>ps</a:t>
+            </a:r>
             <a:endParaRPr lang="en-US" dirty="0"/>
           </a:p>
         </p:txBody>
@@ -12620,7 +12664,7 @@
     </p:spTree>
     <p:extLst>
       <p:ext uri="{BB962C8B-B14F-4D97-AF65-F5344CB8AC3E}">
-        <p14:creationId xmlns:p14="http://schemas.microsoft.com/office/powerpoint/2010/main" val="3378640103"/>
+        <p14:creationId xmlns:p14="http://schemas.microsoft.com/office/powerpoint/2010/main" val="1783821920"/>
       </p:ext>
     </p:extLst>
   </p:cSld>
@@ -12688,62 +12732,93 @@
         </p:nvSpPr>
         <p:spPr>
           <a:xfrm>
-            <a:off x="1141412" y="1956816"/>
-            <a:ext cx="9905999" cy="3964299"/>
+            <a:off x="1141412" y="1813810"/>
+            <a:ext cx="10416604" cy="4212236"/>
           </a:xfrm>
         </p:spPr>
         <p:txBody>
           <a:bodyPr>
-            <a:normAutofit/>
+            <a:normAutofit fontScale="92500" lnSpcReduction="20000"/>
           </a:bodyPr>
           <a:lstStyle/>
           <a:p>
-            <a:r>
-              <a:rPr lang="en-US" dirty="0"/>
-              <a:t>docker version / docker info</a:t>
-            </a:r>
-          </a:p>
-          <a:p>
-            <a:r>
-              <a:rPr lang="en-US" dirty="0"/>
-              <a:t>docker / docker --help</a:t>
-            </a:r>
-          </a:p>
-          <a:p>
-            <a:r>
-              <a:rPr lang="en-US" dirty="0"/>
-              <a:t>docker container run --rm</a:t>
-            </a:r>
-          </a:p>
-          <a:p>
-            <a:r>
-              <a:rPr lang="en-US" dirty="0"/>
-              <a:t>docker image ls</a:t>
-            </a:r>
-          </a:p>
-          <a:p>
-            <a:r>
-              <a:rPr lang="en-US" dirty="0"/>
-              <a:t>docker volume ls</a:t>
-            </a:r>
-          </a:p>
-          <a:p>
-            <a:r>
-              <a:rPr lang="en-US" dirty="0"/>
-              <a:t>docker </a:t>
-            </a:r>
-            <a:r>
-              <a:rPr lang="en-US" dirty="0" err="1"/>
-              <a:t>ps</a:t>
-            </a:r>
-            <a:endParaRPr lang="en-US" dirty="0"/>
+            <a:pPr marL="0" indent="0">
+              <a:buNone/>
+            </a:pPr>
+            <a:r>
+              <a:rPr lang="en-US" sz="3200" dirty="0"/>
+              <a:t>docker container run -p 8080:80 nginx:v1.14</a:t>
+            </a:r>
+          </a:p>
+          <a:p>
+            <a:pPr marL="0" indent="0">
+              <a:buNone/>
+            </a:pPr>
+            <a:r>
+              <a:rPr lang="en-US" sz="3200" dirty="0"/>
+              <a:t>--name</a:t>
+            </a:r>
+          </a:p>
+          <a:p>
+            <a:pPr marL="0" indent="0">
+              <a:buNone/>
+            </a:pPr>
+            <a:r>
+              <a:rPr lang="en-US" sz="3200" dirty="0"/>
+              <a:t>--detach</a:t>
+            </a:r>
+          </a:p>
+          <a:p>
+            <a:pPr marL="0" indent="0">
+              <a:buNone/>
+            </a:pPr>
+            <a:r>
+              <a:rPr lang="en-US" sz="3200" dirty="0">
+                <a:hlinkClick r:id="rId2"/>
+              </a:rPr>
+              <a:t>https://hub.docker.com/explore/</a:t>
+            </a:r>
+            <a:endParaRPr lang="en-US" sz="3200" dirty="0"/>
+          </a:p>
+          <a:p>
+            <a:pPr marL="0" indent="0">
+              <a:buNone/>
+            </a:pPr>
+            <a:r>
+              <a:rPr lang="en-US" sz="3200" dirty="0"/>
+              <a:t>docker stop</a:t>
+            </a:r>
+          </a:p>
+          <a:p>
+            <a:pPr marL="0" indent="0">
+              <a:buNone/>
+            </a:pPr>
+            <a:r>
+              <a:rPr lang="en-US" sz="3200" dirty="0"/>
+              <a:t>docker start</a:t>
+            </a:r>
+          </a:p>
+          <a:p>
+            <a:pPr marL="0" indent="0">
+              <a:buNone/>
+            </a:pPr>
+            <a:r>
+              <a:rPr lang="en-US" sz="3200" dirty="0"/>
+              <a:t>docker logs</a:t>
+            </a:r>
+          </a:p>
+          <a:p>
+            <a:pPr marL="0" indent="0">
+              <a:buNone/>
+            </a:pPr>
+            <a:endParaRPr lang="en-US" sz="3200" dirty="0"/>
           </a:p>
         </p:txBody>
       </p:sp>
     </p:spTree>
     <p:extLst>
       <p:ext uri="{BB962C8B-B14F-4D97-AF65-F5344CB8AC3E}">
-        <p14:creationId xmlns:p14="http://schemas.microsoft.com/office/powerpoint/2010/main" val="1783821920"/>
+        <p14:creationId xmlns:p14="http://schemas.microsoft.com/office/powerpoint/2010/main" val="1255474668"/>
       </p:ext>
     </p:extLst>
   </p:cSld>
@@ -12811,93 +12886,66 @@
         </p:nvSpPr>
         <p:spPr>
           <a:xfrm>
-            <a:off x="1141412" y="1813810"/>
-            <a:ext cx="10416604" cy="4212236"/>
+            <a:off x="1141413" y="2097088"/>
+            <a:ext cx="10427133" cy="3255818"/>
           </a:xfrm>
         </p:spPr>
         <p:txBody>
-          <a:bodyPr>
-            <a:normAutofit fontScale="92500" lnSpcReduction="20000"/>
-          </a:bodyPr>
+          <a:bodyPr/>
           <a:lstStyle/>
           <a:p>
-            <a:pPr marL="0" indent="0">
-              <a:buNone/>
-            </a:pPr>
-            <a:r>
-              <a:rPr lang="en-US" sz="3200" dirty="0"/>
-              <a:t>docker container run -p 8080:80 nginx:v1.14</a:t>
-            </a:r>
-          </a:p>
-          <a:p>
-            <a:pPr marL="0" indent="0">
-              <a:buNone/>
-            </a:pPr>
-            <a:r>
-              <a:rPr lang="en-US" sz="3200" dirty="0"/>
-              <a:t>--name</a:t>
-            </a:r>
-          </a:p>
-          <a:p>
-            <a:pPr marL="0" indent="0">
-              <a:buNone/>
-            </a:pPr>
-            <a:r>
-              <a:rPr lang="en-US" sz="3200" dirty="0"/>
-              <a:t>--detach</a:t>
-            </a:r>
-          </a:p>
-          <a:p>
-            <a:pPr marL="0" indent="0">
-              <a:buNone/>
-            </a:pPr>
-            <a:r>
-              <a:rPr lang="en-US" sz="3200" dirty="0">
-                <a:hlinkClick r:id="rId2"/>
-              </a:rPr>
-              <a:t>https://hub.docker.com/explore/</a:t>
-            </a:r>
-            <a:endParaRPr lang="en-US" sz="3200" dirty="0"/>
-          </a:p>
-          <a:p>
-            <a:pPr marL="0" indent="0">
-              <a:buNone/>
-            </a:pPr>
-            <a:r>
-              <a:rPr lang="en-US" sz="3200" dirty="0"/>
-              <a:t>docker stop</a:t>
-            </a:r>
-          </a:p>
-          <a:p>
-            <a:pPr marL="0" indent="0">
-              <a:buNone/>
-            </a:pPr>
-            <a:r>
-              <a:rPr lang="en-US" sz="3200" dirty="0"/>
-              <a:t>docker start</a:t>
-            </a:r>
-          </a:p>
-          <a:p>
-            <a:pPr marL="0" indent="0">
-              <a:buNone/>
-            </a:pPr>
-            <a:r>
-              <a:rPr lang="en-US" sz="3200" dirty="0"/>
-              <a:t>docker logs</a:t>
-            </a:r>
-          </a:p>
-          <a:p>
-            <a:pPr marL="0" indent="0">
-              <a:buNone/>
-            </a:pPr>
-            <a:endParaRPr lang="en-US" sz="3200" dirty="0"/>
+            <a:r>
+              <a:rPr lang="en-US" dirty="0"/>
+              <a:t>docker container just a process in the host OS</a:t>
+            </a:r>
+          </a:p>
+          <a:p>
+            <a:r>
+              <a:rPr lang="en-US" dirty="0"/>
+              <a:t>docker run --name mongo –d mongo</a:t>
+            </a:r>
+          </a:p>
+          <a:p>
+            <a:r>
+              <a:rPr lang="en-US" dirty="0"/>
+              <a:t>docker top mongo</a:t>
+            </a:r>
+          </a:p>
+          <a:p>
+            <a:r>
+              <a:rPr lang="en-US" dirty="0" err="1"/>
+              <a:t>ps</a:t>
+            </a:r>
+            <a:r>
+              <a:rPr lang="en-US" dirty="0"/>
+              <a:t> aux</a:t>
+            </a:r>
+          </a:p>
+          <a:p>
+            <a:r>
+              <a:rPr lang="en-US" dirty="0"/>
+              <a:t>docker run -it --rm --privileged --</a:t>
+            </a:r>
+            <a:r>
+              <a:rPr lang="en-US" dirty="0" err="1"/>
+              <a:t>pid</a:t>
+            </a:r>
+            <a:r>
+              <a:rPr lang="en-US" dirty="0"/>
+              <a:t>=host docker4w/</a:t>
+            </a:r>
+            <a:r>
+              <a:rPr lang="en-US" dirty="0" err="1"/>
+              <a:t>nsenter-dockerd</a:t>
+            </a:r>
+            <a:endParaRPr lang="en-US" dirty="0"/>
           </a:p>
         </p:txBody>
       </p:sp>
     </p:spTree>
     <p:extLst>
       <p:ext uri="{BB962C8B-B14F-4D97-AF65-F5344CB8AC3E}">
-        <p14:creationId xmlns:p14="http://schemas.microsoft.com/office/powerpoint/2010/main" val="1255474668"/>
+        <p14:creationId xmlns:p14="http://schemas.microsoft.com/office/powerpoint/2010/main" val="2566328069"/>
       </p:ext>
     </p:extLst>
   </p:cSld>
@@ -12941,7 +12989,15 @@
           <a:p>
             <a:r>
               <a:rPr lang="en-GB" dirty="0"/>
-              <a:t>Docker CLI</a:t>
+              <a:t>Docker CLI (</a:t>
+            </a:r>
+            <a:r>
+              <a:rPr lang="en-GB" dirty="0" err="1"/>
+              <a:t>Assıgnment</a:t>
+            </a:r>
+            <a:r>
+              <a:rPr lang="en-GB" dirty="0"/>
+              <a:t>)</a:t>
             </a:r>
             <a:endParaRPr lang="tr-TR" dirty="0"/>
           </a:p>
@@ -12965,8 +13021,8 @@
         </p:nvSpPr>
         <p:spPr>
           <a:xfrm>
-            <a:off x="1141413" y="2097088"/>
-            <a:ext cx="10427133" cy="3255818"/>
+            <a:off x="1141412" y="2249486"/>
+            <a:ext cx="9905999" cy="3687079"/>
           </a:xfrm>
         </p:spPr>
         <p:txBody>
@@ -12974,51 +13030,63 @@
           <a:lstStyle/>
           <a:p>
             <a:r>
-              <a:rPr lang="en-US" dirty="0"/>
-              <a:t>docker container just a process in the host OS</a:t>
-            </a:r>
-          </a:p>
-          <a:p>
-            <a:r>
-              <a:rPr lang="en-US" dirty="0"/>
-              <a:t>docker run --name mongo –d mongo</a:t>
+              <a:rPr lang="en-US" dirty="0">
+                <a:hlinkClick r:id="rId2"/>
+              </a:rPr>
+              <a:t>https://docs.docker.com/</a:t>
+            </a:r>
+            <a:endParaRPr lang="en-US" dirty="0"/>
+          </a:p>
+          <a:p>
+            <a:r>
+              <a:rPr lang="en-US" dirty="0"/>
+              <a:t>--help</a:t>
             </a:r>
           </a:p>
           <a:p>
             <a:r>
               <a:rPr lang="en-US" dirty="0" err="1"/>
-              <a:t>ps</a:t>
-            </a:r>
-            <a:r>
-              <a:rPr lang="en-US" dirty="0"/>
-              <a:t> aux</a:t>
-            </a:r>
-          </a:p>
-          <a:p>
-            <a:r>
-              <a:rPr lang="en-US" dirty="0"/>
-              <a:t>docker run -it --rm --privileged --</a:t>
+              <a:t>nginx</a:t>
+            </a:r>
+            <a:r>
+              <a:rPr lang="en-US" dirty="0"/>
+              <a:t> (80:80), </a:t>
             </a:r>
             <a:r>
               <a:rPr lang="en-US" dirty="0" err="1"/>
-              <a:t>pid</a:t>
-            </a:r>
-            <a:r>
-              <a:rPr lang="en-US" dirty="0"/>
-              <a:t>=host docker4w/</a:t>
+              <a:t>postgresql</a:t>
+            </a:r>
+            <a:r>
+              <a:rPr lang="en-US" dirty="0"/>
+              <a:t> (5432:5432), </a:t>
             </a:r>
             <a:r>
               <a:rPr lang="en-US" dirty="0" err="1"/>
-              <a:t>nsenter-dockerd</a:t>
-            </a:r>
-            <a:endParaRPr lang="en-US" dirty="0"/>
+              <a:t>httpd</a:t>
+            </a:r>
+            <a:r>
+              <a:rPr lang="en-US" dirty="0"/>
+              <a:t> (8080:80)</a:t>
+            </a:r>
+          </a:p>
+          <a:p>
+            <a:r>
+              <a:rPr lang="en-US" dirty="0"/>
+              <a:t>use –d and –name</a:t>
+            </a:r>
+          </a:p>
+          <a:p>
+            <a:r>
+              <a:rPr lang="en-US" dirty="0"/>
+              <a:t>use -e or --env to pass POSTGRES_PASSWORD=my-secret-pw</a:t>
+            </a:r>
           </a:p>
         </p:txBody>
       </p:sp>
     </p:spTree>
     <p:extLst>
       <p:ext uri="{BB962C8B-B14F-4D97-AF65-F5344CB8AC3E}">
-        <p14:creationId xmlns:p14="http://schemas.microsoft.com/office/powerpoint/2010/main" val="2566328069"/>
+        <p14:creationId xmlns:p14="http://schemas.microsoft.com/office/powerpoint/2010/main" val="1797195579"/>
       </p:ext>
     </p:extLst>
   </p:cSld>
@@ -13095,55 +13163,86 @@
           <a:lstStyle/>
           <a:p>
             <a:r>
-              <a:rPr lang="en-US" dirty="0">
-                <a:hlinkClick r:id="rId2"/>
-              </a:rPr>
-              <a:t>https://docs.docker.com/</a:t>
-            </a:r>
-            <a:endParaRPr lang="en-US" dirty="0"/>
-          </a:p>
-          <a:p>
-            <a:r>
-              <a:rPr lang="en-US" dirty="0"/>
-              <a:t>--help</a:t>
-            </a:r>
-          </a:p>
-          <a:p>
+              <a:rPr lang="en-US" dirty="0"/>
+              <a:t>docker container top</a:t>
+            </a:r>
+          </a:p>
+          <a:p>
+            <a:r>
+              <a:rPr lang="en-US" dirty="0"/>
+              <a:t>docker container inspect</a:t>
+            </a:r>
+          </a:p>
+          <a:p>
+            <a:r>
+              <a:rPr lang="en-US" dirty="0"/>
+              <a:t>docker container stats</a:t>
+            </a:r>
+          </a:p>
+          <a:p>
+            <a:r>
+              <a:rPr lang="en-US" dirty="0"/>
+              <a:t>docker inspect proxy –format ‘{{ .</a:t>
+            </a:r>
             <a:r>
               <a:rPr lang="en-US" dirty="0" err="1"/>
-              <a:t>nginx</a:t>
-            </a:r>
-            <a:r>
-              <a:rPr lang="en-US" dirty="0"/>
-              <a:t> (80:80), </a:t>
+              <a:t>NetworkSettings.IPAddress</a:t>
+            </a:r>
+            <a:r>
+              <a:rPr lang="en-US" dirty="0"/>
+              <a:t> }}’</a:t>
+            </a:r>
+          </a:p>
+          <a:p>
+            <a:r>
+              <a:rPr lang="en-US" dirty="0"/>
+              <a:t>docker run --rm </a:t>
             </a:r>
             <a:r>
               <a:rPr lang="en-US" dirty="0" err="1"/>
-              <a:t>postgresql</a:t>
-            </a:r>
-            <a:r>
-              <a:rPr lang="en-US" dirty="0"/>
-              <a:t> (5432:5432), </a:t>
+              <a:t>tutum</a:t>
+            </a:r>
+            <a:r>
+              <a:rPr lang="en-US" dirty="0"/>
+              <a:t>/curl </a:t>
             </a:r>
             <a:r>
               <a:rPr lang="en-US" dirty="0" err="1"/>
-              <a:t>httpd</a:t>
-            </a:r>
-            <a:r>
-              <a:rPr lang="en-US" dirty="0"/>
-              <a:t> (8080:80)</a:t>
-            </a:r>
-          </a:p>
-          <a:p>
-            <a:r>
-              <a:rPr lang="en-US" dirty="0"/>
-              <a:t>use –d and –name</a:t>
-            </a:r>
-          </a:p>
-          <a:p>
-            <a:r>
-              <a:rPr lang="en-US" dirty="0"/>
-              <a:t>use -e or --env to pass POSTGRES_PASSWORD=my-secret-pw</a:t>
+              <a:t>curl</a:t>
+            </a:r>
+            <a:r>
+              <a:rPr lang="en-US" dirty="0"/>
+              <a:t> &lt;</a:t>
+            </a:r>
+            <a:r>
+              <a:rPr lang="en-US" dirty="0" err="1"/>
+              <a:t>ip</a:t>
+            </a:r>
+            <a:r>
+              <a:rPr lang="en-US" dirty="0"/>
+              <a:t>-address&gt;</a:t>
+            </a:r>
+          </a:p>
+          <a:p>
+            <a:r>
+              <a:rPr lang="en-US" dirty="0"/>
+              <a:t>docker stop $(docker </a:t>
+            </a:r>
+            <a:r>
+              <a:rPr lang="en-US" dirty="0" err="1"/>
+              <a:t>ps</a:t>
+            </a:r>
+            <a:r>
+              <a:rPr lang="en-US" dirty="0"/>
+              <a:t> -</a:t>
+            </a:r>
+            <a:r>
+              <a:rPr lang="en-US" dirty="0" err="1"/>
+              <a:t>aq</a:t>
+            </a:r>
+            <a:r>
+              <a:rPr lang="en-US" dirty="0"/>
+              <a:t>)</a:t>
             </a:r>
           </a:p>
         </p:txBody>
@@ -13151,7 +13250,7 @@
     </p:spTree>
     <p:extLst>
       <p:ext uri="{BB962C8B-B14F-4D97-AF65-F5344CB8AC3E}">
-        <p14:creationId xmlns:p14="http://schemas.microsoft.com/office/powerpoint/2010/main" val="1797195579"/>
+        <p14:creationId xmlns:p14="http://schemas.microsoft.com/office/powerpoint/2010/main" val="1135978728"/>
       </p:ext>
     </p:extLst>
   </p:cSld>
@@ -13224,170 +13323,6 @@
           </a:xfrm>
         </p:spPr>
         <p:txBody>
-          <a:bodyPr/>
-          <a:lstStyle/>
-          <a:p>
-            <a:r>
-              <a:rPr lang="en-US" dirty="0"/>
-              <a:t>docker container top</a:t>
-            </a:r>
-          </a:p>
-          <a:p>
-            <a:r>
-              <a:rPr lang="en-US" dirty="0"/>
-              <a:t>docker container inspect</a:t>
-            </a:r>
-          </a:p>
-          <a:p>
-            <a:r>
-              <a:rPr lang="en-US" dirty="0"/>
-              <a:t>docker container stats</a:t>
-            </a:r>
-          </a:p>
-          <a:p>
-            <a:r>
-              <a:rPr lang="en-US" dirty="0"/>
-              <a:t>docker inspect web –format ‘{{ .</a:t>
-            </a:r>
-            <a:r>
-              <a:rPr lang="en-US" dirty="0" err="1"/>
-              <a:t>NetworkSettings.IPAddress</a:t>
-            </a:r>
-            <a:r>
-              <a:rPr lang="en-US" dirty="0"/>
-              <a:t> }}’</a:t>
-            </a:r>
-          </a:p>
-          <a:p>
-            <a:r>
-              <a:rPr lang="en-US" dirty="0"/>
-              <a:t>docker run --rm </a:t>
-            </a:r>
-            <a:r>
-              <a:rPr lang="en-US" dirty="0" err="1"/>
-              <a:t>tutum</a:t>
-            </a:r>
-            <a:r>
-              <a:rPr lang="en-US" dirty="0"/>
-              <a:t>/curl </a:t>
-            </a:r>
-            <a:r>
-              <a:rPr lang="en-US" dirty="0" err="1"/>
-              <a:t>curl</a:t>
-            </a:r>
-            <a:r>
-              <a:rPr lang="en-US" dirty="0"/>
-              <a:t> &lt;</a:t>
-            </a:r>
-            <a:r>
-              <a:rPr lang="en-US" dirty="0" err="1"/>
-              <a:t>ip</a:t>
-            </a:r>
-            <a:r>
-              <a:rPr lang="en-US" dirty="0"/>
-              <a:t>-address&gt;</a:t>
-            </a:r>
-          </a:p>
-          <a:p>
-            <a:r>
-              <a:rPr lang="en-US" dirty="0"/>
-              <a:t>docker stop $(docker </a:t>
-            </a:r>
-            <a:r>
-              <a:rPr lang="en-US" dirty="0" err="1"/>
-              <a:t>ps</a:t>
-            </a:r>
-            <a:r>
-              <a:rPr lang="en-US" dirty="0"/>
-              <a:t> -</a:t>
-            </a:r>
-            <a:r>
-              <a:rPr lang="en-US" dirty="0" err="1"/>
-              <a:t>aq</a:t>
-            </a:r>
-            <a:r>
-              <a:rPr lang="en-US" dirty="0"/>
-              <a:t>)</a:t>
-            </a:r>
-          </a:p>
-        </p:txBody>
-      </p:sp>
-    </p:spTree>
-    <p:extLst>
-      <p:ext uri="{BB962C8B-B14F-4D97-AF65-F5344CB8AC3E}">
-        <p14:creationId xmlns:p14="http://schemas.microsoft.com/office/powerpoint/2010/main" val="1135978728"/>
-      </p:ext>
-    </p:extLst>
-  </p:cSld>
-  <p:clrMapOvr>
-    <a:masterClrMapping/>
-  </p:clrMapOvr>
-</p:sld>
-</file>
-
-<file path=ppt/slides/slide16.xml><?xml version="1.0" encoding="utf-8"?>
-<p:sld xmlns:a="http://schemas.openxmlformats.org/drawingml/2006/main" xmlns:r="http://schemas.openxmlformats.org/officeDocument/2006/relationships" xmlns:p="http://schemas.openxmlformats.org/presentationml/2006/main">
-  <p:cSld>
-    <p:spTree>
-      <p:nvGrpSpPr>
-        <p:cNvPr id="1" name=""/>
-        <p:cNvGrpSpPr/>
-        <p:nvPr/>
-      </p:nvGrpSpPr>
-      <p:grpSpPr>
-        <a:xfrm>
-          <a:off x="0" y="0"/>
-          <a:ext cx="0" cy="0"/>
-          <a:chOff x="0" y="0"/>
-          <a:chExt cx="0" cy="0"/>
-        </a:xfrm>
-      </p:grpSpPr>
-      <p:sp>
-        <p:nvSpPr>
-          <p:cNvPr id="2" name="Title 1"/>
-          <p:cNvSpPr>
-            <a:spLocks noGrp="1"/>
-          </p:cNvSpPr>
-          <p:nvPr>
-            <p:ph type="title"/>
-          </p:nvPr>
-        </p:nvSpPr>
-        <p:spPr/>
-        <p:txBody>
-          <a:bodyPr/>
-          <a:lstStyle/>
-          <a:p>
-            <a:r>
-              <a:rPr lang="en-GB" dirty="0"/>
-              <a:t>Docker CLI</a:t>
-            </a:r>
-            <a:endParaRPr lang="tr-TR" dirty="0"/>
-          </a:p>
-        </p:txBody>
-      </p:sp>
-      <p:sp>
-        <p:nvSpPr>
-          <p:cNvPr id="5" name="Content Placeholder 4">
-            <a:extLst>
-              <a:ext uri="{FF2B5EF4-FFF2-40B4-BE49-F238E27FC236}">
-                <a16:creationId xmlns:a16="http://schemas.microsoft.com/office/drawing/2014/main" id="{16E0D661-67E9-4EBB-8D27-4881FDB37593}"/>
-              </a:ext>
-            </a:extLst>
-          </p:cNvPr>
-          <p:cNvSpPr>
-            <a:spLocks noGrp="1"/>
-          </p:cNvSpPr>
-          <p:nvPr>
-            <p:ph idx="1"/>
-          </p:nvPr>
-        </p:nvSpPr>
-        <p:spPr>
-          <a:xfrm>
-            <a:off x="1141412" y="2249486"/>
-            <a:ext cx="9905999" cy="3687079"/>
-          </a:xfrm>
-        </p:spPr>
-        <p:txBody>
           <a:bodyPr>
             <a:normAutofit lnSpcReduction="10000"/>
           </a:bodyPr>
@@ -13398,7 +13333,15 @@
             </a:pPr>
             <a:r>
               <a:rPr lang="en-US" dirty="0"/>
-              <a:t>Getting a shell inside containers</a:t>
+              <a:t>Getting a shell inside containers (no </a:t>
+            </a:r>
+            <a:r>
+              <a:rPr lang="en-US" dirty="0" err="1"/>
+              <a:t>ssh</a:t>
+            </a:r>
+            <a:r>
+              <a:rPr lang="en-US" dirty="0"/>
+              <a:t> needed)</a:t>
             </a:r>
           </a:p>
           <a:p>
@@ -13465,7 +13408,7 @@
 </p:sld>
 </file>
 
-<file path=ppt/slides/slide17.xml><?xml version="1.0" encoding="utf-8"?>
+<file path=ppt/slides/slide16.xml><?xml version="1.0" encoding="utf-8"?>
 <p:sld xmlns:a="http://schemas.openxmlformats.org/drawingml/2006/main" xmlns:r="http://schemas.openxmlformats.org/officeDocument/2006/relationships" xmlns:p="http://schemas.openxmlformats.org/presentationml/2006/main">
   <p:cSld>
     <p:spTree>
@@ -13547,6 +13490,125 @@
 </p:sld>
 </file>
 
+<file path=ppt/slides/slide17.xml><?xml version="1.0" encoding="utf-8"?>
+<p:sld xmlns:a="http://schemas.openxmlformats.org/drawingml/2006/main" xmlns:r="http://schemas.openxmlformats.org/officeDocument/2006/relationships" xmlns:p="http://schemas.openxmlformats.org/presentationml/2006/main">
+  <p:cSld>
+    <p:spTree>
+      <p:nvGrpSpPr>
+        <p:cNvPr id="1" name=""/>
+        <p:cNvGrpSpPr/>
+        <p:nvPr/>
+      </p:nvGrpSpPr>
+      <p:grpSpPr>
+        <a:xfrm>
+          <a:off x="0" y="0"/>
+          <a:ext cx="0" cy="0"/>
+          <a:chOff x="0" y="0"/>
+          <a:chExt cx="0" cy="0"/>
+        </a:xfrm>
+      </p:grpSpPr>
+      <p:sp>
+        <p:nvSpPr>
+          <p:cNvPr id="2" name="Title 1"/>
+          <p:cNvSpPr>
+            <a:spLocks noGrp="1"/>
+          </p:cNvSpPr>
+          <p:nvPr>
+            <p:ph type="title"/>
+          </p:nvPr>
+        </p:nvSpPr>
+        <p:spPr/>
+        <p:txBody>
+          <a:bodyPr/>
+          <a:lstStyle/>
+          <a:p>
+            <a:r>
+              <a:rPr lang="en-GB" dirty="0"/>
+              <a:t>Docker NETWORKING</a:t>
+            </a:r>
+            <a:endParaRPr lang="tr-TR" dirty="0"/>
+          </a:p>
+        </p:txBody>
+      </p:sp>
+      <p:sp>
+        <p:nvSpPr>
+          <p:cNvPr id="5" name="Content Placeholder 4">
+            <a:extLst>
+              <a:ext uri="{FF2B5EF4-FFF2-40B4-BE49-F238E27FC236}">
+                <a16:creationId xmlns:a16="http://schemas.microsoft.com/office/drawing/2014/main" id="{16E0D661-67E9-4EBB-8D27-4881FDB37593}"/>
+              </a:ext>
+            </a:extLst>
+          </p:cNvPr>
+          <p:cNvSpPr>
+            <a:spLocks noGrp="1"/>
+          </p:cNvSpPr>
+          <p:nvPr>
+            <p:ph idx="1"/>
+          </p:nvPr>
+        </p:nvSpPr>
+        <p:spPr/>
+        <p:txBody>
+          <a:bodyPr/>
+          <a:lstStyle/>
+          <a:p>
+            <a:r>
+              <a:rPr lang="en-US" dirty="0"/>
+              <a:t>docker container run –p</a:t>
+            </a:r>
+          </a:p>
+          <a:p>
+            <a:r>
+              <a:rPr lang="en-US" dirty="0"/>
+              <a:t>docker container port &lt;container&gt;</a:t>
+            </a:r>
+          </a:p>
+          <a:p>
+            <a:r>
+              <a:rPr lang="en-US" dirty="0"/>
+              <a:t>docker network ls</a:t>
+            </a:r>
+          </a:p>
+          <a:p>
+            <a:r>
+              <a:rPr lang="en-US" dirty="0"/>
+              <a:t>Bridge, Host, None</a:t>
+            </a:r>
+          </a:p>
+          <a:p>
+            <a:r>
+              <a:rPr lang="en-US" dirty="0"/>
+              <a:t>docker network inspect bridge</a:t>
+            </a:r>
+          </a:p>
+          <a:p>
+            <a:r>
+              <a:rPr lang="en-US" dirty="0"/>
+              <a:t>docker network create </a:t>
+            </a:r>
+            <a:r>
+              <a:rPr lang="en-US" dirty="0" err="1"/>
+              <a:t>mynetwork</a:t>
+            </a:r>
+            <a:r>
+              <a:rPr lang="en-US" dirty="0"/>
+              <a:t> (--driver)</a:t>
+            </a:r>
+          </a:p>
+        </p:txBody>
+      </p:sp>
+    </p:spTree>
+    <p:extLst>
+      <p:ext uri="{BB962C8B-B14F-4D97-AF65-F5344CB8AC3E}">
+        <p14:creationId xmlns:p14="http://schemas.microsoft.com/office/powerpoint/2010/main" val="2161517469"/>
+      </p:ext>
+    </p:extLst>
+  </p:cSld>
+  <p:clrMapOvr>
+    <a:masterClrMapping/>
+  </p:clrMapOvr>
+</p:sld>
+</file>
+
 <file path=ppt/slides/slide18.xml><?xml version="1.0" encoding="utf-8"?>
 <p:sld xmlns:a="http://schemas.openxmlformats.org/drawingml/2006/main" xmlns:r="http://schemas.openxmlformats.org/officeDocument/2006/relationships" xmlns:p="http://schemas.openxmlformats.org/presentationml/2006/main">
   <p:cSld>
@@ -13603,44 +13665,21 @@
             <p:ph idx="1"/>
           </p:nvPr>
         </p:nvSpPr>
-        <p:spPr/>
-        <p:txBody>
-          <a:bodyPr/>
+        <p:spPr>
+          <a:xfrm>
+            <a:off x="1141412" y="1856096"/>
+            <a:ext cx="9905999" cy="4287851"/>
+          </a:xfrm>
+        </p:spPr>
+        <p:txBody>
+          <a:bodyPr>
+            <a:normAutofit lnSpcReduction="10000"/>
+          </a:bodyPr>
           <a:lstStyle/>
           <a:p>
             <a:r>
               <a:rPr lang="en-US" dirty="0"/>
-              <a:t>docker container run –p</a:t>
-            </a:r>
-          </a:p>
-          <a:p>
-            <a:r>
-              <a:rPr lang="en-US" dirty="0"/>
-              <a:t>docker container port &lt;container&gt;</a:t>
-            </a:r>
-          </a:p>
-          <a:p>
-            <a:r>
-              <a:rPr lang="en-US" dirty="0"/>
-              <a:t>docker network ls</a:t>
-            </a:r>
-          </a:p>
-          <a:p>
-            <a:r>
-              <a:rPr lang="en-US" dirty="0"/>
-              <a:t>Bridge, Host, None</a:t>
-            </a:r>
-          </a:p>
-          <a:p>
-            <a:r>
-              <a:rPr lang="en-US" dirty="0"/>
-              <a:t>docker network inspect bridge</a:t>
-            </a:r>
-          </a:p>
-          <a:p>
-            <a:r>
-              <a:rPr lang="en-US" dirty="0"/>
-              <a:t>docker network create </a:t>
+              <a:t>docker container run -d --name proxy –network </a:t>
             </a:r>
             <a:r>
               <a:rPr lang="en-US" dirty="0" err="1"/>
@@ -13648,7 +13687,88 @@
             </a:r>
             <a:r>
               <a:rPr lang="en-US" dirty="0"/>
-              <a:t> (--driver)</a:t>
+              <a:t> </a:t>
+            </a:r>
+            <a:r>
+              <a:rPr lang="en-US" dirty="0" err="1"/>
+              <a:t>nginx</a:t>
+            </a:r>
+            <a:endParaRPr lang="en-US" dirty="0"/>
+          </a:p>
+          <a:p>
+            <a:r>
+              <a:rPr lang="en-US" dirty="0"/>
+              <a:t>docker network inspect </a:t>
+            </a:r>
+            <a:r>
+              <a:rPr lang="en-US" dirty="0" err="1"/>
+              <a:t>mynetwork</a:t>
+            </a:r>
+            <a:endParaRPr lang="en-US" dirty="0"/>
+          </a:p>
+          <a:p>
+            <a:r>
+              <a:rPr lang="en-US" dirty="0"/>
+              <a:t>docker network connect</a:t>
+            </a:r>
+          </a:p>
+          <a:p>
+            <a:r>
+              <a:rPr lang="en-US" dirty="0"/>
+              <a:t>docker network disconnect</a:t>
+            </a:r>
+          </a:p>
+          <a:p>
+            <a:r>
+              <a:rPr lang="en-US" dirty="0"/>
+              <a:t>DNS (we cannot rely on the IP Addresses)</a:t>
+            </a:r>
+          </a:p>
+          <a:p>
+            <a:r>
+              <a:rPr lang="en-US" dirty="0"/>
+              <a:t>docker container run –d --name </a:t>
+            </a:r>
+            <a:r>
+              <a:rPr lang="en-US" dirty="0" err="1"/>
+              <a:t>newproxy</a:t>
+            </a:r>
+            <a:r>
+              <a:rPr lang="en-US" dirty="0"/>
+              <a:t> --network </a:t>
+            </a:r>
+            <a:r>
+              <a:rPr lang="en-US" dirty="0" err="1"/>
+              <a:t>mynetwork</a:t>
+            </a:r>
+            <a:r>
+              <a:rPr lang="en-US" dirty="0"/>
+              <a:t> </a:t>
+            </a:r>
+            <a:r>
+              <a:rPr lang="en-US" dirty="0" err="1"/>
+              <a:t>nginx</a:t>
+            </a:r>
+            <a:endParaRPr lang="en-US" dirty="0"/>
+          </a:p>
+          <a:p>
+            <a:r>
+              <a:rPr lang="en-US" dirty="0"/>
+              <a:t>docker container exec -it </a:t>
+            </a:r>
+            <a:r>
+              <a:rPr lang="en-US" dirty="0" err="1"/>
+              <a:t>newproxy</a:t>
+            </a:r>
+            <a:r>
+              <a:rPr lang="en-US" dirty="0"/>
+              <a:t> ping proxy</a:t>
+            </a:r>
+          </a:p>
+          <a:p>
+            <a:r>
+              <a:rPr lang="en-US" dirty="0"/>
+              <a:t>--link (for default bridge network) - in docker-compose it is easier</a:t>
             </a:r>
           </a:p>
         </p:txBody>
@@ -13656,7 +13776,7 @@
     </p:spTree>
     <p:extLst>
       <p:ext uri="{BB962C8B-B14F-4D97-AF65-F5344CB8AC3E}">
-        <p14:creationId xmlns:p14="http://schemas.microsoft.com/office/powerpoint/2010/main" val="2161517469"/>
+        <p14:creationId xmlns:p14="http://schemas.microsoft.com/office/powerpoint/2010/main" val="3295595735"/>
       </p:ext>
     </p:extLst>
   </p:cSld>
@@ -13725,22 +13845,85 @@
         <p:spPr>
           <a:xfrm>
             <a:off x="1141412" y="1856096"/>
-            <a:ext cx="9905999" cy="4287851"/>
+            <a:ext cx="10119487" cy="4287851"/>
           </a:xfrm>
         </p:spPr>
         <p:txBody>
           <a:bodyPr>
-            <a:normAutofit lnSpcReduction="10000"/>
+            <a:normAutofit/>
           </a:bodyPr>
           <a:lstStyle/>
           <a:p>
             <a:r>
               <a:rPr lang="en-US" dirty="0"/>
-              <a:t>docker container run -d --name proxy –network </a:t>
+              <a:t>docker network create </a:t>
             </a:r>
             <a:r>
               <a:rPr lang="en-US" dirty="0" err="1"/>
-              <a:t>mynetwork</a:t>
+              <a:t>testnetwork</a:t>
+            </a:r>
+            <a:endParaRPr lang="en-US" dirty="0"/>
+          </a:p>
+          <a:p>
+            <a:r>
+              <a:rPr lang="en-US" dirty="0"/>
+              <a:t>docker container run –d --net </a:t>
+            </a:r>
+            <a:r>
+              <a:rPr lang="en-US" dirty="0" err="1"/>
+              <a:t>testnetwork</a:t>
+            </a:r>
+            <a:r>
+              <a:rPr lang="en-US" dirty="0"/>
+              <a:t> --net-alias </a:t>
+            </a:r>
+            <a:r>
+              <a:rPr lang="en-US" dirty="0" err="1"/>
+              <a:t>mysearch</a:t>
+            </a:r>
+            <a:r>
+              <a:rPr lang="en-US" dirty="0"/>
+              <a:t> elasticsearch:2</a:t>
+            </a:r>
+          </a:p>
+          <a:p>
+            <a:r>
+              <a:rPr lang="en-US" dirty="0"/>
+              <a:t>docker container run –d --net </a:t>
+            </a:r>
+            <a:r>
+              <a:rPr lang="en-US" dirty="0" err="1"/>
+              <a:t>testnetwork</a:t>
+            </a:r>
+            <a:r>
+              <a:rPr lang="en-US" dirty="0"/>
+              <a:t> --net-alias </a:t>
+            </a:r>
+            <a:r>
+              <a:rPr lang="en-US" dirty="0" err="1"/>
+              <a:t>mysearch</a:t>
+            </a:r>
+            <a:r>
+              <a:rPr lang="en-US" dirty="0"/>
+              <a:t> elasticsearch:2</a:t>
+            </a:r>
+          </a:p>
+          <a:p>
+            <a:r>
+              <a:rPr lang="en-US" dirty="0"/>
+              <a:t>docker container run --rm --net </a:t>
+            </a:r>
+            <a:r>
+              <a:rPr lang="en-US" dirty="0" err="1"/>
+              <a:t>testnetwork</a:t>
+            </a:r>
+            <a:r>
+              <a:rPr lang="en-US" dirty="0"/>
+              <a:t> alpine </a:t>
+            </a:r>
+            <a:r>
+              <a:rPr lang="en-US" dirty="0" err="1"/>
+              <a:t>nslookup</a:t>
             </a:r>
             <a:r>
               <a:rPr lang="en-US" dirty="0"/>
@@ -13748,92 +13931,50 @@
             </a:r>
             <a:r>
               <a:rPr lang="en-US" dirty="0" err="1"/>
-              <a:t>nginx</a:t>
+              <a:t>mysearch</a:t>
             </a:r>
             <a:endParaRPr lang="en-US" dirty="0"/>
           </a:p>
           <a:p>
             <a:r>
               <a:rPr lang="en-US" dirty="0"/>
-              <a:t>docker network inspect </a:t>
+              <a:t>docker container run --rm --net </a:t>
             </a:r>
             <a:r>
               <a:rPr lang="en-US" dirty="0" err="1"/>
-              <a:t>mynetwork</a:t>
-            </a:r>
+              <a:t>testnetwork</a:t>
+            </a:r>
+            <a:r>
+              <a:rPr lang="en-US" dirty="0"/>
+              <a:t> centos </a:t>
+            </a:r>
+            <a:r>
+              <a:rPr lang="en-US" dirty="0" err="1"/>
+              <a:t>centos</a:t>
+            </a:r>
+            <a:r>
+              <a:rPr lang="en-US" dirty="0"/>
+              <a:t> curl –s mysearch:9200</a:t>
+            </a:r>
+          </a:p>
+          <a:p>
             <a:endParaRPr lang="en-US" dirty="0"/>
           </a:p>
           <a:p>
-            <a:r>
-              <a:rPr lang="en-US" dirty="0"/>
-              <a:t>docker network connect</a:t>
-            </a:r>
-          </a:p>
-          <a:p>
-            <a:r>
-              <a:rPr lang="en-US" dirty="0"/>
-              <a:t>docker network disconnect</a:t>
-            </a:r>
-          </a:p>
-          <a:p>
-            <a:r>
-              <a:rPr lang="en-US" dirty="0"/>
-              <a:t>DNS (we cannot rely on the IP Addresses)</a:t>
-            </a:r>
-          </a:p>
-          <a:p>
-            <a:r>
-              <a:rPr lang="en-US" dirty="0"/>
-              <a:t>docker container run –d --name </a:t>
-            </a:r>
-            <a:r>
-              <a:rPr lang="en-US" dirty="0" err="1"/>
-              <a:t>newproxy</a:t>
-            </a:r>
-            <a:r>
-              <a:rPr lang="en-US" dirty="0"/>
-              <a:t> --network </a:t>
-            </a:r>
-            <a:r>
-              <a:rPr lang="en-US" dirty="0" err="1"/>
-              <a:t>mynetwork</a:t>
-            </a:r>
-            <a:r>
-              <a:rPr lang="en-US" dirty="0"/>
-              <a:t> </a:t>
-            </a:r>
-            <a:r>
-              <a:rPr lang="en-US" dirty="0" err="1"/>
-              <a:t>nginx</a:t>
-            </a:r>
+            <a:pPr marL="0" indent="0">
+              <a:buNone/>
+            </a:pPr>
             <a:endParaRPr lang="en-US" dirty="0"/>
           </a:p>
           <a:p>
-            <a:r>
-              <a:rPr lang="en-US" dirty="0"/>
-              <a:t>docker container exec -it </a:t>
-            </a:r>
-            <a:r>
-              <a:rPr lang="en-US" dirty="0" err="1"/>
-              <a:t>newproxy</a:t>
-            </a:r>
-            <a:r>
-              <a:rPr lang="en-US" dirty="0"/>
-              <a:t> ping proxy</a:t>
-            </a:r>
-          </a:p>
-          <a:p>
-            <a:r>
-              <a:rPr lang="en-US" dirty="0"/>
-              <a:t>--link (for default bridge network) - in docker-compose it is easier</a:t>
-            </a:r>
+            <a:endParaRPr lang="en-US" dirty="0"/>
           </a:p>
         </p:txBody>
       </p:sp>
     </p:spTree>
     <p:extLst>
       <p:ext uri="{BB962C8B-B14F-4D97-AF65-F5344CB8AC3E}">
-        <p14:creationId xmlns:p14="http://schemas.microsoft.com/office/powerpoint/2010/main" val="3295595735"/>
+        <p14:creationId xmlns:p14="http://schemas.microsoft.com/office/powerpoint/2010/main" val="36081972"/>
       </p:ext>
     </p:extLst>
   </p:cSld>
@@ -14000,199 +14141,6 @@
 </file>
 
 <file path=ppt/slides/slide20.xml><?xml version="1.0" encoding="utf-8"?>
-<p:sld xmlns:a="http://schemas.openxmlformats.org/drawingml/2006/main" xmlns:r="http://schemas.openxmlformats.org/officeDocument/2006/relationships" xmlns:p="http://schemas.openxmlformats.org/presentationml/2006/main">
-  <p:cSld>
-    <p:spTree>
-      <p:nvGrpSpPr>
-        <p:cNvPr id="1" name=""/>
-        <p:cNvGrpSpPr/>
-        <p:nvPr/>
-      </p:nvGrpSpPr>
-      <p:grpSpPr>
-        <a:xfrm>
-          <a:off x="0" y="0"/>
-          <a:ext cx="0" cy="0"/>
-          <a:chOff x="0" y="0"/>
-          <a:chExt cx="0" cy="0"/>
-        </a:xfrm>
-      </p:grpSpPr>
-      <p:sp>
-        <p:nvSpPr>
-          <p:cNvPr id="2" name="Title 1"/>
-          <p:cNvSpPr>
-            <a:spLocks noGrp="1"/>
-          </p:cNvSpPr>
-          <p:nvPr>
-            <p:ph type="title"/>
-          </p:nvPr>
-        </p:nvSpPr>
-        <p:spPr/>
-        <p:txBody>
-          <a:bodyPr/>
-          <a:lstStyle/>
-          <a:p>
-            <a:r>
-              <a:rPr lang="en-GB" dirty="0"/>
-              <a:t>Docker NETWORKING</a:t>
-            </a:r>
-            <a:endParaRPr lang="tr-TR" dirty="0"/>
-          </a:p>
-        </p:txBody>
-      </p:sp>
-      <p:sp>
-        <p:nvSpPr>
-          <p:cNvPr id="5" name="Content Placeholder 4">
-            <a:extLst>
-              <a:ext uri="{FF2B5EF4-FFF2-40B4-BE49-F238E27FC236}">
-                <a16:creationId xmlns:a16="http://schemas.microsoft.com/office/drawing/2014/main" id="{16E0D661-67E9-4EBB-8D27-4881FDB37593}"/>
-              </a:ext>
-            </a:extLst>
-          </p:cNvPr>
-          <p:cNvSpPr>
-            <a:spLocks noGrp="1"/>
-          </p:cNvSpPr>
-          <p:nvPr>
-            <p:ph idx="1"/>
-          </p:nvPr>
-        </p:nvSpPr>
-        <p:spPr>
-          <a:xfrm>
-            <a:off x="1141412" y="1856096"/>
-            <a:ext cx="10119487" cy="4287851"/>
-          </a:xfrm>
-        </p:spPr>
-        <p:txBody>
-          <a:bodyPr>
-            <a:normAutofit/>
-          </a:bodyPr>
-          <a:lstStyle/>
-          <a:p>
-            <a:r>
-              <a:rPr lang="en-US" dirty="0"/>
-              <a:t>docker network create test</a:t>
-            </a:r>
-          </a:p>
-          <a:p>
-            <a:r>
-              <a:rPr lang="en-US" dirty="0"/>
-              <a:t>docker container run –d --net </a:t>
-            </a:r>
-            <a:r>
-              <a:rPr lang="en-US" dirty="0" err="1"/>
-              <a:t>testnetwork</a:t>
-            </a:r>
-            <a:r>
-              <a:rPr lang="en-US" dirty="0"/>
-              <a:t> --net-alias </a:t>
-            </a:r>
-            <a:r>
-              <a:rPr lang="en-US" dirty="0" err="1"/>
-              <a:t>mysearch</a:t>
-            </a:r>
-            <a:r>
-              <a:rPr lang="en-US" dirty="0"/>
-              <a:t> elasticsearch:2</a:t>
-            </a:r>
-          </a:p>
-          <a:p>
-            <a:r>
-              <a:rPr lang="en-US" dirty="0"/>
-              <a:t>docker container run –d --net </a:t>
-            </a:r>
-            <a:r>
-              <a:rPr lang="en-US" dirty="0" err="1"/>
-              <a:t>testnetwork</a:t>
-            </a:r>
-            <a:r>
-              <a:rPr lang="en-US" dirty="0"/>
-              <a:t> --net-alias </a:t>
-            </a:r>
-            <a:r>
-              <a:rPr lang="en-US" dirty="0" err="1"/>
-              <a:t>mysearch</a:t>
-            </a:r>
-            <a:r>
-              <a:rPr lang="en-US" dirty="0"/>
-              <a:t> elasticsearch:2</a:t>
-            </a:r>
-          </a:p>
-          <a:p>
-            <a:r>
-              <a:rPr lang="en-US" dirty="0"/>
-              <a:t>docker container run --rm --net </a:t>
-            </a:r>
-            <a:r>
-              <a:rPr lang="en-US" dirty="0" err="1"/>
-              <a:t>testnetwork</a:t>
-            </a:r>
-            <a:r>
-              <a:rPr lang="en-US" dirty="0"/>
-              <a:t> alpine </a:t>
-            </a:r>
-            <a:r>
-              <a:rPr lang="en-US" dirty="0" err="1"/>
-              <a:t>nslookup</a:t>
-            </a:r>
-            <a:r>
-              <a:rPr lang="en-US" dirty="0"/>
-              <a:t> </a:t>
-            </a:r>
-            <a:r>
-              <a:rPr lang="en-US" dirty="0" err="1"/>
-              <a:t>mysearch</a:t>
-            </a:r>
-            <a:endParaRPr lang="en-US" dirty="0"/>
-          </a:p>
-          <a:p>
-            <a:r>
-              <a:rPr lang="en-US" dirty="0"/>
-              <a:t>docker container run --rm --net </a:t>
-            </a:r>
-            <a:r>
-              <a:rPr lang="en-US" dirty="0" err="1"/>
-              <a:t>testnetwork</a:t>
-            </a:r>
-            <a:r>
-              <a:rPr lang="en-US" dirty="0"/>
-              <a:t> centos </a:t>
-            </a:r>
-            <a:r>
-              <a:rPr lang="en-US" dirty="0" err="1"/>
-              <a:t>centos</a:t>
-            </a:r>
-            <a:r>
-              <a:rPr lang="en-US" dirty="0"/>
-              <a:t> curl –s mysearch:9200</a:t>
-            </a:r>
-          </a:p>
-          <a:p>
-            <a:endParaRPr lang="en-US" dirty="0"/>
-          </a:p>
-          <a:p>
-            <a:pPr marL="0" indent="0">
-              <a:buNone/>
-            </a:pPr>
-            <a:endParaRPr lang="en-US" dirty="0"/>
-          </a:p>
-          <a:p>
-            <a:endParaRPr lang="en-US" dirty="0"/>
-          </a:p>
-        </p:txBody>
-      </p:sp>
-    </p:spTree>
-    <p:extLst>
-      <p:ext uri="{BB962C8B-B14F-4D97-AF65-F5344CB8AC3E}">
-        <p14:creationId xmlns:p14="http://schemas.microsoft.com/office/powerpoint/2010/main" val="36081972"/>
-      </p:ext>
-    </p:extLst>
-  </p:cSld>
-  <p:clrMapOvr>
-    <a:masterClrMapping/>
-  </p:clrMapOvr>
-</p:sld>
-</file>
-
-<file path=ppt/slides/slide21.xml><?xml version="1.0" encoding="utf-8"?>
 <p:sld xmlns:a="http://schemas.openxmlformats.org/drawingml/2006/main" xmlns:r="http://schemas.openxmlformats.org/officeDocument/2006/relationships" xmlns:p="http://schemas.openxmlformats.org/presentationml/2006/main">
   <p:cSld>
     <p:spTree>
@@ -14323,6 +14271,156 @@
 </p:sld>
 </file>
 
+<file path=ppt/slides/slide21.xml><?xml version="1.0" encoding="utf-8"?>
+<p:sld xmlns:a="http://schemas.openxmlformats.org/drawingml/2006/main" xmlns:r="http://schemas.openxmlformats.org/officeDocument/2006/relationships" xmlns:p="http://schemas.openxmlformats.org/presentationml/2006/main">
+  <p:cSld>
+    <p:spTree>
+      <p:nvGrpSpPr>
+        <p:cNvPr id="1" name=""/>
+        <p:cNvGrpSpPr/>
+        <p:nvPr/>
+      </p:nvGrpSpPr>
+      <p:grpSpPr>
+        <a:xfrm>
+          <a:off x="0" y="0"/>
+          <a:ext cx="0" cy="0"/>
+          <a:chOff x="0" y="0"/>
+          <a:chExt cx="0" cy="0"/>
+        </a:xfrm>
+      </p:grpSpPr>
+      <p:sp>
+        <p:nvSpPr>
+          <p:cNvPr id="2" name="Title 1"/>
+          <p:cNvSpPr>
+            <a:spLocks noGrp="1"/>
+          </p:cNvSpPr>
+          <p:nvPr>
+            <p:ph type="title"/>
+          </p:nvPr>
+        </p:nvSpPr>
+        <p:spPr/>
+        <p:txBody>
+          <a:bodyPr/>
+          <a:lstStyle/>
+          <a:p>
+            <a:r>
+              <a:rPr lang="en-GB" dirty="0"/>
+              <a:t>DOCKERFILE: CREATING CUSTOM DOCKER IMAGES</a:t>
+            </a:r>
+            <a:endParaRPr lang="tr-TR" dirty="0"/>
+          </a:p>
+        </p:txBody>
+      </p:sp>
+      <p:sp>
+        <p:nvSpPr>
+          <p:cNvPr id="5" name="Content Placeholder 4">
+            <a:extLst>
+              <a:ext uri="{FF2B5EF4-FFF2-40B4-BE49-F238E27FC236}">
+                <a16:creationId xmlns:a16="http://schemas.microsoft.com/office/drawing/2014/main" id="{16E0D661-67E9-4EBB-8D27-4881FDB37593}"/>
+              </a:ext>
+            </a:extLst>
+          </p:cNvPr>
+          <p:cNvSpPr>
+            <a:spLocks noGrp="1"/>
+          </p:cNvSpPr>
+          <p:nvPr>
+            <p:ph idx="1"/>
+          </p:nvPr>
+        </p:nvSpPr>
+        <p:spPr/>
+        <p:txBody>
+          <a:bodyPr>
+            <a:normAutofit fontScale="92500" lnSpcReduction="10000"/>
+          </a:bodyPr>
+          <a:lstStyle/>
+          <a:p>
+            <a:r>
+              <a:rPr lang="en-US" dirty="0" err="1"/>
+              <a:t>Dockerfile</a:t>
+            </a:r>
+            <a:endParaRPr lang="en-US" dirty="0"/>
+          </a:p>
+          <a:p>
+            <a:r>
+              <a:rPr lang="en-US" dirty="0"/>
+              <a:t>FROM</a:t>
+            </a:r>
+          </a:p>
+          <a:p>
+            <a:r>
+              <a:rPr lang="en-US" dirty="0"/>
+              <a:t>ENV</a:t>
+            </a:r>
+          </a:p>
+          <a:p>
+            <a:r>
+              <a:rPr lang="en-US" dirty="0"/>
+              <a:t>RUN</a:t>
+            </a:r>
+          </a:p>
+          <a:p>
+            <a:r>
+              <a:rPr lang="en-US" dirty="0"/>
+              <a:t>COPY</a:t>
+            </a:r>
+          </a:p>
+          <a:p>
+            <a:r>
+              <a:rPr lang="en-US" dirty="0"/>
+              <a:t>EXPOSE</a:t>
+            </a:r>
+          </a:p>
+          <a:p>
+            <a:r>
+              <a:rPr lang="en-US" dirty="0"/>
+              <a:t>CMD</a:t>
+            </a:r>
+          </a:p>
+        </p:txBody>
+      </p:sp>
+      <p:pic>
+        <p:nvPicPr>
+          <p:cNvPr id="4" name="Picture 3">
+            <a:extLst>
+              <a:ext uri="{FF2B5EF4-FFF2-40B4-BE49-F238E27FC236}">
+                <a16:creationId xmlns:a16="http://schemas.microsoft.com/office/drawing/2014/main" id="{F735161E-EBDD-45D6-9966-F3296DBD41F5}"/>
+              </a:ext>
+            </a:extLst>
+          </p:cNvPr>
+          <p:cNvPicPr>
+            <a:picLocks noChangeAspect="1"/>
+          </p:cNvPicPr>
+          <p:nvPr/>
+        </p:nvPicPr>
+        <p:blipFill>
+          <a:blip r:embed="rId2"/>
+          <a:stretch>
+            <a:fillRect/>
+          </a:stretch>
+        </p:blipFill>
+        <p:spPr>
+          <a:xfrm>
+            <a:off x="3072984" y="1811234"/>
+            <a:ext cx="7689954" cy="4428247"/>
+          </a:xfrm>
+          <a:prstGeom prst="rect">
+            <a:avLst/>
+          </a:prstGeom>
+        </p:spPr>
+      </p:pic>
+    </p:spTree>
+    <p:extLst>
+      <p:ext uri="{BB962C8B-B14F-4D97-AF65-F5344CB8AC3E}">
+        <p14:creationId xmlns:p14="http://schemas.microsoft.com/office/powerpoint/2010/main" val="3287705965"/>
+      </p:ext>
+    </p:extLst>
+  </p:cSld>
+  <p:clrMapOvr>
+    <a:masterClrMapping/>
+  </p:clrMapOvr>
+</p:sld>
+</file>
+
 <file path=ppt/slides/slide22.xml><?xml version="1.0" encoding="utf-8"?>
 <p:sld xmlns:a="http://schemas.openxmlformats.org/drawingml/2006/main" xmlns:r="http://schemas.openxmlformats.org/officeDocument/2006/relationships" xmlns:p="http://schemas.openxmlformats.org/presentationml/2006/main">
   <p:cSld>
@@ -14382,50 +14480,46 @@
         <p:spPr/>
         <p:txBody>
           <a:bodyPr>
-            <a:normAutofit fontScale="92500" lnSpcReduction="10000"/>
+            <a:normAutofit/>
           </a:bodyPr>
           <a:lstStyle/>
           <a:p>
-            <a:r>
-              <a:rPr lang="en-US" dirty="0" err="1"/>
-              <a:t>Dockerfile</a:t>
-            </a:r>
-            <a:endParaRPr lang="en-US" dirty="0"/>
-          </a:p>
-          <a:p>
-            <a:r>
-              <a:rPr lang="en-US" dirty="0"/>
-              <a:t>FROM</a:t>
-            </a:r>
-          </a:p>
-          <a:p>
-            <a:r>
-              <a:rPr lang="en-US" dirty="0"/>
-              <a:t>ENV</a:t>
-            </a:r>
-          </a:p>
-          <a:p>
-            <a:r>
-              <a:rPr lang="en-US" dirty="0"/>
-              <a:t>RUN</a:t>
-            </a:r>
-          </a:p>
-          <a:p>
-            <a:r>
-              <a:rPr lang="en-US" dirty="0"/>
-              <a:t>COPY</a:t>
-            </a:r>
-          </a:p>
-          <a:p>
-            <a:r>
-              <a:rPr lang="en-US" dirty="0"/>
-              <a:t>EXPOSE</a:t>
-            </a:r>
-          </a:p>
-          <a:p>
-            <a:r>
-              <a:rPr lang="en-US" dirty="0"/>
-              <a:t>CMD</a:t>
+            <a:pPr marL="0" indent="0">
+              <a:buNone/>
+            </a:pPr>
+            <a:r>
+              <a:rPr lang="en-US" dirty="0"/>
+              <a:t>		</a:t>
+            </a:r>
+          </a:p>
+          <a:p>
+            <a:pPr marL="0" indent="0">
+              <a:buNone/>
+            </a:pPr>
+            <a:r>
+              <a:rPr lang="en-US" dirty="0"/>
+              <a:t>		</a:t>
+            </a:r>
+          </a:p>
+          <a:p>
+            <a:pPr marL="0" indent="0">
+              <a:buNone/>
+            </a:pPr>
+            <a:r>
+              <a:rPr lang="en-US" dirty="0"/>
+              <a:t>	   </a:t>
+            </a:r>
+            <a:r>
+              <a:rPr lang="en-US" sz="3600" dirty="0"/>
+              <a:t>docker image build –t </a:t>
+            </a:r>
+            <a:r>
+              <a:rPr lang="en-US" sz="3600" dirty="0" err="1"/>
+              <a:t>customnginx</a:t>
+            </a:r>
+            <a:r>
+              <a:rPr lang="en-US" sz="3600" dirty="0"/>
+              <a:t> .</a:t>
             </a:r>
           </a:p>
         </p:txBody>
@@ -14433,7 +14527,7 @@
     </p:spTree>
     <p:extLst>
       <p:ext uri="{BB962C8B-B14F-4D97-AF65-F5344CB8AC3E}">
-        <p14:creationId xmlns:p14="http://schemas.microsoft.com/office/powerpoint/2010/main" val="3287705965"/>
+        <p14:creationId xmlns:p14="http://schemas.microsoft.com/office/powerpoint/2010/main" val="1395298112"/>
       </p:ext>
     </p:extLst>
   </p:cSld>
@@ -14477,7 +14571,7 @@
           <a:p>
             <a:r>
               <a:rPr lang="en-GB" dirty="0"/>
-              <a:t>Docker PERSISTENCE</a:t>
+              <a:t>DOCKERFILE: CREATING CUSTOM DOCKER IMAGES</a:t>
             </a:r>
             <a:endParaRPr lang="tr-TR" dirty="0"/>
           </a:p>
@@ -14501,17 +14595,51 @@
         </p:nvSpPr>
         <p:spPr/>
         <p:txBody>
-          <a:bodyPr/>
+          <a:bodyPr>
+            <a:normAutofit/>
+          </a:bodyPr>
           <a:lstStyle/>
           <a:p>
-            <a:endParaRPr lang="en-US"/>
+            <a:pPr marL="0" indent="0">
+              <a:buNone/>
+            </a:pPr>
+            <a:r>
+              <a:rPr lang="en-US" dirty="0"/>
+              <a:t>		</a:t>
+            </a:r>
+          </a:p>
+          <a:p>
+            <a:pPr marL="0" indent="0">
+              <a:buNone/>
+            </a:pPr>
+            <a:r>
+              <a:rPr lang="en-US" dirty="0"/>
+              <a:t>		</a:t>
+            </a:r>
+          </a:p>
+          <a:p>
+            <a:pPr marL="0" indent="0">
+              <a:buNone/>
+            </a:pPr>
+            <a:r>
+              <a:rPr lang="en-US" dirty="0"/>
+              <a:t>	   </a:t>
+            </a:r>
+            <a:r>
+              <a:rPr lang="en-US" sz="3600" dirty="0" err="1"/>
+              <a:t>dockerize</a:t>
+            </a:r>
+            <a:r>
+              <a:rPr lang="en-US" sz="3600" dirty="0"/>
+              <a:t> a node.js application</a:t>
+            </a:r>
           </a:p>
         </p:txBody>
       </p:sp>
     </p:spTree>
     <p:extLst>
       <p:ext uri="{BB962C8B-B14F-4D97-AF65-F5344CB8AC3E}">
-        <p14:creationId xmlns:p14="http://schemas.microsoft.com/office/powerpoint/2010/main" val="698232708"/>
+        <p14:creationId xmlns:p14="http://schemas.microsoft.com/office/powerpoint/2010/main" val="209460995"/>
       </p:ext>
     </p:extLst>
   </p:cSld>
@@ -14555,7 +14683,7 @@
           <a:p>
             <a:r>
               <a:rPr lang="en-GB" dirty="0"/>
-              <a:t>DOCKER COMPOSE</a:t>
+              <a:t>Docker PERSISTENCE</a:t>
             </a:r>
             <a:endParaRPr lang="tr-TR" dirty="0"/>
           </a:p>
@@ -14582,14 +14710,81 @@
           <a:bodyPr/>
           <a:lstStyle/>
           <a:p>
-            <a:endParaRPr lang="en-US"/>
+            <a:r>
+              <a:rPr lang="en-US" dirty="0"/>
+              <a:t>Data Volumes</a:t>
+            </a:r>
+          </a:p>
+          <a:p>
+            <a:pPr marL="0" indent="0">
+              <a:buNone/>
+            </a:pPr>
+            <a:r>
+              <a:rPr lang="en-US" dirty="0">
+                <a:hlinkClick r:id="rId2"/>
+              </a:rPr>
+              <a:t>https://github.com/docker-library/postgres/blob/master/10/Dockerfile</a:t>
+            </a:r>
+            <a:endParaRPr lang="en-US" dirty="0"/>
+          </a:p>
+          <a:p>
+            <a:pPr marL="0" indent="0">
+              <a:buNone/>
+            </a:pPr>
+            <a:r>
+              <a:rPr lang="en-US" dirty="0"/>
+              <a:t>docker volume ls / rm / prune / inspect /create</a:t>
+            </a:r>
+          </a:p>
+          <a:p>
+            <a:pPr marL="0" indent="0">
+              <a:buNone/>
+            </a:pPr>
+            <a:r>
+              <a:rPr lang="en-US" dirty="0"/>
+              <a:t>docker image inspect </a:t>
+            </a:r>
+            <a:r>
+              <a:rPr lang="en-US" dirty="0" err="1"/>
+              <a:t>postgres</a:t>
+            </a:r>
+            <a:endParaRPr lang="en-US" dirty="0"/>
+          </a:p>
+          <a:p>
+            <a:pPr marL="0" indent="0">
+              <a:buNone/>
+            </a:pPr>
+            <a:r>
+              <a:rPr lang="en-US" dirty="0"/>
+              <a:t>docker container inspect </a:t>
+            </a:r>
+            <a:r>
+              <a:rPr lang="en-US" dirty="0" err="1"/>
+              <a:t>postgres</a:t>
+            </a:r>
+            <a:endParaRPr lang="en-US" dirty="0"/>
+          </a:p>
+          <a:p>
+            <a:pPr marL="0" indent="0">
+              <a:buNone/>
+            </a:pPr>
+            <a:r>
+              <a:rPr lang="en-US" dirty="0"/>
+              <a:t>docker volume inspect &lt;volume-id&gt;</a:t>
+            </a:r>
+          </a:p>
+          <a:p>
+            <a:pPr marL="0" indent="0">
+              <a:buNone/>
+            </a:pPr>
+            <a:endParaRPr lang="en-US" dirty="0"/>
           </a:p>
         </p:txBody>
       </p:sp>
     </p:spTree>
     <p:extLst>
       <p:ext uri="{BB962C8B-B14F-4D97-AF65-F5344CB8AC3E}">
-        <p14:creationId xmlns:p14="http://schemas.microsoft.com/office/powerpoint/2010/main" val="484121309"/>
+        <p14:creationId xmlns:p14="http://schemas.microsoft.com/office/powerpoint/2010/main" val="698232708"/>
       </p:ext>
     </p:extLst>
   </p:cSld>
@@ -14633,7 +14828,7 @@
           <a:p>
             <a:r>
               <a:rPr lang="en-GB" dirty="0"/>
-              <a:t>WORKSHOP 1</a:t>
+              <a:t>Docker PERSISTENCE</a:t>
             </a:r>
             <a:endParaRPr lang="tr-TR" dirty="0"/>
           </a:p>
@@ -14641,12 +14836,18 @@
       </p:sp>
       <p:sp>
         <p:nvSpPr>
-          <p:cNvPr id="3" name="Text Placeholder 2"/>
+          <p:cNvPr id="5" name="Content Placeholder 4">
+            <a:extLst>
+              <a:ext uri="{FF2B5EF4-FFF2-40B4-BE49-F238E27FC236}">
+                <a16:creationId xmlns:a16="http://schemas.microsoft.com/office/drawing/2014/main" id="{16E0D661-67E9-4EBB-8D27-4881FDB37593}"/>
+              </a:ext>
+            </a:extLst>
+          </p:cNvPr>
           <p:cNvSpPr>
             <a:spLocks noGrp="1"/>
           </p:cNvSpPr>
           <p:nvPr>
-            <p:ph type="body" idx="1"/>
+            <p:ph idx="1"/>
           </p:nvPr>
         </p:nvSpPr>
         <p:spPr/>
@@ -14654,42 +14855,75 @@
           <a:bodyPr/>
           <a:lstStyle/>
           <a:p>
-            <a:r>
-              <a:rPr lang="en-GB" dirty="0"/>
-              <a:t>Creatıng </a:t>
-            </a:r>
-            <a:r>
-              <a:rPr lang="en-GB" dirty="0" err="1"/>
-              <a:t>elastıcsearch</a:t>
-            </a:r>
-            <a:r>
-              <a:rPr lang="en-GB" dirty="0"/>
-              <a:t> and </a:t>
-            </a:r>
-            <a:r>
-              <a:rPr lang="en-GB" dirty="0" err="1"/>
-              <a:t>redıs</a:t>
-            </a:r>
-            <a:r>
-              <a:rPr lang="en-GB" dirty="0"/>
-              <a:t> clusters locally wıth </a:t>
-            </a:r>
-            <a:r>
-              <a:rPr lang="en-GB" dirty="0" err="1"/>
-              <a:t>docker</a:t>
-            </a:r>
-            <a:r>
-              <a:rPr lang="en-GB" dirty="0"/>
-              <a:t> compose</a:t>
-            </a:r>
-            <a:endParaRPr lang="tr-TR" dirty="0"/>
+            <a:pPr marL="0" indent="0">
+              <a:buNone/>
+            </a:pPr>
+            <a:r>
+              <a:rPr lang="en-US" dirty="0"/>
+              <a:t>docker container  run -d --name </a:t>
+            </a:r>
+            <a:r>
+              <a:rPr lang="en-US" dirty="0" err="1"/>
+              <a:t>db</a:t>
+            </a:r>
+            <a:r>
+              <a:rPr lang="en-US" dirty="0"/>
+              <a:t> -e POSTGRES_PASSWORD=</a:t>
+            </a:r>
+            <a:r>
+              <a:rPr lang="en-US" dirty="0" err="1"/>
+              <a:t>mysecretpw</a:t>
+            </a:r>
+            <a:r>
+              <a:rPr lang="en-US" dirty="0"/>
+              <a:t> -v </a:t>
+            </a:r>
+            <a:r>
+              <a:rPr lang="en-US" dirty="0" err="1"/>
+              <a:t>postgres-db</a:t>
+            </a:r>
+            <a:r>
+              <a:rPr lang="en-US" dirty="0"/>
+              <a:t>:/var/lib/</a:t>
+            </a:r>
+            <a:r>
+              <a:rPr lang="en-US" dirty="0" err="1"/>
+              <a:t>postgresql</a:t>
+            </a:r>
+            <a:r>
+              <a:rPr lang="en-US" dirty="0"/>
+              <a:t>/data </a:t>
+            </a:r>
+            <a:r>
+              <a:rPr lang="en-US" dirty="0" err="1"/>
+              <a:t>postgres</a:t>
+            </a:r>
+            <a:endParaRPr lang="en-US" dirty="0"/>
+          </a:p>
+          <a:p>
+            <a:pPr marL="0" indent="0">
+              <a:buNone/>
+            </a:pPr>
+            <a:r>
+              <a:rPr lang="en-US" dirty="0"/>
+              <a:t>you may delete the container and mount the same volume again to another container</a:t>
+            </a:r>
+          </a:p>
+          <a:p>
+            <a:pPr marL="0" indent="0">
+              <a:buNone/>
+            </a:pPr>
+            <a:r>
+              <a:rPr lang="en-US" dirty="0"/>
+              <a:t>docker volume create --help</a:t>
+            </a:r>
           </a:p>
         </p:txBody>
       </p:sp>
     </p:spTree>
     <p:extLst>
       <p:ext uri="{BB962C8B-B14F-4D97-AF65-F5344CB8AC3E}">
-        <p14:creationId xmlns:p14="http://schemas.microsoft.com/office/powerpoint/2010/main" val="2700959177"/>
+        <p14:creationId xmlns:p14="http://schemas.microsoft.com/office/powerpoint/2010/main" val="1905426026"/>
       </p:ext>
     </p:extLst>
   </p:cSld>
@@ -14733,7 +14967,7 @@
           <a:p>
             <a:r>
               <a:rPr lang="en-GB" dirty="0"/>
-              <a:t>WORKSHOP 2</a:t>
+              <a:t>Docker PERSISTENCE</a:t>
             </a:r>
             <a:endParaRPr lang="tr-TR" dirty="0"/>
           </a:p>
@@ -14741,12 +14975,18 @@
       </p:sp>
       <p:sp>
         <p:nvSpPr>
-          <p:cNvPr id="3" name="Text Placeholder 2"/>
+          <p:cNvPr id="5" name="Content Placeholder 4">
+            <a:extLst>
+              <a:ext uri="{FF2B5EF4-FFF2-40B4-BE49-F238E27FC236}">
+                <a16:creationId xmlns:a16="http://schemas.microsoft.com/office/drawing/2014/main" id="{16E0D661-67E9-4EBB-8D27-4881FDB37593}"/>
+              </a:ext>
+            </a:extLst>
+          </p:cNvPr>
           <p:cNvSpPr>
             <a:spLocks noGrp="1"/>
           </p:cNvSpPr>
           <p:nvPr>
-            <p:ph type="body" idx="1"/>
+            <p:ph idx="1"/>
           </p:nvPr>
         </p:nvSpPr>
         <p:spPr/>
@@ -14755,17 +14995,62 @@
           <a:lstStyle/>
           <a:p>
             <a:r>
-              <a:rPr lang="en-GB" dirty="0"/>
-              <a:t>Creatıng a node.js applıcatıon</a:t>
-            </a:r>
-            <a:endParaRPr lang="tr-TR" dirty="0"/>
+              <a:rPr lang="en-US" dirty="0"/>
+              <a:t>Bind Mounts</a:t>
+            </a:r>
+          </a:p>
+          <a:p>
+            <a:pPr marL="0" indent="0">
+              <a:buNone/>
+            </a:pPr>
+            <a:r>
+              <a:rPr lang="en-US" dirty="0"/>
+              <a:t>... run -v /Users/user1/stuff:/path/container (mac/</a:t>
+            </a:r>
+            <a:r>
+              <a:rPr lang="en-US" dirty="0" err="1"/>
+              <a:t>linux</a:t>
+            </a:r>
+            <a:r>
+              <a:rPr lang="en-US" dirty="0"/>
+              <a:t>)</a:t>
+            </a:r>
+          </a:p>
+          <a:p>
+            <a:pPr marL="0" indent="0">
+              <a:buNone/>
+            </a:pPr>
+            <a:r>
+              <a:rPr lang="en-US" dirty="0"/>
+              <a:t>... run -v //c/Users/user1/stuff:/path/container (windows)</a:t>
+            </a:r>
+          </a:p>
+          <a:p>
+            <a:pPr marL="0" indent="0">
+              <a:buNone/>
+            </a:pPr>
+            <a:r>
+              <a:rPr lang="en-US" dirty="0"/>
+              <a:t>docker run -d --name proxy1 -v C:\Users\Serdar\Desktop\dockerEgitim\bindmount:/usr/share/nginx/html -p 8080:80  </a:t>
+            </a:r>
+            <a:r>
+              <a:rPr lang="en-US" dirty="0" err="1"/>
+              <a:t>nginx</a:t>
+            </a:r>
+            <a:endParaRPr lang="en-US" dirty="0"/>
+          </a:p>
+          <a:p>
+            <a:pPr marL="0" indent="0">
+              <a:buNone/>
+            </a:pPr>
+            <a:endParaRPr lang="en-US" dirty="0"/>
           </a:p>
         </p:txBody>
       </p:sp>
     </p:spTree>
     <p:extLst>
       <p:ext uri="{BB962C8B-B14F-4D97-AF65-F5344CB8AC3E}">
-        <p14:creationId xmlns:p14="http://schemas.microsoft.com/office/powerpoint/2010/main" val="3695001643"/>
+        <p14:creationId xmlns:p14="http://schemas.microsoft.com/office/powerpoint/2010/main" val="2398701180"/>
       </p:ext>
     </p:extLst>
   </p:cSld>
@@ -14809,7 +15094,7 @@
           <a:p>
             <a:r>
               <a:rPr lang="en-GB" dirty="0"/>
-              <a:t>WORKSHOP 3</a:t>
+              <a:t>DOCKER COMPOSE</a:t>
             </a:r>
             <a:endParaRPr lang="tr-TR" dirty="0"/>
           </a:p>
@@ -14817,12 +15102,18 @@
       </p:sp>
       <p:sp>
         <p:nvSpPr>
-          <p:cNvPr id="3" name="Text Placeholder 2"/>
+          <p:cNvPr id="5" name="Content Placeholder 4">
+            <a:extLst>
+              <a:ext uri="{FF2B5EF4-FFF2-40B4-BE49-F238E27FC236}">
+                <a16:creationId xmlns:a16="http://schemas.microsoft.com/office/drawing/2014/main" id="{16E0D661-67E9-4EBB-8D27-4881FDB37593}"/>
+              </a:ext>
+            </a:extLst>
+          </p:cNvPr>
           <p:cNvSpPr>
             <a:spLocks noGrp="1"/>
           </p:cNvSpPr>
           <p:nvPr>
-            <p:ph type="body" idx="1"/>
+            <p:ph idx="1"/>
           </p:nvPr>
         </p:nvSpPr>
         <p:spPr/>
@@ -14831,21 +15122,27 @@
           <a:lstStyle/>
           <a:p>
             <a:r>
-              <a:rPr lang="en-GB" dirty="0"/>
-              <a:t>Deployment to </a:t>
-            </a:r>
-            <a:r>
-              <a:rPr lang="en-GB" dirty="0" err="1"/>
-              <a:t>dıgıtalocean</a:t>
-            </a:r>
-            <a:endParaRPr lang="tr-TR" dirty="0"/>
+              <a:rPr lang="en-US" dirty="0"/>
+              <a:t>docker-</a:t>
+            </a:r>
+            <a:r>
+              <a:rPr lang="en-US" dirty="0" err="1"/>
+              <a:t>compose.yml</a:t>
+            </a:r>
+            <a:endParaRPr lang="en-US" dirty="0"/>
+          </a:p>
+          <a:p>
+            <a:r>
+              <a:rPr lang="en-US" dirty="0"/>
+              <a:t>docker-compose CLI</a:t>
+            </a:r>
           </a:p>
         </p:txBody>
       </p:sp>
     </p:spTree>
     <p:extLst>
       <p:ext uri="{BB962C8B-B14F-4D97-AF65-F5344CB8AC3E}">
-        <p14:creationId xmlns:p14="http://schemas.microsoft.com/office/powerpoint/2010/main" val="4118455303"/>
+        <p14:creationId xmlns:p14="http://schemas.microsoft.com/office/powerpoint/2010/main" val="484121309"/>
       </p:ext>
     </p:extLst>
   </p:cSld>
@@ -14889,7 +15186,7 @@
           <a:p>
             <a:r>
               <a:rPr lang="en-GB" dirty="0"/>
-              <a:t>WORKSHOP 4</a:t>
+              <a:t>DOCKER COMPOSE</a:t>
             </a:r>
             <a:endParaRPr lang="tr-TR" dirty="0"/>
           </a:p>
@@ -14897,12 +15194,18 @@
       </p:sp>
       <p:sp>
         <p:nvSpPr>
-          <p:cNvPr id="3" name="Text Placeholder 2"/>
+          <p:cNvPr id="5" name="Content Placeholder 4">
+            <a:extLst>
+              <a:ext uri="{FF2B5EF4-FFF2-40B4-BE49-F238E27FC236}">
+                <a16:creationId xmlns:a16="http://schemas.microsoft.com/office/drawing/2014/main" id="{16E0D661-67E9-4EBB-8D27-4881FDB37593}"/>
+              </a:ext>
+            </a:extLst>
+          </p:cNvPr>
           <p:cNvSpPr>
             <a:spLocks noGrp="1"/>
           </p:cNvSpPr>
           <p:nvPr>
-            <p:ph type="body" idx="1"/>
+            <p:ph idx="1"/>
           </p:nvPr>
         </p:nvSpPr>
         <p:spPr/>
@@ -14912,24 +15215,35 @@
           <a:p>
             <a:r>
               <a:rPr lang="en-GB" dirty="0"/>
-              <a:t>Usıng </a:t>
+              <a:t>Creating </a:t>
             </a:r>
             <a:r>
               <a:rPr lang="en-GB" dirty="0" err="1"/>
-              <a:t>dockercloud</a:t>
+              <a:t>elasticsearch</a:t>
             </a:r>
             <a:r>
               <a:rPr lang="en-GB" dirty="0"/>
-              <a:t> for deployment</a:t>
+              <a:t> and </a:t>
+            </a:r>
+            <a:r>
+              <a:rPr lang="en-GB" dirty="0" err="1"/>
+              <a:t>redis</a:t>
+            </a:r>
+            <a:r>
+              <a:rPr lang="en-GB" dirty="0"/>
+              <a:t> clusters locally with docker compose</a:t>
             </a:r>
             <a:endParaRPr lang="tr-TR" dirty="0"/>
+          </a:p>
+          <a:p>
+            <a:endParaRPr lang="en-US" dirty="0"/>
           </a:p>
         </p:txBody>
       </p:sp>
     </p:spTree>
     <p:extLst>
       <p:ext uri="{BB962C8B-B14F-4D97-AF65-F5344CB8AC3E}">
-        <p14:creationId xmlns:p14="http://schemas.microsoft.com/office/powerpoint/2010/main" val="2448390071"/>
+        <p14:creationId xmlns:p14="http://schemas.microsoft.com/office/powerpoint/2010/main" val="1493332376"/>
       </p:ext>
     </p:extLst>
   </p:cSld>
@@ -14973,7 +15287,7 @@
           <a:p>
             <a:r>
               <a:rPr lang="en-GB" dirty="0"/>
-              <a:t>WORKSHOP 5</a:t>
+              <a:t>DOCKER DEPLOYMENT</a:t>
             </a:r>
             <a:endParaRPr lang="tr-TR" dirty="0"/>
           </a:p>
@@ -14981,12 +15295,18 @@
       </p:sp>
       <p:sp>
         <p:nvSpPr>
-          <p:cNvPr id="3" name="Text Placeholder 2"/>
+          <p:cNvPr id="5" name="Content Placeholder 4">
+            <a:extLst>
+              <a:ext uri="{FF2B5EF4-FFF2-40B4-BE49-F238E27FC236}">
+                <a16:creationId xmlns:a16="http://schemas.microsoft.com/office/drawing/2014/main" id="{16E0D661-67E9-4EBB-8D27-4881FDB37593}"/>
+              </a:ext>
+            </a:extLst>
+          </p:cNvPr>
           <p:cNvSpPr>
             <a:spLocks noGrp="1"/>
           </p:cNvSpPr>
           <p:nvPr>
-            <p:ph type="body" idx="1"/>
+            <p:ph idx="1"/>
           </p:nvPr>
         </p:nvSpPr>
         <p:spPr/>
@@ -14995,33 +15315,24 @@
           <a:lstStyle/>
           <a:p>
             <a:r>
-              <a:rPr lang="en-GB" dirty="0"/>
-              <a:t>Usıng </a:t>
-            </a:r>
-            <a:r>
               <a:rPr lang="en-GB" dirty="0" err="1"/>
               <a:t>dockercloud</a:t>
             </a:r>
             <a:r>
               <a:rPr lang="en-GB" dirty="0"/>
-              <a:t> and </a:t>
-            </a:r>
-            <a:r>
-              <a:rPr lang="en-GB" dirty="0" err="1"/>
-              <a:t>dockerhub</a:t>
-            </a:r>
-            <a:r>
-              <a:rPr lang="en-GB" dirty="0"/>
-              <a:t> for contınuous ıntegratıon</a:t>
+              <a:t> for deployment</a:t>
             </a:r>
             <a:endParaRPr lang="tr-TR" dirty="0"/>
+          </a:p>
+          <a:p>
+            <a:endParaRPr lang="en-US" dirty="0"/>
           </a:p>
         </p:txBody>
       </p:sp>
     </p:spTree>
     <p:extLst>
       <p:ext uri="{BB962C8B-B14F-4D97-AF65-F5344CB8AC3E}">
-        <p14:creationId xmlns:p14="http://schemas.microsoft.com/office/powerpoint/2010/main" val="1199674397"/>
+        <p14:creationId xmlns:p14="http://schemas.microsoft.com/office/powerpoint/2010/main" val="3930937194"/>
       </p:ext>
     </p:extLst>
   </p:cSld>
@@ -15236,8 +15547,187 @@
           <a:p>
             <a:r>
               <a:rPr lang="en-GB" dirty="0"/>
+              <a:t>DOCKER DEPLOYMENT</a:t>
+            </a:r>
+            <a:endParaRPr lang="tr-TR" dirty="0"/>
+          </a:p>
+        </p:txBody>
+      </p:sp>
+      <p:sp>
+        <p:nvSpPr>
+          <p:cNvPr id="5" name="Content Placeholder 4">
+            <a:extLst>
+              <a:ext uri="{FF2B5EF4-FFF2-40B4-BE49-F238E27FC236}">
+                <a16:creationId xmlns:a16="http://schemas.microsoft.com/office/drawing/2014/main" id="{16E0D661-67E9-4EBB-8D27-4881FDB37593}"/>
+              </a:ext>
+            </a:extLst>
+          </p:cNvPr>
+          <p:cNvSpPr>
+            <a:spLocks noGrp="1"/>
+          </p:cNvSpPr>
+          <p:nvPr>
+            <p:ph idx="1"/>
+          </p:nvPr>
+        </p:nvSpPr>
+        <p:spPr/>
+        <p:txBody>
+          <a:bodyPr/>
+          <a:lstStyle/>
+          <a:p>
+            <a:r>
+              <a:rPr lang="en-GB" dirty="0"/>
+              <a:t>Using </a:t>
+            </a:r>
+            <a:r>
+              <a:rPr lang="en-GB" dirty="0" err="1"/>
+              <a:t>dockercloud</a:t>
+            </a:r>
+            <a:r>
+              <a:rPr lang="en-GB" dirty="0"/>
+              <a:t> and </a:t>
+            </a:r>
+            <a:r>
+              <a:rPr lang="en-GB" dirty="0" err="1"/>
+              <a:t>dockerhub</a:t>
+            </a:r>
+            <a:r>
+              <a:rPr lang="en-GB" dirty="0"/>
+              <a:t> for continuous integration</a:t>
+            </a:r>
+            <a:endParaRPr lang="tr-TR" dirty="0"/>
+          </a:p>
+          <a:p>
+            <a:endParaRPr lang="en-US" dirty="0"/>
+          </a:p>
+        </p:txBody>
+      </p:sp>
+    </p:spTree>
+    <p:extLst>
+      <p:ext uri="{BB962C8B-B14F-4D97-AF65-F5344CB8AC3E}">
+        <p14:creationId xmlns:p14="http://schemas.microsoft.com/office/powerpoint/2010/main" val="2503410774"/>
+      </p:ext>
+    </p:extLst>
+  </p:cSld>
+  <p:clrMapOvr>
+    <a:masterClrMapping/>
+  </p:clrMapOvr>
+</p:sld>
+</file>
+
+<file path=ppt/slides/slide31.xml><?xml version="1.0" encoding="utf-8"?>
+<p:sld xmlns:a="http://schemas.openxmlformats.org/drawingml/2006/main" xmlns:r="http://schemas.openxmlformats.org/officeDocument/2006/relationships" xmlns:p="http://schemas.openxmlformats.org/presentationml/2006/main">
+  <p:cSld>
+    <p:spTree>
+      <p:nvGrpSpPr>
+        <p:cNvPr id="1" name=""/>
+        <p:cNvGrpSpPr/>
+        <p:nvPr/>
+      </p:nvGrpSpPr>
+      <p:grpSpPr>
+        <a:xfrm>
+          <a:off x="0" y="0"/>
+          <a:ext cx="0" cy="0"/>
+          <a:chOff x="0" y="0"/>
+          <a:chExt cx="0" cy="0"/>
+        </a:xfrm>
+      </p:grpSpPr>
+      <p:sp>
+        <p:nvSpPr>
+          <p:cNvPr id="2" name="Title 1"/>
+          <p:cNvSpPr>
+            <a:spLocks noGrp="1"/>
+          </p:cNvSpPr>
+          <p:nvPr>
+            <p:ph type="title"/>
+          </p:nvPr>
+        </p:nvSpPr>
+        <p:spPr/>
+        <p:txBody>
+          <a:bodyPr/>
+          <a:lstStyle/>
+          <a:p>
+            <a:r>
+              <a:rPr lang="en-GB" dirty="0"/>
+              <a:t>DOCKER DEPLOYMENT</a:t>
+            </a:r>
+            <a:endParaRPr lang="tr-TR" dirty="0"/>
+          </a:p>
+        </p:txBody>
+      </p:sp>
+      <p:sp>
+        <p:nvSpPr>
+          <p:cNvPr id="5" name="Content Placeholder 4">
+            <a:extLst>
+              <a:ext uri="{FF2B5EF4-FFF2-40B4-BE49-F238E27FC236}">
+                <a16:creationId xmlns:a16="http://schemas.microsoft.com/office/drawing/2014/main" id="{16E0D661-67E9-4EBB-8D27-4881FDB37593}"/>
+              </a:ext>
+            </a:extLst>
+          </p:cNvPr>
+          <p:cNvSpPr>
+            <a:spLocks noGrp="1"/>
+          </p:cNvSpPr>
+          <p:nvPr>
+            <p:ph idx="1"/>
+          </p:nvPr>
+        </p:nvSpPr>
+        <p:spPr/>
+        <p:txBody>
+          <a:bodyPr/>
+          <a:lstStyle/>
+          <a:p>
+            <a:r>
+              <a:rPr lang="en-GB" dirty="0"/>
               <a:t>AMAZON ELASTIC CONTAINER REGISTRY</a:t>
             </a:r>
+            <a:endParaRPr lang="en-US" dirty="0"/>
+          </a:p>
+        </p:txBody>
+      </p:sp>
+    </p:spTree>
+    <p:extLst>
+      <p:ext uri="{BB962C8B-B14F-4D97-AF65-F5344CB8AC3E}">
+        <p14:creationId xmlns:p14="http://schemas.microsoft.com/office/powerpoint/2010/main" val="3531812805"/>
+      </p:ext>
+    </p:extLst>
+  </p:cSld>
+  <p:clrMapOvr>
+    <a:masterClrMapping/>
+  </p:clrMapOvr>
+</p:sld>
+</file>
+
+<file path=ppt/slides/slide32.xml><?xml version="1.0" encoding="utf-8"?>
+<p:sld xmlns:a="http://schemas.openxmlformats.org/drawingml/2006/main" xmlns:r="http://schemas.openxmlformats.org/officeDocument/2006/relationships" xmlns:p="http://schemas.openxmlformats.org/presentationml/2006/main">
+  <p:cSld>
+    <p:spTree>
+      <p:nvGrpSpPr>
+        <p:cNvPr id="1" name=""/>
+        <p:cNvGrpSpPr/>
+        <p:nvPr/>
+      </p:nvGrpSpPr>
+      <p:grpSpPr>
+        <a:xfrm>
+          <a:off x="0" y="0"/>
+          <a:ext cx="0" cy="0"/>
+          <a:chOff x="0" y="0"/>
+          <a:chExt cx="0" cy="0"/>
+        </a:xfrm>
+      </p:grpSpPr>
+      <p:sp>
+        <p:nvSpPr>
+          <p:cNvPr id="2" name="Title 1"/>
+          <p:cNvSpPr>
+            <a:spLocks noGrp="1"/>
+          </p:cNvSpPr>
+          <p:nvPr>
+            <p:ph type="title"/>
+          </p:nvPr>
+        </p:nvSpPr>
+        <p:spPr/>
+        <p:txBody>
+          <a:bodyPr/>
+          <a:lstStyle/>
+          <a:p>
             <a:endParaRPr lang="tr-TR" dirty="0"/>
           </a:p>
         </p:txBody>
@@ -15274,7 +15764,7 @@
 </p:sld>
 </file>
 
-<file path=ppt/slides/slide31.xml><?xml version="1.0" encoding="utf-8"?>
+<file path=ppt/slides/slide33.xml><?xml version="1.0" encoding="utf-8"?>
 <p:sld xmlns:a="http://schemas.openxmlformats.org/drawingml/2006/main" xmlns:r="http://schemas.openxmlformats.org/officeDocument/2006/relationships" xmlns:p="http://schemas.openxmlformats.org/presentationml/2006/main">
   <p:cSld>
     <p:spTree>
@@ -15619,6 +16109,12 @@
               <a:rPr lang="en-US" dirty="0"/>
               <a:t>Written in Go</a:t>
             </a:r>
+          </a:p>
+          <a:p>
+            <a:r>
+              <a:rPr lang="en-US" dirty="0"/>
+              <a:t>Moves very fast</a:t>
+            </a:r>
             <a:endParaRPr lang="tr-TR" dirty="0"/>
           </a:p>
         </p:txBody>
@@ -15637,134 +16133,6 @@
 </file>
 
 <file path=ppt/slides/slide6.xml><?xml version="1.0" encoding="utf-8"?>
-<p:sld xmlns:a="http://schemas.openxmlformats.org/drawingml/2006/main" xmlns:r="http://schemas.openxmlformats.org/officeDocument/2006/relationships" xmlns:p="http://schemas.openxmlformats.org/presentationml/2006/main">
-  <p:cSld>
-    <p:spTree>
-      <p:nvGrpSpPr>
-        <p:cNvPr id="1" name=""/>
-        <p:cNvGrpSpPr/>
-        <p:nvPr/>
-      </p:nvGrpSpPr>
-      <p:grpSpPr>
-        <a:xfrm>
-          <a:off x="0" y="0"/>
-          <a:ext cx="0" cy="0"/>
-          <a:chOff x="0" y="0"/>
-          <a:chExt cx="0" cy="0"/>
-        </a:xfrm>
-      </p:grpSpPr>
-      <p:sp>
-        <p:nvSpPr>
-          <p:cNvPr id="2" name="Title 1"/>
-          <p:cNvSpPr>
-            <a:spLocks noGrp="1"/>
-          </p:cNvSpPr>
-          <p:nvPr>
-            <p:ph type="title"/>
-          </p:nvPr>
-        </p:nvSpPr>
-        <p:spPr/>
-        <p:txBody>
-          <a:bodyPr/>
-          <a:lstStyle/>
-          <a:p>
-            <a:r>
-              <a:rPr lang="en-GB" dirty="0"/>
-              <a:t>WHY DOCKER?</a:t>
-            </a:r>
-            <a:endParaRPr lang="tr-TR" dirty="0"/>
-          </a:p>
-        </p:txBody>
-      </p:sp>
-      <p:pic>
-        <p:nvPicPr>
-          <p:cNvPr id="9" name="Content Placeholder 8"/>
-          <p:cNvPicPr>
-            <a:picLocks noGrp="1" noChangeAspect="1"/>
-          </p:cNvPicPr>
-          <p:nvPr>
-            <p:ph sz="half" idx="1"/>
-          </p:nvPr>
-        </p:nvPicPr>
-        <p:blipFill>
-          <a:blip r:embed="rId2">
-            <a:extLst>
-              <a:ext uri="{28A0092B-C50C-407E-A947-70E740481C1C}">
-                <a14:useLocalDpi xmlns:a14="http://schemas.microsoft.com/office/drawing/2010/main" val="0"/>
-              </a:ext>
-            </a:extLst>
-          </a:blip>
-          <a:stretch>
-            <a:fillRect/>
-          </a:stretch>
-        </p:blipFill>
-        <p:spPr>
-          <a:xfrm>
-            <a:off x="1593671" y="2249488"/>
-            <a:ext cx="3973870" cy="3541712"/>
-          </a:xfrm>
-        </p:spPr>
-      </p:pic>
-      <p:sp>
-        <p:nvSpPr>
-          <p:cNvPr id="4" name="Content Placeholder 3"/>
-          <p:cNvSpPr>
-            <a:spLocks noGrp="1"/>
-          </p:cNvSpPr>
-          <p:nvPr>
-            <p:ph sz="half" idx="2"/>
-          </p:nvPr>
-        </p:nvSpPr>
-        <p:spPr/>
-        <p:txBody>
-          <a:bodyPr/>
-          <a:lstStyle/>
-          <a:p>
-            <a:r>
-              <a:rPr lang="en-US" dirty="0"/>
-              <a:t>Solomon </a:t>
-            </a:r>
-            <a:r>
-              <a:rPr lang="en-US" dirty="0" err="1"/>
-              <a:t>Hykes</a:t>
-            </a:r>
-            <a:endParaRPr lang="en-US" dirty="0"/>
-          </a:p>
-          <a:p>
-            <a:r>
-              <a:rPr lang="en-US" dirty="0"/>
-              <a:t>Since 2013</a:t>
-            </a:r>
-          </a:p>
-          <a:p>
-            <a:r>
-              <a:rPr lang="en-US" dirty="0"/>
-              <a:t>Docker Inc.</a:t>
-            </a:r>
-          </a:p>
-          <a:p>
-            <a:r>
-              <a:rPr lang="en-US" dirty="0"/>
-              <a:t>Written in Go</a:t>
-            </a:r>
-            <a:endParaRPr lang="tr-TR" dirty="0"/>
-          </a:p>
-        </p:txBody>
-      </p:sp>
-    </p:spTree>
-    <p:extLst>
-      <p:ext uri="{BB962C8B-B14F-4D97-AF65-F5344CB8AC3E}">
-        <p14:creationId xmlns:p14="http://schemas.microsoft.com/office/powerpoint/2010/main" val="825269378"/>
-      </p:ext>
-    </p:extLst>
-  </p:cSld>
-  <p:clrMapOvr>
-    <a:masterClrMapping/>
-  </p:clrMapOvr>
-</p:sld>
-</file>
-
-<file path=ppt/slides/slide7.xml><?xml version="1.0" encoding="utf-8"?>
 <p:sld xmlns:a="http://schemas.openxmlformats.org/drawingml/2006/main" xmlns:r="http://schemas.openxmlformats.org/officeDocument/2006/relationships" xmlns:p="http://schemas.openxmlformats.org/presentationml/2006/main">
   <p:cSld>
     <p:spTree>
@@ -15850,7 +16218,7 @@
 </p:sld>
 </file>
 
-<file path=ppt/slides/slide8.xml><?xml version="1.0" encoding="utf-8"?>
+<file path=ppt/slides/slide7.xml><?xml version="1.0" encoding="utf-8"?>
 <p:sld xmlns:a="http://schemas.openxmlformats.org/drawingml/2006/main" xmlns:r="http://schemas.openxmlformats.org/officeDocument/2006/relationships" xmlns:p="http://schemas.openxmlformats.org/presentationml/2006/main">
   <p:cSld>
     <p:spTree>
@@ -15981,6 +16349,88 @@
     <p:extLst>
       <p:ext uri="{BB962C8B-B14F-4D97-AF65-F5344CB8AC3E}">
         <p14:creationId xmlns:p14="http://schemas.microsoft.com/office/powerpoint/2010/main" val="3536510317"/>
+      </p:ext>
+    </p:extLst>
+  </p:cSld>
+  <p:clrMapOvr>
+    <a:masterClrMapping/>
+  </p:clrMapOvr>
+</p:sld>
+</file>
+
+<file path=ppt/slides/slide8.xml><?xml version="1.0" encoding="utf-8"?>
+<p:sld xmlns:a="http://schemas.openxmlformats.org/drawingml/2006/main" xmlns:r="http://schemas.openxmlformats.org/officeDocument/2006/relationships" xmlns:p="http://schemas.openxmlformats.org/presentationml/2006/main">
+  <p:cSld>
+    <p:spTree>
+      <p:nvGrpSpPr>
+        <p:cNvPr id="1" name=""/>
+        <p:cNvGrpSpPr/>
+        <p:nvPr/>
+      </p:nvGrpSpPr>
+      <p:grpSpPr>
+        <a:xfrm>
+          <a:off x="0" y="0"/>
+          <a:ext cx="0" cy="0"/>
+          <a:chOff x="0" y="0"/>
+          <a:chExt cx="0" cy="0"/>
+        </a:xfrm>
+      </p:grpSpPr>
+      <p:sp>
+        <p:nvSpPr>
+          <p:cNvPr id="2" name="Title 1"/>
+          <p:cNvSpPr>
+            <a:spLocks noGrp="1"/>
+          </p:cNvSpPr>
+          <p:nvPr>
+            <p:ph type="title"/>
+          </p:nvPr>
+        </p:nvSpPr>
+        <p:spPr/>
+        <p:txBody>
+          <a:bodyPr/>
+          <a:lstStyle/>
+          <a:p>
+            <a:r>
+              <a:rPr lang="en-GB" dirty="0"/>
+              <a:t>Docker archıtecture</a:t>
+            </a:r>
+            <a:endParaRPr lang="tr-TR" dirty="0"/>
+          </a:p>
+        </p:txBody>
+      </p:sp>
+      <p:pic>
+        <p:nvPicPr>
+          <p:cNvPr id="4" name="Content Placeholder 3"/>
+          <p:cNvPicPr>
+            <a:picLocks noGrp="1" noChangeAspect="1"/>
+          </p:cNvPicPr>
+          <p:nvPr>
+            <p:ph idx="1"/>
+          </p:nvPr>
+        </p:nvPicPr>
+        <p:blipFill>
+          <a:blip r:embed="rId2">
+            <a:extLst>
+              <a:ext uri="{28A0092B-C50C-407E-A947-70E740481C1C}">
+                <a14:useLocalDpi xmlns:a14="http://schemas.microsoft.com/office/drawing/2010/main" val="0"/>
+              </a:ext>
+            </a:extLst>
+          </a:blip>
+          <a:stretch>
+            <a:fillRect/>
+          </a:stretch>
+        </p:blipFill>
+        <p:spPr>
+          <a:xfrm>
+            <a:off x="2749051" y="2249488"/>
+            <a:ext cx="6690723" cy="3541712"/>
+          </a:xfrm>
+        </p:spPr>
+      </p:pic>
+    </p:spTree>
+    <p:extLst>
+      <p:ext uri="{BB962C8B-B14F-4D97-AF65-F5344CB8AC3E}">
+        <p14:creationId xmlns:p14="http://schemas.microsoft.com/office/powerpoint/2010/main" val="332515024"/>
       </p:ext>
     </p:extLst>
   </p:cSld>
@@ -16024,45 +16474,112 @@
           <a:p>
             <a:r>
               <a:rPr lang="en-GB" dirty="0"/>
-              <a:t>Docker archıtecture</a:t>
+              <a:t>Docker </a:t>
+            </a:r>
+            <a:r>
+              <a:rPr lang="en-GB" dirty="0" err="1"/>
+              <a:t>ınstallatıon</a:t>
             </a:r>
             <a:endParaRPr lang="tr-TR" dirty="0"/>
           </a:p>
         </p:txBody>
       </p:sp>
-      <p:pic>
-        <p:nvPicPr>
-          <p:cNvPr id="4" name="Content Placeholder 3"/>
-          <p:cNvPicPr>
-            <a:picLocks noGrp="1" noChangeAspect="1"/>
-          </p:cNvPicPr>
-          <p:nvPr>
-            <p:ph idx="1"/>
-          </p:nvPr>
-        </p:nvPicPr>
-        <p:blipFill>
-          <a:blip r:embed="rId2">
+      <p:sp>
+        <p:nvSpPr>
+          <p:cNvPr id="5" name="Content Placeholder 4">
             <a:extLst>
-              <a:ext uri="{28A0092B-C50C-407E-A947-70E740481C1C}">
-                <a14:useLocalDpi xmlns:a14="http://schemas.microsoft.com/office/drawing/2010/main" val="0"/>
+              <a:ext uri="{FF2B5EF4-FFF2-40B4-BE49-F238E27FC236}">
+                <a16:creationId xmlns:a16="http://schemas.microsoft.com/office/drawing/2014/main" id="{27C75E71-562A-4F8E-BB27-1143F98C3E85}"/>
               </a:ext>
             </a:extLst>
-          </a:blip>
-          <a:stretch>
-            <a:fillRect/>
-          </a:stretch>
-        </p:blipFill>
+          </p:cNvPr>
+          <p:cNvSpPr>
+            <a:spLocks noGrp="1"/>
+          </p:cNvSpPr>
+          <p:nvPr>
+            <p:ph idx="1"/>
+          </p:nvPr>
+        </p:nvSpPr>
         <p:spPr>
           <a:xfrm>
-            <a:off x="2749051" y="2249488"/>
-            <a:ext cx="6690723" cy="3541712"/>
+            <a:off x="1141412" y="2146300"/>
+            <a:ext cx="10191996" cy="4093182"/>
           </a:xfrm>
         </p:spPr>
-      </p:pic>
+        <p:txBody>
+          <a:bodyPr>
+            <a:normAutofit fontScale="92500" lnSpcReduction="20000"/>
+          </a:bodyPr>
+          <a:lstStyle/>
+          <a:p>
+            <a:r>
+              <a:rPr lang="en-US" dirty="0">
+                <a:hlinkClick r:id="rId2"/>
+              </a:rPr>
+              <a:t>https://store.docker.com/</a:t>
+            </a:r>
+            <a:endParaRPr lang="en-US" dirty="0"/>
+          </a:p>
+          <a:p>
+            <a:r>
+              <a:rPr lang="en-US" dirty="0"/>
+              <a:t>Mac , Windows, Centos, Debian, Fedora, Ubuntu, Raspberry Pi</a:t>
+            </a:r>
+          </a:p>
+          <a:p>
+            <a:r>
+              <a:rPr lang="en-US" dirty="0"/>
+              <a:t>Direct: Linux, W. Server 2016 / Indirect: Windows 10 Pro/Ent (Hyper-V), Mac (</a:t>
+            </a:r>
+            <a:r>
+              <a:rPr lang="en-US" dirty="0" err="1"/>
+              <a:t>HyperKit</a:t>
+            </a:r>
+            <a:r>
+              <a:rPr lang="en-US" dirty="0"/>
+              <a:t>)</a:t>
+            </a:r>
+          </a:p>
+          <a:p>
+            <a:r>
+              <a:rPr lang="en-US" dirty="0"/>
+              <a:t>Windows 7/8/8.1, Older versions of Mac or Window 10 Home (Docker Toolbox)</a:t>
+            </a:r>
+          </a:p>
+          <a:p>
+            <a:r>
+              <a:rPr lang="en-US" dirty="0"/>
+              <a:t>IaaS (AWS, Azure)</a:t>
+            </a:r>
+          </a:p>
+          <a:p>
+            <a:r>
+              <a:rPr lang="en-US" dirty="0" err="1"/>
+              <a:t>DockerCloud</a:t>
+            </a:r>
+            <a:r>
+              <a:rPr lang="en-US" dirty="0"/>
+              <a:t> (1 free private repo)</a:t>
+            </a:r>
+          </a:p>
+          <a:p>
+            <a:r>
+              <a:rPr lang="en-US" dirty="0"/>
+              <a:t>Visual Studio Code (Recommended)</a:t>
+            </a:r>
+          </a:p>
+          <a:p>
+            <a:r>
+              <a:rPr lang="en-US" dirty="0"/>
+              <a:t>https://labs.play-with-docker.com/</a:t>
+            </a:r>
+          </a:p>
+        </p:txBody>
+      </p:sp>
     </p:spTree>
     <p:extLst>
       <p:ext uri="{BB962C8B-B14F-4D97-AF65-F5344CB8AC3E}">
-        <p14:creationId xmlns:p14="http://schemas.microsoft.com/office/powerpoint/2010/main" val="332515024"/>
+        <p14:creationId xmlns:p14="http://schemas.microsoft.com/office/powerpoint/2010/main" val="3378640103"/>
       </p:ext>
     </p:extLst>
   </p:cSld>

--- a/DOCKER 101.pptx
+++ b/DOCKER 101.pptx
@@ -34,10 +34,8 @@
     <p:sldId id="287" r:id="rId28"/>
     <p:sldId id="302" r:id="rId29"/>
     <p:sldId id="303" r:id="rId30"/>
-    <p:sldId id="304" r:id="rId31"/>
-    <p:sldId id="305" r:id="rId32"/>
-    <p:sldId id="268" r:id="rId33"/>
-    <p:sldId id="269" r:id="rId34"/>
+    <p:sldId id="305" r:id="rId31"/>
+    <p:sldId id="269" r:id="rId32"/>
   </p:sldIdLst>
   <p:sldSz cx="12192000" cy="6858000"/>
   <p:notesSz cx="6858000" cy="9144000"/>
@@ -194,7 +192,7 @@
           <a:noFill/>
           <a:extLst>
             <a:ext uri="{909E8E84-426E-40dd-AFC4-6F175D3DCCD1}">
-              <a14:hiddenFill xmlns:a14="http://schemas.microsoft.com/office/drawing/2010/main" xmlns="">
+              <a14:hiddenFill xmlns="" xmlns:a14="http://schemas.microsoft.com/office/drawing/2010/main">
                 <a:solidFill>
                   <a:srgbClr val="FFFFFF"/>
                 </a:solidFill>
@@ -254,7 +252,7 @@
             </a:ln>
             <a:extLst>
               <a:ext uri="{91240B29-F687-4f45-9708-019B960494DF}">
-                <a14:hiddenLine xmlns:a14="http://schemas.microsoft.com/office/drawing/2010/main" xmlns="" w="9525">
+                <a14:hiddenLine xmlns="" xmlns:a14="http://schemas.microsoft.com/office/drawing/2010/main" w="9525">
                   <a:solidFill>
                     <a:srgbClr val="000000"/>
                   </a:solidFill>
@@ -344,7 +342,7 @@
             </a:ln>
             <a:extLst>
               <a:ext uri="{91240B29-F687-4f45-9708-019B960494DF}">
-                <a14:hiddenLine xmlns:a14="http://schemas.microsoft.com/office/drawing/2010/main" xmlns="" w="9525">
+                <a14:hiddenLine xmlns="" xmlns:a14="http://schemas.microsoft.com/office/drawing/2010/main" w="9525">
                   <a:solidFill>
                     <a:srgbClr val="000000"/>
                   </a:solidFill>
@@ -434,7 +432,7 @@
             </a:ln>
             <a:extLst>
               <a:ext uri="{91240B29-F687-4f45-9708-019B960494DF}">
-                <a14:hiddenLine xmlns:a14="http://schemas.microsoft.com/office/drawing/2010/main" xmlns="" w="9525">
+                <a14:hiddenLine xmlns="" xmlns:a14="http://schemas.microsoft.com/office/drawing/2010/main" w="9525">
                   <a:solidFill>
                     <a:srgbClr val="000000"/>
                   </a:solidFill>
@@ -468,7 +466,7 @@
             </a:ln>
             <a:extLst>
               <a:ext uri="{91240B29-F687-4f45-9708-019B960494DF}">
-                <a14:hiddenLine xmlns:a14="http://schemas.microsoft.com/office/drawing/2010/main" xmlns="" w="9525">
+                <a14:hiddenLine xmlns="" xmlns:a14="http://schemas.microsoft.com/office/drawing/2010/main" w="9525">
                   <a:solidFill>
                     <a:srgbClr val="000000"/>
                   </a:solidFill>
@@ -558,7 +556,7 @@
             </a:ln>
             <a:extLst>
               <a:ext uri="{91240B29-F687-4f45-9708-019B960494DF}">
-                <a14:hiddenLine xmlns:a14="http://schemas.microsoft.com/office/drawing/2010/main" xmlns="" w="9525">
+                <a14:hiddenLine xmlns="" xmlns:a14="http://schemas.microsoft.com/office/drawing/2010/main" w="9525">
                   <a:solidFill>
                     <a:srgbClr val="000000"/>
                   </a:solidFill>
@@ -620,7 +618,7 @@
             </a:ln>
             <a:extLst>
               <a:ext uri="{91240B29-F687-4f45-9708-019B960494DF}">
-                <a14:hiddenLine xmlns:a14="http://schemas.microsoft.com/office/drawing/2010/main" xmlns="" w="9525">
+                <a14:hiddenLine xmlns="" xmlns:a14="http://schemas.microsoft.com/office/drawing/2010/main" w="9525">
                   <a:solidFill>
                     <a:srgbClr val="000000"/>
                   </a:solidFill>
@@ -682,7 +680,7 @@
             </a:ln>
             <a:extLst>
               <a:ext uri="{91240B29-F687-4f45-9708-019B960494DF}">
-                <a14:hiddenLine xmlns:a14="http://schemas.microsoft.com/office/drawing/2010/main" xmlns="" w="9525">
+                <a14:hiddenLine xmlns="" xmlns:a14="http://schemas.microsoft.com/office/drawing/2010/main" w="9525">
                   <a:solidFill>
                     <a:srgbClr val="000000"/>
                   </a:solidFill>
@@ -772,7 +770,7 @@
             </a:ln>
             <a:extLst>
               <a:ext uri="{91240B29-F687-4f45-9708-019B960494DF}">
-                <a14:hiddenLine xmlns:a14="http://schemas.microsoft.com/office/drawing/2010/main" xmlns="" w="9525">
+                <a14:hiddenLine xmlns="" xmlns:a14="http://schemas.microsoft.com/office/drawing/2010/main" w="9525">
                   <a:solidFill>
                     <a:srgbClr val="000000"/>
                   </a:solidFill>
@@ -834,7 +832,7 @@
             </a:ln>
             <a:extLst>
               <a:ext uri="{91240B29-F687-4f45-9708-019B960494DF}">
-                <a14:hiddenLine xmlns:a14="http://schemas.microsoft.com/office/drawing/2010/main" xmlns="" w="9525">
+                <a14:hiddenLine xmlns="" xmlns:a14="http://schemas.microsoft.com/office/drawing/2010/main" w="9525">
                   <a:solidFill>
                     <a:srgbClr val="000000"/>
                   </a:solidFill>
@@ -896,7 +894,7 @@
             </a:ln>
             <a:extLst>
               <a:ext uri="{91240B29-F687-4f45-9708-019B960494DF}">
-                <a14:hiddenLine xmlns:a14="http://schemas.microsoft.com/office/drawing/2010/main" xmlns="" w="9525">
+                <a14:hiddenLine xmlns="" xmlns:a14="http://schemas.microsoft.com/office/drawing/2010/main" w="9525">
                   <a:solidFill>
                     <a:srgbClr val="000000"/>
                   </a:solidFill>
@@ -986,7 +984,7 @@
             </a:ln>
             <a:extLst>
               <a:ext uri="{91240B29-F687-4f45-9708-019B960494DF}">
-                <a14:hiddenLine xmlns:a14="http://schemas.microsoft.com/office/drawing/2010/main" xmlns="" w="9525">
+                <a14:hiddenLine xmlns="" xmlns:a14="http://schemas.microsoft.com/office/drawing/2010/main" w="9525">
                   <a:solidFill>
                     <a:srgbClr val="000000"/>
                   </a:solidFill>
@@ -1076,7 +1074,7 @@
             </a:ln>
             <a:extLst>
               <a:ext uri="{91240B29-F687-4f45-9708-019B960494DF}">
-                <a14:hiddenLine xmlns:a14="http://schemas.microsoft.com/office/drawing/2010/main" xmlns="" w="9525">
+                <a14:hiddenLine xmlns="" xmlns:a14="http://schemas.microsoft.com/office/drawing/2010/main" w="9525">
                   <a:solidFill>
                     <a:srgbClr val="000000"/>
                   </a:solidFill>
@@ -1138,7 +1136,7 @@
             </a:ln>
             <a:extLst>
               <a:ext uri="{91240B29-F687-4f45-9708-019B960494DF}">
-                <a14:hiddenLine xmlns:a14="http://schemas.microsoft.com/office/drawing/2010/main" xmlns="" w="9525">
+                <a14:hiddenLine xmlns="" xmlns:a14="http://schemas.microsoft.com/office/drawing/2010/main" w="9525">
                   <a:solidFill>
                     <a:srgbClr val="000000"/>
                   </a:solidFill>
@@ -1248,7 +1246,7 @@
             </a:ln>
             <a:extLst>
               <a:ext uri="{91240B29-F687-4f45-9708-019B960494DF}">
-                <a14:hiddenLine xmlns:a14="http://schemas.microsoft.com/office/drawing/2010/main" xmlns="" w="9525">
+                <a14:hiddenLine xmlns="" xmlns:a14="http://schemas.microsoft.com/office/drawing/2010/main" w="9525">
                   <a:solidFill>
                     <a:srgbClr val="000000"/>
                   </a:solidFill>
@@ -1310,7 +1308,7 @@
             </a:ln>
             <a:extLst>
               <a:ext uri="{91240B29-F687-4f45-9708-019B960494DF}">
-                <a14:hiddenLine xmlns:a14="http://schemas.microsoft.com/office/drawing/2010/main" xmlns="" w="9525">
+                <a14:hiddenLine xmlns="" xmlns:a14="http://schemas.microsoft.com/office/drawing/2010/main" w="9525">
                   <a:solidFill>
                     <a:srgbClr val="000000"/>
                   </a:solidFill>
@@ -1400,7 +1398,7 @@
             </a:ln>
             <a:extLst>
               <a:ext uri="{91240B29-F687-4f45-9708-019B960494DF}">
-                <a14:hiddenLine xmlns:a14="http://schemas.microsoft.com/office/drawing/2010/main" xmlns="" w="9525">
+                <a14:hiddenLine xmlns="" xmlns:a14="http://schemas.microsoft.com/office/drawing/2010/main" w="9525">
                   <a:solidFill>
                     <a:srgbClr val="000000"/>
                   </a:solidFill>
@@ -1490,7 +1488,7 @@
             </a:ln>
             <a:extLst>
               <a:ext uri="{91240B29-F687-4f45-9708-019B960494DF}">
-                <a14:hiddenLine xmlns:a14="http://schemas.microsoft.com/office/drawing/2010/main" xmlns="" w="9525">
+                <a14:hiddenLine xmlns="" xmlns:a14="http://schemas.microsoft.com/office/drawing/2010/main" w="9525">
                   <a:solidFill>
                     <a:srgbClr val="000000"/>
                   </a:solidFill>
@@ -1552,7 +1550,7 @@
             </a:ln>
             <a:extLst>
               <a:ext uri="{91240B29-F687-4f45-9708-019B960494DF}">
-                <a14:hiddenLine xmlns:a14="http://schemas.microsoft.com/office/drawing/2010/main" xmlns="" w="9525">
+                <a14:hiddenLine xmlns="" xmlns:a14="http://schemas.microsoft.com/office/drawing/2010/main" w="9525">
                   <a:solidFill>
                     <a:srgbClr val="000000"/>
                   </a:solidFill>
@@ -1642,7 +1640,7 @@
             </a:ln>
             <a:extLst>
               <a:ext uri="{91240B29-F687-4f45-9708-019B960494DF}">
-                <a14:hiddenLine xmlns:a14="http://schemas.microsoft.com/office/drawing/2010/main" xmlns="" w="9525">
+                <a14:hiddenLine xmlns="" xmlns:a14="http://schemas.microsoft.com/office/drawing/2010/main" w="9525">
                   <a:solidFill>
                     <a:srgbClr val="000000"/>
                   </a:solidFill>
@@ -1732,7 +1730,7 @@
             </a:ln>
             <a:extLst>
               <a:ext uri="{91240B29-F687-4f45-9708-019B960494DF}">
-                <a14:hiddenLine xmlns:a14="http://schemas.microsoft.com/office/drawing/2010/main" xmlns="" w="9525">
+                <a14:hiddenLine xmlns="" xmlns:a14="http://schemas.microsoft.com/office/drawing/2010/main" w="9525">
                   <a:solidFill>
                     <a:srgbClr val="000000"/>
                   </a:solidFill>
@@ -1788,7 +1786,7 @@
             </a:ln>
             <a:extLst>
               <a:ext uri="{91240B29-F687-4f45-9708-019B960494DF}">
-                <a14:hiddenLine xmlns:a14="http://schemas.microsoft.com/office/drawing/2010/main" xmlns="" w="9525">
+                <a14:hiddenLine xmlns="" xmlns:a14="http://schemas.microsoft.com/office/drawing/2010/main" w="9525">
                   <a:solidFill>
                     <a:srgbClr val="000000"/>
                   </a:solidFill>
@@ -1878,7 +1876,7 @@
             </a:ln>
             <a:extLst>
               <a:ext uri="{91240B29-F687-4f45-9708-019B960494DF}">
-                <a14:hiddenLine xmlns:a14="http://schemas.microsoft.com/office/drawing/2010/main" xmlns="" w="9525">
+                <a14:hiddenLine xmlns="" xmlns:a14="http://schemas.microsoft.com/office/drawing/2010/main" w="9525">
                   <a:solidFill>
                     <a:srgbClr val="000000"/>
                   </a:solidFill>
@@ -1934,7 +1932,7 @@
             </a:ln>
             <a:extLst>
               <a:ext uri="{91240B29-F687-4f45-9708-019B960494DF}">
-                <a14:hiddenLine xmlns:a14="http://schemas.microsoft.com/office/drawing/2010/main" xmlns="" w="9525">
+                <a14:hiddenLine xmlns="" xmlns:a14="http://schemas.microsoft.com/office/drawing/2010/main" w="9525">
                   <a:solidFill>
                     <a:srgbClr val="000000"/>
                   </a:solidFill>
@@ -2024,7 +2022,7 @@
             </a:ln>
             <a:extLst>
               <a:ext uri="{91240B29-F687-4f45-9708-019B960494DF}">
-                <a14:hiddenLine xmlns:a14="http://schemas.microsoft.com/office/drawing/2010/main" xmlns="" w="9525">
+                <a14:hiddenLine xmlns="" xmlns:a14="http://schemas.microsoft.com/office/drawing/2010/main" w="9525">
                   <a:solidFill>
                     <a:srgbClr val="000000"/>
                   </a:solidFill>
@@ -2092,7 +2090,7 @@
             </a:ln>
             <a:extLst>
               <a:ext uri="{91240B29-F687-4f45-9708-019B960494DF}">
-                <a14:hiddenLine xmlns:a14="http://schemas.microsoft.com/office/drawing/2010/main" xmlns="" w="9525">
+                <a14:hiddenLine xmlns="" xmlns:a14="http://schemas.microsoft.com/office/drawing/2010/main" w="9525">
                   <a:solidFill>
                     <a:srgbClr val="000000"/>
                   </a:solidFill>
@@ -2182,7 +2180,7 @@
             </a:ln>
             <a:extLst>
               <a:ext uri="{91240B29-F687-4f45-9708-019B960494DF}">
-                <a14:hiddenLine xmlns:a14="http://schemas.microsoft.com/office/drawing/2010/main" xmlns="" w="9525">
+                <a14:hiddenLine xmlns="" xmlns:a14="http://schemas.microsoft.com/office/drawing/2010/main" w="9525">
                   <a:solidFill>
                     <a:srgbClr val="000000"/>
                   </a:solidFill>
@@ -2250,7 +2248,7 @@
             </a:ln>
             <a:extLst>
               <a:ext uri="{91240B29-F687-4f45-9708-019B960494DF}">
-                <a14:hiddenLine xmlns:a14="http://schemas.microsoft.com/office/drawing/2010/main" xmlns="" w="9525">
+                <a14:hiddenLine xmlns="" xmlns:a14="http://schemas.microsoft.com/office/drawing/2010/main" w="9525">
                   <a:solidFill>
                     <a:srgbClr val="000000"/>
                   </a:solidFill>
@@ -2340,7 +2338,7 @@
             </a:ln>
             <a:extLst>
               <a:ext uri="{91240B29-F687-4f45-9708-019B960494DF}">
-                <a14:hiddenLine xmlns:a14="http://schemas.microsoft.com/office/drawing/2010/main" xmlns="" w="9525">
+                <a14:hiddenLine xmlns="" xmlns:a14="http://schemas.microsoft.com/office/drawing/2010/main" w="9525">
                   <a:solidFill>
                     <a:srgbClr val="000000"/>
                   </a:solidFill>
@@ -2374,7 +2372,7 @@
             </a:ln>
             <a:extLst>
               <a:ext uri="{91240B29-F687-4f45-9708-019B960494DF}">
-                <a14:hiddenLine xmlns:a14="http://schemas.microsoft.com/office/drawing/2010/main" xmlns="" w="9525">
+                <a14:hiddenLine xmlns="" xmlns:a14="http://schemas.microsoft.com/office/drawing/2010/main" w="9525">
                   <a:solidFill>
                     <a:srgbClr val="000000"/>
                   </a:solidFill>
@@ -2464,7 +2462,7 @@
             </a:ln>
             <a:extLst>
               <a:ext uri="{91240B29-F687-4f45-9708-019B960494DF}">
-                <a14:hiddenLine xmlns:a14="http://schemas.microsoft.com/office/drawing/2010/main" xmlns="" w="9525">
+                <a14:hiddenLine xmlns="" xmlns:a14="http://schemas.microsoft.com/office/drawing/2010/main" w="9525">
                   <a:solidFill>
                     <a:srgbClr val="000000"/>
                   </a:solidFill>
@@ -2526,7 +2524,7 @@
             </a:ln>
             <a:extLst>
               <a:ext uri="{91240B29-F687-4f45-9708-019B960494DF}">
-                <a14:hiddenLine xmlns:a14="http://schemas.microsoft.com/office/drawing/2010/main" xmlns="" w="9525">
+                <a14:hiddenLine xmlns="" xmlns:a14="http://schemas.microsoft.com/office/drawing/2010/main" w="9525">
                   <a:solidFill>
                     <a:srgbClr val="000000"/>
                   </a:solidFill>
@@ -2588,7 +2586,7 @@
             </a:ln>
             <a:extLst>
               <a:ext uri="{91240B29-F687-4f45-9708-019B960494DF}">
-                <a14:hiddenLine xmlns:a14="http://schemas.microsoft.com/office/drawing/2010/main" xmlns="" w="9525">
+                <a14:hiddenLine xmlns="" xmlns:a14="http://schemas.microsoft.com/office/drawing/2010/main" w="9525">
                   <a:solidFill>
                     <a:srgbClr val="000000"/>
                   </a:solidFill>
@@ -2678,7 +2676,7 @@
             </a:ln>
             <a:extLst>
               <a:ext uri="{91240B29-F687-4f45-9708-019B960494DF}">
-                <a14:hiddenLine xmlns:a14="http://schemas.microsoft.com/office/drawing/2010/main" xmlns="" w="9525">
+                <a14:hiddenLine xmlns="" xmlns:a14="http://schemas.microsoft.com/office/drawing/2010/main" w="9525">
                   <a:solidFill>
                     <a:srgbClr val="000000"/>
                   </a:solidFill>
@@ -2746,7 +2744,7 @@
             </a:ln>
             <a:extLst>
               <a:ext uri="{91240B29-F687-4f45-9708-019B960494DF}">
-                <a14:hiddenLine xmlns:a14="http://schemas.microsoft.com/office/drawing/2010/main" xmlns="" w="9525">
+                <a14:hiddenLine xmlns="" xmlns:a14="http://schemas.microsoft.com/office/drawing/2010/main" w="9525">
                   <a:solidFill>
                     <a:srgbClr val="000000"/>
                   </a:solidFill>
@@ -2808,7 +2806,7 @@
             </a:ln>
             <a:extLst>
               <a:ext uri="{91240B29-F687-4f45-9708-019B960494DF}">
-                <a14:hiddenLine xmlns:a14="http://schemas.microsoft.com/office/drawing/2010/main" xmlns="" w="9525">
+                <a14:hiddenLine xmlns="" xmlns:a14="http://schemas.microsoft.com/office/drawing/2010/main" w="9525">
                   <a:solidFill>
                     <a:srgbClr val="000000"/>
                   </a:solidFill>
@@ -2898,7 +2896,7 @@
             </a:ln>
             <a:extLst>
               <a:ext uri="{91240B29-F687-4f45-9708-019B960494DF}">
-                <a14:hiddenLine xmlns:a14="http://schemas.microsoft.com/office/drawing/2010/main" xmlns="" w="9525">
+                <a14:hiddenLine xmlns="" xmlns:a14="http://schemas.microsoft.com/office/drawing/2010/main" w="9525">
                   <a:solidFill>
                     <a:srgbClr val="000000"/>
                   </a:solidFill>
@@ -2960,7 +2958,7 @@
             </a:ln>
             <a:extLst>
               <a:ext uri="{91240B29-F687-4f45-9708-019B960494DF}">
-                <a14:hiddenLine xmlns:a14="http://schemas.microsoft.com/office/drawing/2010/main" xmlns="" w="9525">
+                <a14:hiddenLine xmlns="" xmlns:a14="http://schemas.microsoft.com/office/drawing/2010/main" w="9525">
                   <a:solidFill>
                     <a:srgbClr val="000000"/>
                   </a:solidFill>
@@ -3050,7 +3048,7 @@
             </a:ln>
             <a:extLst>
               <a:ext uri="{91240B29-F687-4f45-9708-019B960494DF}">
-                <a14:hiddenLine xmlns:a14="http://schemas.microsoft.com/office/drawing/2010/main" xmlns="" w="9525">
+                <a14:hiddenLine xmlns="" xmlns:a14="http://schemas.microsoft.com/office/drawing/2010/main" w="9525">
                   <a:solidFill>
                     <a:srgbClr val="000000"/>
                   </a:solidFill>
@@ -3112,7 +3110,7 @@
             </a:ln>
             <a:extLst>
               <a:ext uri="{91240B29-F687-4f45-9708-019B960494DF}">
-                <a14:hiddenLine xmlns:a14="http://schemas.microsoft.com/office/drawing/2010/main" xmlns="" w="9525">
+                <a14:hiddenLine xmlns="" xmlns:a14="http://schemas.microsoft.com/office/drawing/2010/main" w="9525">
                   <a:solidFill>
                     <a:srgbClr val="000000"/>
                   </a:solidFill>
@@ -3202,7 +3200,7 @@
             </a:ln>
             <a:extLst>
               <a:ext uri="{91240B29-F687-4f45-9708-019B960494DF}">
-                <a14:hiddenLine xmlns:a14="http://schemas.microsoft.com/office/drawing/2010/main" xmlns="" w="9525">
+                <a14:hiddenLine xmlns="" xmlns:a14="http://schemas.microsoft.com/office/drawing/2010/main" w="9525">
                   <a:solidFill>
                     <a:srgbClr val="000000"/>
                   </a:solidFill>
@@ -3236,7 +3234,7 @@
             </a:ln>
             <a:extLst>
               <a:ext uri="{91240B29-F687-4f45-9708-019B960494DF}">
-                <a14:hiddenLine xmlns:a14="http://schemas.microsoft.com/office/drawing/2010/main" xmlns="" w="9525">
+                <a14:hiddenLine xmlns="" xmlns:a14="http://schemas.microsoft.com/office/drawing/2010/main" w="9525">
                   <a:solidFill>
                     <a:srgbClr val="000000"/>
                   </a:solidFill>
@@ -3301,7 +3299,7 @@
             </a:ln>
             <a:extLst>
               <a:ext uri="{91240B29-F687-4f45-9708-019B960494DF}">
-                <a14:hiddenLine xmlns:a14="http://schemas.microsoft.com/office/drawing/2010/main" xmlns="" w="9525">
+                <a14:hiddenLine xmlns="" xmlns:a14="http://schemas.microsoft.com/office/drawing/2010/main" w="9525">
                   <a:solidFill>
                     <a:srgbClr val="000000"/>
                   </a:solidFill>
@@ -3391,7 +3389,7 @@
             </a:ln>
             <a:extLst>
               <a:ext uri="{91240B29-F687-4f45-9708-019B960494DF}">
-                <a14:hiddenLine xmlns:a14="http://schemas.microsoft.com/office/drawing/2010/main" xmlns="" w="9525">
+                <a14:hiddenLine xmlns="" xmlns:a14="http://schemas.microsoft.com/office/drawing/2010/main" w="9525">
                   <a:solidFill>
                     <a:srgbClr val="000000"/>
                   </a:solidFill>
@@ -3453,7 +3451,7 @@
             </a:ln>
             <a:extLst>
               <a:ext uri="{91240B29-F687-4f45-9708-019B960494DF}">
-                <a14:hiddenLine xmlns:a14="http://schemas.microsoft.com/office/drawing/2010/main" xmlns="" w="9525">
+                <a14:hiddenLine xmlns="" xmlns:a14="http://schemas.microsoft.com/office/drawing/2010/main" w="9525">
                   <a:solidFill>
                     <a:srgbClr val="000000"/>
                   </a:solidFill>
@@ -3543,7 +3541,7 @@
             </a:ln>
             <a:extLst>
               <a:ext uri="{91240B29-F687-4f45-9708-019B960494DF}">
-                <a14:hiddenLine xmlns:a14="http://schemas.microsoft.com/office/drawing/2010/main" xmlns="" w="9525">
+                <a14:hiddenLine xmlns="" xmlns:a14="http://schemas.microsoft.com/office/drawing/2010/main" w="9525">
                   <a:solidFill>
                     <a:srgbClr val="000000"/>
                   </a:solidFill>
@@ -3633,7 +3631,7 @@
             </a:ln>
             <a:extLst>
               <a:ext uri="{91240B29-F687-4f45-9708-019B960494DF}">
-                <a14:hiddenLine xmlns:a14="http://schemas.microsoft.com/office/drawing/2010/main" xmlns="" w="9525">
+                <a14:hiddenLine xmlns="" xmlns:a14="http://schemas.microsoft.com/office/drawing/2010/main" w="9525">
                   <a:solidFill>
                     <a:srgbClr val="000000"/>
                   </a:solidFill>
@@ -3698,7 +3696,7 @@
             </a:ln>
             <a:extLst>
               <a:ext uri="{91240B29-F687-4f45-9708-019B960494DF}">
-                <a14:hiddenLine xmlns:a14="http://schemas.microsoft.com/office/drawing/2010/main" xmlns="" w="9525">
+                <a14:hiddenLine xmlns="" xmlns:a14="http://schemas.microsoft.com/office/drawing/2010/main" w="9525">
                   <a:solidFill>
                     <a:srgbClr val="000000"/>
                   </a:solidFill>
@@ -3760,7 +3758,7 @@
             </a:ln>
             <a:extLst>
               <a:ext uri="{91240B29-F687-4f45-9708-019B960494DF}">
-                <a14:hiddenLine xmlns:a14="http://schemas.microsoft.com/office/drawing/2010/main" xmlns="" w="9525">
+                <a14:hiddenLine xmlns="" xmlns:a14="http://schemas.microsoft.com/office/drawing/2010/main" w="9525">
                   <a:solidFill>
                     <a:srgbClr val="000000"/>
                   </a:solidFill>
@@ -3850,7 +3848,7 @@
             </a:ln>
             <a:extLst>
               <a:ext uri="{91240B29-F687-4f45-9708-019B960494DF}">
-                <a14:hiddenLine xmlns:a14="http://schemas.microsoft.com/office/drawing/2010/main" xmlns="" w="9525">
+                <a14:hiddenLine xmlns="" xmlns:a14="http://schemas.microsoft.com/office/drawing/2010/main" w="9525">
                   <a:solidFill>
                     <a:srgbClr val="000000"/>
                   </a:solidFill>
@@ -3940,7 +3938,7 @@
             </a:ln>
             <a:extLst>
               <a:ext uri="{91240B29-F687-4f45-9708-019B960494DF}">
-                <a14:hiddenLine xmlns:a14="http://schemas.microsoft.com/office/drawing/2010/main" xmlns="" w="9525">
+                <a14:hiddenLine xmlns="" xmlns:a14="http://schemas.microsoft.com/office/drawing/2010/main" w="9525">
                   <a:solidFill>
                     <a:srgbClr val="000000"/>
                   </a:solidFill>
@@ -4002,7 +4000,7 @@
             </a:ln>
             <a:extLst>
               <a:ext uri="{91240B29-F687-4f45-9708-019B960494DF}">
-                <a14:hiddenLine xmlns:a14="http://schemas.microsoft.com/office/drawing/2010/main" xmlns="" w="9525">
+                <a14:hiddenLine xmlns="" xmlns:a14="http://schemas.microsoft.com/office/drawing/2010/main" w="9525">
                   <a:solidFill>
                     <a:srgbClr val="000000"/>
                   </a:solidFill>
@@ -4122,7 +4120,7 @@
             </a:ln>
             <a:extLst>
               <a:ext uri="{91240B29-F687-4f45-9708-019B960494DF}">
-                <a14:hiddenLine xmlns:a14="http://schemas.microsoft.com/office/drawing/2010/main" xmlns="" w="9525">
+                <a14:hiddenLine xmlns="" xmlns:a14="http://schemas.microsoft.com/office/drawing/2010/main" w="9525">
                   <a:solidFill>
                     <a:srgbClr val="000000"/>
                   </a:solidFill>
@@ -4190,7 +4188,7 @@
             </a:ln>
             <a:extLst>
               <a:ext uri="{91240B29-F687-4f45-9708-019B960494DF}">
-                <a14:hiddenLine xmlns:a14="http://schemas.microsoft.com/office/drawing/2010/main" xmlns="" w="9525">
+                <a14:hiddenLine xmlns="" xmlns:a14="http://schemas.microsoft.com/office/drawing/2010/main" w="9525">
                   <a:solidFill>
                     <a:srgbClr val="000000"/>
                   </a:solidFill>
@@ -4280,7 +4278,7 @@
             </a:ln>
             <a:extLst>
               <a:ext uri="{91240B29-F687-4f45-9708-019B960494DF}">
-                <a14:hiddenLine xmlns:a14="http://schemas.microsoft.com/office/drawing/2010/main" xmlns="" w="9525">
+                <a14:hiddenLine xmlns="" xmlns:a14="http://schemas.microsoft.com/office/drawing/2010/main" w="9525">
                   <a:solidFill>
                     <a:srgbClr val="000000"/>
                   </a:solidFill>
@@ -4420,7 +4418,7 @@
           <a:p>
             <a:fld id="{48A87A34-81AB-432B-8DAE-1953F412C126}" type="datetimeFigureOut">
               <a:rPr lang="en-US" dirty="0"/>
-              <a:t>6/30/2018</a:t>
+              <a:t>7/2/2018</a:t>
             </a:fld>
             <a:endParaRPr lang="en-US" dirty="0"/>
           </a:p>
@@ -4682,7 +4680,7 @@
           <a:p>
             <a:fld id="{48A87A34-81AB-432B-8DAE-1953F412C126}" type="datetimeFigureOut">
               <a:rPr lang="en-US" dirty="0"/>
-              <a:t>6/30/2018</a:t>
+              <a:t>7/2/2018</a:t>
             </a:fld>
             <a:endParaRPr lang="en-US" dirty="0"/>
           </a:p>
@@ -4873,7 +4871,7 @@
           <a:p>
             <a:fld id="{48A87A34-81AB-432B-8DAE-1953F412C126}" type="datetimeFigureOut">
               <a:rPr lang="en-US" dirty="0"/>
-              <a:t>6/30/2018</a:t>
+              <a:t>7/2/2018</a:t>
             </a:fld>
             <a:endParaRPr lang="en-US" dirty="0"/>
           </a:p>
@@ -5131,7 +5129,7 @@
           <a:p>
             <a:fld id="{48A87A34-81AB-432B-8DAE-1953F412C126}" type="datetimeFigureOut">
               <a:rPr lang="en-US" dirty="0"/>
-              <a:t>6/30/2018</a:t>
+              <a:t>7/2/2018</a:t>
             </a:fld>
             <a:endParaRPr lang="en-US" dirty="0"/>
           </a:p>
@@ -5560,7 +5558,7 @@
           <a:p>
             <a:fld id="{48A87A34-81AB-432B-8DAE-1953F412C126}" type="datetimeFigureOut">
               <a:rPr lang="en-US" dirty="0"/>
-              <a:t>6/30/2018</a:t>
+              <a:t>7/2/2018</a:t>
             </a:fld>
             <a:endParaRPr lang="en-US" dirty="0"/>
           </a:p>
@@ -6101,7 +6099,7 @@
           <a:p>
             <a:fld id="{48A87A34-81AB-432B-8DAE-1953F412C126}" type="datetimeFigureOut">
               <a:rPr lang="en-US" dirty="0"/>
-              <a:t>6/30/2018</a:t>
+              <a:t>7/2/2018</a:t>
             </a:fld>
             <a:endParaRPr lang="en-US" dirty="0"/>
           </a:p>
@@ -6816,7 +6814,7 @@
           <a:p>
             <a:fld id="{48A87A34-81AB-432B-8DAE-1953F412C126}" type="datetimeFigureOut">
               <a:rPr lang="en-US" dirty="0"/>
-              <a:t>6/30/2018</a:t>
+              <a:t>7/2/2018</a:t>
             </a:fld>
             <a:endParaRPr lang="en-US" dirty="0"/>
           </a:p>
@@ -6981,7 +6979,7 @@
           <a:p>
             <a:fld id="{48A87A34-81AB-432B-8DAE-1953F412C126}" type="datetimeFigureOut">
               <a:rPr lang="en-US" dirty="0"/>
-              <a:t>6/30/2018</a:t>
+              <a:t>7/2/2018</a:t>
             </a:fld>
             <a:endParaRPr lang="en-US" dirty="0"/>
           </a:p>
@@ -7156,7 +7154,7 @@
           <a:p>
             <a:fld id="{48A87A34-81AB-432B-8DAE-1953F412C126}" type="datetimeFigureOut">
               <a:rPr lang="en-US" dirty="0"/>
-              <a:t>6/30/2018</a:t>
+              <a:t>7/2/2018</a:t>
             </a:fld>
             <a:endParaRPr lang="en-US" dirty="0"/>
           </a:p>
@@ -7321,7 +7319,7 @@
           <a:p>
             <a:fld id="{48A87A34-81AB-432B-8DAE-1953F412C126}" type="datetimeFigureOut">
               <a:rPr lang="en-US" dirty="0"/>
-              <a:t>6/30/2018</a:t>
+              <a:t>7/2/2018</a:t>
             </a:fld>
             <a:endParaRPr lang="en-US" dirty="0"/>
           </a:p>
@@ -7566,7 +7564,7 @@
           <a:p>
             <a:fld id="{48A87A34-81AB-432B-8DAE-1953F412C126}" type="datetimeFigureOut">
               <a:rPr lang="en-US" dirty="0"/>
-              <a:t>6/30/2018</a:t>
+              <a:t>7/2/2018</a:t>
             </a:fld>
             <a:endParaRPr lang="en-US" dirty="0"/>
           </a:p>
@@ -7793,7 +7791,7 @@
           <a:p>
             <a:fld id="{48A87A34-81AB-432B-8DAE-1953F412C126}" type="datetimeFigureOut">
               <a:rPr lang="en-US" dirty="0"/>
-              <a:t>6/30/2018</a:t>
+              <a:t>7/2/2018</a:t>
             </a:fld>
             <a:endParaRPr lang="en-US" dirty="0"/>
           </a:p>
@@ -8169,7 +8167,7 @@
           <a:p>
             <a:fld id="{48A87A34-81AB-432B-8DAE-1953F412C126}" type="datetimeFigureOut">
               <a:rPr lang="en-US" dirty="0"/>
-              <a:t>6/30/2018</a:t>
+              <a:t>7/2/2018</a:t>
             </a:fld>
             <a:endParaRPr lang="en-US" dirty="0"/>
           </a:p>
@@ -8282,7 +8280,7 @@
           <a:p>
             <a:fld id="{48A87A34-81AB-432B-8DAE-1953F412C126}" type="datetimeFigureOut">
               <a:rPr lang="en-US" dirty="0"/>
-              <a:t>6/30/2018</a:t>
+              <a:t>7/2/2018</a:t>
             </a:fld>
             <a:endParaRPr lang="en-US" dirty="0"/>
           </a:p>
@@ -8372,7 +8370,7 @@
           <a:p>
             <a:fld id="{48A87A34-81AB-432B-8DAE-1953F412C126}" type="datetimeFigureOut">
               <a:rPr lang="en-US" dirty="0"/>
-              <a:t>6/30/2018</a:t>
+              <a:t>7/2/2018</a:t>
             </a:fld>
             <a:endParaRPr lang="en-US" dirty="0"/>
           </a:p>
@@ -8616,7 +8614,7 @@
           <a:p>
             <a:fld id="{48A87A34-81AB-432B-8DAE-1953F412C126}" type="datetimeFigureOut">
               <a:rPr lang="en-US" dirty="0"/>
-              <a:t>6/30/2018</a:t>
+              <a:t>7/2/2018</a:t>
             </a:fld>
             <a:endParaRPr lang="en-US" dirty="0"/>
           </a:p>
@@ -8891,7 +8889,7 @@
           <a:p>
             <a:fld id="{48A87A34-81AB-432B-8DAE-1953F412C126}" type="datetimeFigureOut">
               <a:rPr lang="en-US" dirty="0"/>
-              <a:t>6/30/2018</a:t>
+              <a:t>7/2/2018</a:t>
             </a:fld>
             <a:endParaRPr lang="en-US" dirty="0"/>
           </a:p>
@@ -9002,7 +9000,7 @@
           <a:noFill/>
           <a:extLst>
             <a:ext uri="{909E8E84-426E-40dd-AFC4-6F175D3DCCD1}">
-              <a14:hiddenFill xmlns:a14="http://schemas.microsoft.com/office/drawing/2010/main" xmlns="">
+              <a14:hiddenFill xmlns="" xmlns:a14="http://schemas.microsoft.com/office/drawing/2010/main">
                 <a:solidFill>
                   <a:srgbClr val="FFFFFF"/>
                 </a:solidFill>
@@ -9076,7 +9074,7 @@
               </a:ln>
               <a:extLst>
                 <a:ext uri="{91240B29-F687-4f45-9708-019B960494DF}">
-                  <a14:hiddenLine xmlns:a14="http://schemas.microsoft.com/office/drawing/2010/main" xmlns="" w="9525">
+                  <a14:hiddenLine xmlns="" xmlns:a14="http://schemas.microsoft.com/office/drawing/2010/main" w="9525">
                     <a:solidFill>
                       <a:srgbClr val="000000"/>
                     </a:solidFill>
@@ -9166,7 +9164,7 @@
               </a:ln>
               <a:extLst>
                 <a:ext uri="{91240B29-F687-4f45-9708-019B960494DF}">
-                  <a14:hiddenLine xmlns:a14="http://schemas.microsoft.com/office/drawing/2010/main" xmlns="" w="9525">
+                  <a14:hiddenLine xmlns="" xmlns:a14="http://schemas.microsoft.com/office/drawing/2010/main" w="9525">
                     <a:solidFill>
                       <a:srgbClr val="000000"/>
                     </a:solidFill>
@@ -9256,7 +9254,7 @@
               </a:ln>
               <a:extLst>
                 <a:ext uri="{91240B29-F687-4f45-9708-019B960494DF}">
-                  <a14:hiddenLine xmlns:a14="http://schemas.microsoft.com/office/drawing/2010/main" xmlns="" w="9525">
+                  <a14:hiddenLine xmlns="" xmlns:a14="http://schemas.microsoft.com/office/drawing/2010/main" w="9525">
                     <a:solidFill>
                       <a:srgbClr val="000000"/>
                     </a:solidFill>
@@ -9318,7 +9316,7 @@
               </a:ln>
               <a:extLst>
                 <a:ext uri="{91240B29-F687-4f45-9708-019B960494DF}">
-                  <a14:hiddenLine xmlns:a14="http://schemas.microsoft.com/office/drawing/2010/main" xmlns="" w="9525">
+                  <a14:hiddenLine xmlns="" xmlns:a14="http://schemas.microsoft.com/office/drawing/2010/main" w="9525">
                     <a:solidFill>
                       <a:srgbClr val="000000"/>
                     </a:solidFill>
@@ -9408,7 +9406,7 @@
               </a:ln>
               <a:extLst>
                 <a:ext uri="{91240B29-F687-4f45-9708-019B960494DF}">
-                  <a14:hiddenLine xmlns:a14="http://schemas.microsoft.com/office/drawing/2010/main" xmlns="" w="9525">
+                  <a14:hiddenLine xmlns="" xmlns:a14="http://schemas.microsoft.com/office/drawing/2010/main" w="9525">
                     <a:solidFill>
                       <a:srgbClr val="000000"/>
                     </a:solidFill>
@@ -9470,7 +9468,7 @@
               </a:ln>
               <a:extLst>
                 <a:ext uri="{91240B29-F687-4f45-9708-019B960494DF}">
-                  <a14:hiddenLine xmlns:a14="http://schemas.microsoft.com/office/drawing/2010/main" xmlns="" w="9525">
+                  <a14:hiddenLine xmlns="" xmlns:a14="http://schemas.microsoft.com/office/drawing/2010/main" w="9525">
                     <a:solidFill>
                       <a:srgbClr val="000000"/>
                     </a:solidFill>
@@ -9532,7 +9530,7 @@
               </a:ln>
               <a:extLst>
                 <a:ext uri="{91240B29-F687-4f45-9708-019B960494DF}">
-                  <a14:hiddenLine xmlns:a14="http://schemas.microsoft.com/office/drawing/2010/main" xmlns="" w="9525">
+                  <a14:hiddenLine xmlns="" xmlns:a14="http://schemas.microsoft.com/office/drawing/2010/main" w="9525">
                     <a:solidFill>
                       <a:srgbClr val="000000"/>
                     </a:solidFill>
@@ -9622,7 +9620,7 @@
               </a:ln>
               <a:extLst>
                 <a:ext uri="{91240B29-F687-4f45-9708-019B960494DF}">
-                  <a14:hiddenLine xmlns:a14="http://schemas.microsoft.com/office/drawing/2010/main" xmlns="" w="9525">
+                  <a14:hiddenLine xmlns="" xmlns:a14="http://schemas.microsoft.com/office/drawing/2010/main" w="9525">
                     <a:solidFill>
                       <a:srgbClr val="000000"/>
                     </a:solidFill>
@@ -9712,7 +9710,7 @@
               </a:ln>
               <a:extLst>
                 <a:ext uri="{91240B29-F687-4f45-9708-019B960494DF}">
-                  <a14:hiddenLine xmlns:a14="http://schemas.microsoft.com/office/drawing/2010/main" xmlns="" w="9525">
+                  <a14:hiddenLine xmlns="" xmlns:a14="http://schemas.microsoft.com/office/drawing/2010/main" w="9525">
                     <a:solidFill>
                       <a:srgbClr val="000000"/>
                     </a:solidFill>
@@ -9774,7 +9772,7 @@
               </a:ln>
               <a:extLst>
                 <a:ext uri="{91240B29-F687-4f45-9708-019B960494DF}">
-                  <a14:hiddenLine xmlns:a14="http://schemas.microsoft.com/office/drawing/2010/main" xmlns="" w="9525">
+                  <a14:hiddenLine xmlns="" xmlns:a14="http://schemas.microsoft.com/office/drawing/2010/main" w="9525">
                     <a:solidFill>
                       <a:srgbClr val="000000"/>
                     </a:solidFill>
@@ -9884,7 +9882,7 @@
               </a:ln>
               <a:extLst>
                 <a:ext uri="{91240B29-F687-4f45-9708-019B960494DF}">
-                  <a14:hiddenLine xmlns:a14="http://schemas.microsoft.com/office/drawing/2010/main" xmlns="" w="9525">
+                  <a14:hiddenLine xmlns="" xmlns:a14="http://schemas.microsoft.com/office/drawing/2010/main" w="9525">
                     <a:solidFill>
                       <a:srgbClr val="000000"/>
                     </a:solidFill>
@@ -9968,7 +9966,7 @@
               </a:ln>
               <a:extLst>
                 <a:ext uri="{91240B29-F687-4f45-9708-019B960494DF}">
-                  <a14:hiddenLine xmlns:a14="http://schemas.microsoft.com/office/drawing/2010/main" xmlns="" w="9525">
+                  <a14:hiddenLine xmlns="" xmlns:a14="http://schemas.microsoft.com/office/drawing/2010/main" w="9525">
                     <a:solidFill>
                       <a:srgbClr val="000000"/>
                     </a:solidFill>
@@ -10030,7 +10028,7 @@
               </a:ln>
               <a:extLst>
                 <a:ext uri="{91240B29-F687-4f45-9708-019B960494DF}">
-                  <a14:hiddenLine xmlns:a14="http://schemas.microsoft.com/office/drawing/2010/main" xmlns="" w="9525">
+                  <a14:hiddenLine xmlns="" xmlns:a14="http://schemas.microsoft.com/office/drawing/2010/main" w="9525">
                     <a:solidFill>
                       <a:srgbClr val="000000"/>
                     </a:solidFill>
@@ -10092,7 +10090,7 @@
               </a:ln>
               <a:extLst>
                 <a:ext uri="{91240B29-F687-4f45-9708-019B960494DF}">
-                  <a14:hiddenLine xmlns:a14="http://schemas.microsoft.com/office/drawing/2010/main" xmlns="" w="9525">
+                  <a14:hiddenLine xmlns="" xmlns:a14="http://schemas.microsoft.com/office/drawing/2010/main" w="9525">
                     <a:solidFill>
                       <a:srgbClr val="000000"/>
                     </a:solidFill>
@@ -10182,7 +10180,7 @@
               </a:ln>
               <a:extLst>
                 <a:ext uri="{91240B29-F687-4f45-9708-019B960494DF}">
-                  <a14:hiddenLine xmlns:a14="http://schemas.microsoft.com/office/drawing/2010/main" xmlns="" w="9525">
+                  <a14:hiddenLine xmlns="" xmlns:a14="http://schemas.microsoft.com/office/drawing/2010/main" w="9525">
                     <a:solidFill>
                       <a:srgbClr val="000000"/>
                     </a:solidFill>
@@ -10216,7 +10214,7 @@
               </a:ln>
               <a:extLst>
                 <a:ext uri="{91240B29-F687-4f45-9708-019B960494DF}">
-                  <a14:hiddenLine xmlns:a14="http://schemas.microsoft.com/office/drawing/2010/main" xmlns="" w="9525">
+                  <a14:hiddenLine xmlns="" xmlns:a14="http://schemas.microsoft.com/office/drawing/2010/main" w="9525">
                     <a:solidFill>
                       <a:srgbClr val="000000"/>
                     </a:solidFill>
@@ -10281,7 +10279,7 @@
               </a:ln>
               <a:extLst>
                 <a:ext uri="{91240B29-F687-4f45-9708-019B960494DF}">
-                  <a14:hiddenLine xmlns:a14="http://schemas.microsoft.com/office/drawing/2010/main" xmlns="" w="9525">
+                  <a14:hiddenLine xmlns="" xmlns:a14="http://schemas.microsoft.com/office/drawing/2010/main" w="9525">
                     <a:solidFill>
                       <a:srgbClr val="000000"/>
                     </a:solidFill>
@@ -10371,7 +10369,7 @@
               </a:ln>
               <a:extLst>
                 <a:ext uri="{91240B29-F687-4f45-9708-019B960494DF}">
-                  <a14:hiddenLine xmlns:a14="http://schemas.microsoft.com/office/drawing/2010/main" xmlns="" w="9525">
+                  <a14:hiddenLine xmlns="" xmlns:a14="http://schemas.microsoft.com/office/drawing/2010/main" w="9525">
                     <a:solidFill>
                       <a:srgbClr val="000000"/>
                     </a:solidFill>
@@ -10433,7 +10431,7 @@
               </a:ln>
               <a:extLst>
                 <a:ext uri="{91240B29-F687-4f45-9708-019B960494DF}">
-                  <a14:hiddenLine xmlns:a14="http://schemas.microsoft.com/office/drawing/2010/main" xmlns="" w="9525">
+                  <a14:hiddenLine xmlns="" xmlns:a14="http://schemas.microsoft.com/office/drawing/2010/main" w="9525">
                     <a:solidFill>
                       <a:srgbClr val="000000"/>
                     </a:solidFill>
@@ -10523,7 +10521,7 @@
               </a:ln>
               <a:extLst>
                 <a:ext uri="{91240B29-F687-4f45-9708-019B960494DF}">
-                  <a14:hiddenLine xmlns:a14="http://schemas.microsoft.com/office/drawing/2010/main" xmlns="" w="9525">
+                  <a14:hiddenLine xmlns="" xmlns:a14="http://schemas.microsoft.com/office/drawing/2010/main" w="9525">
                     <a:solidFill>
                       <a:srgbClr val="000000"/>
                     </a:solidFill>
@@ -10588,7 +10586,7 @@
               </a:ln>
               <a:extLst>
                 <a:ext uri="{91240B29-F687-4f45-9708-019B960494DF}">
-                  <a14:hiddenLine xmlns:a14="http://schemas.microsoft.com/office/drawing/2010/main" xmlns="" w="9525">
+                  <a14:hiddenLine xmlns="" xmlns:a14="http://schemas.microsoft.com/office/drawing/2010/main" w="9525">
                     <a:solidFill>
                       <a:srgbClr val="000000"/>
                     </a:solidFill>
@@ -10650,7 +10648,7 @@
               </a:ln>
               <a:extLst>
                 <a:ext uri="{91240B29-F687-4f45-9708-019B960494DF}">
-                  <a14:hiddenLine xmlns:a14="http://schemas.microsoft.com/office/drawing/2010/main" xmlns="" w="9525">
+                  <a14:hiddenLine xmlns="" xmlns:a14="http://schemas.microsoft.com/office/drawing/2010/main" w="9525">
                     <a:solidFill>
                       <a:srgbClr val="000000"/>
                     </a:solidFill>
@@ -10740,7 +10738,7 @@
               </a:ln>
               <a:extLst>
                 <a:ext uri="{91240B29-F687-4f45-9708-019B960494DF}">
-                  <a14:hiddenLine xmlns:a14="http://schemas.microsoft.com/office/drawing/2010/main" xmlns="" w="9525">
+                  <a14:hiddenLine xmlns="" xmlns:a14="http://schemas.microsoft.com/office/drawing/2010/main" w="9525">
                     <a:solidFill>
                       <a:srgbClr val="000000"/>
                     </a:solidFill>
@@ -10830,7 +10828,7 @@
               </a:ln>
               <a:extLst>
                 <a:ext uri="{91240B29-F687-4f45-9708-019B960494DF}">
-                  <a14:hiddenLine xmlns:a14="http://schemas.microsoft.com/office/drawing/2010/main" xmlns="" w="9525">
+                  <a14:hiddenLine xmlns="" xmlns:a14="http://schemas.microsoft.com/office/drawing/2010/main" w="9525">
                     <a:solidFill>
                       <a:srgbClr val="000000"/>
                     </a:solidFill>
@@ -10895,7 +10893,7 @@
               </a:ln>
               <a:extLst>
                 <a:ext uri="{91240B29-F687-4f45-9708-019B960494DF}">
-                  <a14:hiddenLine xmlns:a14="http://schemas.microsoft.com/office/drawing/2010/main" xmlns="" w="9525">
+                  <a14:hiddenLine xmlns="" xmlns:a14="http://schemas.microsoft.com/office/drawing/2010/main" w="9525">
                     <a:solidFill>
                       <a:srgbClr val="000000"/>
                     </a:solidFill>
@@ -11015,7 +11013,7 @@
               </a:ln>
               <a:extLst>
                 <a:ext uri="{91240B29-F687-4f45-9708-019B960494DF}">
-                  <a14:hiddenLine xmlns:a14="http://schemas.microsoft.com/office/drawing/2010/main" xmlns="" w="9525">
+                  <a14:hiddenLine xmlns="" xmlns:a14="http://schemas.microsoft.com/office/drawing/2010/main" w="9525">
                     <a:solidFill>
                       <a:srgbClr val="000000"/>
                     </a:solidFill>
@@ -11113,7 +11111,7 @@
               </a:ln>
               <a:extLst>
                 <a:ext uri="{91240B29-F687-4f45-9708-019B960494DF}">
-                  <a14:hiddenLine xmlns:a14="http://schemas.microsoft.com/office/drawing/2010/main" xmlns="" w="9525">
+                  <a14:hiddenLine xmlns="" xmlns:a14="http://schemas.microsoft.com/office/drawing/2010/main" w="9525">
                     <a:solidFill>
                       <a:srgbClr val="000000"/>
                     </a:solidFill>
@@ -11228,7 +11226,7 @@
               </a:ln>
               <a:extLst>
                 <a:ext uri="{91240B29-F687-4f45-9708-019B960494DF}">
-                  <a14:hiddenLine xmlns:a14="http://schemas.microsoft.com/office/drawing/2010/main" xmlns="" w="9525">
+                  <a14:hiddenLine xmlns="" xmlns:a14="http://schemas.microsoft.com/office/drawing/2010/main" w="9525">
                     <a:solidFill>
                       <a:srgbClr val="000000"/>
                     </a:solidFill>
@@ -11318,7 +11316,7 @@
               </a:ln>
               <a:extLst>
                 <a:ext uri="{91240B29-F687-4f45-9708-019B960494DF}">
-                  <a14:hiddenLine xmlns:a14="http://schemas.microsoft.com/office/drawing/2010/main" xmlns="" w="9525">
+                  <a14:hiddenLine xmlns="" xmlns:a14="http://schemas.microsoft.com/office/drawing/2010/main" w="9525">
                     <a:solidFill>
                       <a:srgbClr val="000000"/>
                     </a:solidFill>
@@ -11383,7 +11381,7 @@
               </a:ln>
               <a:extLst>
                 <a:ext uri="{91240B29-F687-4f45-9708-019B960494DF}">
-                  <a14:hiddenLine xmlns:a14="http://schemas.microsoft.com/office/drawing/2010/main" xmlns="" w="9525">
+                  <a14:hiddenLine xmlns="" xmlns:a14="http://schemas.microsoft.com/office/drawing/2010/main" w="9525">
                     <a:solidFill>
                       <a:srgbClr val="000000"/>
                     </a:solidFill>
@@ -11473,7 +11471,7 @@
               </a:ln>
               <a:extLst>
                 <a:ext uri="{91240B29-F687-4f45-9708-019B960494DF}">
-                  <a14:hiddenLine xmlns:a14="http://schemas.microsoft.com/office/drawing/2010/main" xmlns="" w="9525">
+                  <a14:hiddenLine xmlns="" xmlns:a14="http://schemas.microsoft.com/office/drawing/2010/main" w="9525">
                     <a:solidFill>
                       <a:srgbClr val="000000"/>
                     </a:solidFill>
@@ -11541,7 +11539,7 @@
               </a:ln>
               <a:extLst>
                 <a:ext uri="{91240B29-F687-4f45-9708-019B960494DF}">
-                  <a14:hiddenLine xmlns:a14="http://schemas.microsoft.com/office/drawing/2010/main" xmlns="" w="9525">
+                  <a14:hiddenLine xmlns="" xmlns:a14="http://schemas.microsoft.com/office/drawing/2010/main" w="9525">
                     <a:solidFill>
                       <a:srgbClr val="000000"/>
                     </a:solidFill>
@@ -11631,7 +11629,7 @@
               </a:ln>
               <a:extLst>
                 <a:ext uri="{91240B29-F687-4f45-9708-019B960494DF}">
-                  <a14:hiddenLine xmlns:a14="http://schemas.microsoft.com/office/drawing/2010/main" xmlns="" w="9525">
+                  <a14:hiddenLine xmlns="" xmlns:a14="http://schemas.microsoft.com/office/drawing/2010/main" w="9525">
                     <a:solidFill>
                       <a:srgbClr val="000000"/>
                     </a:solidFill>
@@ -11699,7 +11697,7 @@
               </a:ln>
               <a:extLst>
                 <a:ext uri="{91240B29-F687-4f45-9708-019B960494DF}">
-                  <a14:hiddenLine xmlns:a14="http://schemas.microsoft.com/office/drawing/2010/main" xmlns="" w="9525">
+                  <a14:hiddenLine xmlns="" xmlns:a14="http://schemas.microsoft.com/office/drawing/2010/main" w="9525">
                     <a:solidFill>
                       <a:srgbClr val="000000"/>
                     </a:solidFill>
@@ -11789,7 +11787,7 @@
               </a:ln>
               <a:extLst>
                 <a:ext uri="{91240B29-F687-4f45-9708-019B960494DF}">
-                  <a14:hiddenLine xmlns:a14="http://schemas.microsoft.com/office/drawing/2010/main" xmlns="" w="9525">
+                  <a14:hiddenLine xmlns="" xmlns:a14="http://schemas.microsoft.com/office/drawing/2010/main" w="9525">
                     <a:solidFill>
                       <a:srgbClr val="000000"/>
                     </a:solidFill>
@@ -11823,7 +11821,7 @@
               </a:ln>
               <a:extLst>
                 <a:ext uri="{91240B29-F687-4f45-9708-019B960494DF}">
-                  <a14:hiddenLine xmlns:a14="http://schemas.microsoft.com/office/drawing/2010/main" xmlns="" w="9525">
+                  <a14:hiddenLine xmlns="" xmlns:a14="http://schemas.microsoft.com/office/drawing/2010/main" w="9525">
                     <a:solidFill>
                       <a:srgbClr val="000000"/>
                     </a:solidFill>
@@ -11964,7 +11962,7 @@
             <a:fld id="{48A87A34-81AB-432B-8DAE-1953F412C126}" type="datetimeFigureOut">
               <a:rPr lang="en-US" dirty="0"/>
               <a:pPr/>
-              <a:t>6/30/2018</a:t>
+              <a:t>7/2/2018</a:t>
             </a:fld>
             <a:endParaRPr lang="en-US" dirty="0"/>
           </a:p>
@@ -15287,7 +15285,7 @@
           <a:p>
             <a:r>
               <a:rPr lang="en-GB" dirty="0"/>
-              <a:t>DOCKER DEPLOYMENT</a:t>
+              <a:t>DOCKER CLOUD</a:t>
             </a:r>
             <a:endParaRPr lang="tr-TR" dirty="0"/>
           </a:p>
@@ -15315,13 +15313,28 @@
           <a:lstStyle/>
           <a:p>
             <a:r>
+              <a:rPr lang="en-GB" dirty="0"/>
+              <a:t>Using </a:t>
+            </a:r>
+            <a:r>
               <a:rPr lang="en-GB" dirty="0" err="1"/>
               <a:t>dockercloud</a:t>
             </a:r>
             <a:r>
               <a:rPr lang="en-GB" dirty="0"/>
-              <a:t> for deployment</a:t>
-            </a:r>
+              <a:t> and </a:t>
+            </a:r>
+            <a:r>
+              <a:rPr lang="en-GB" dirty="0" err="1"/>
+              <a:t>dockerhub</a:t>
+            </a:r>
+            <a:r>
+              <a:rPr lang="en-GB" dirty="0"/>
+              <a:t> for continuous integration</a:t>
+            </a:r>
+            <a:endParaRPr lang="tr-TR" dirty="0"/>
+          </a:p>
+          <a:p>
             <a:endParaRPr lang="tr-TR" dirty="0"/>
           </a:p>
           <a:p>
@@ -15576,110 +15589,15 @@
           <a:p>
             <a:r>
               <a:rPr lang="en-GB" dirty="0"/>
-              <a:t>Using </a:t>
-            </a:r>
-            <a:r>
-              <a:rPr lang="en-GB" dirty="0" err="1"/>
-              <a:t>dockercloud</a:t>
-            </a:r>
-            <a:r>
-              <a:rPr lang="en-GB" dirty="0"/>
-              <a:t> and </a:t>
-            </a:r>
-            <a:r>
-              <a:rPr lang="en-GB" dirty="0" err="1"/>
-              <a:t>dockerhub</a:t>
-            </a:r>
-            <a:r>
-              <a:rPr lang="en-GB" dirty="0"/>
-              <a:t> for continuous integration</a:t>
-            </a:r>
-            <a:endParaRPr lang="tr-TR" dirty="0"/>
-          </a:p>
-          <a:p>
-            <a:endParaRPr lang="en-US" dirty="0"/>
-          </a:p>
-        </p:txBody>
-      </p:sp>
-    </p:spTree>
-    <p:extLst>
-      <p:ext uri="{BB962C8B-B14F-4D97-AF65-F5344CB8AC3E}">
-        <p14:creationId xmlns:p14="http://schemas.microsoft.com/office/powerpoint/2010/main" val="2503410774"/>
-      </p:ext>
-    </p:extLst>
-  </p:cSld>
-  <p:clrMapOvr>
-    <a:masterClrMapping/>
-  </p:clrMapOvr>
-</p:sld>
-</file>
-
-<file path=ppt/slides/slide31.xml><?xml version="1.0" encoding="utf-8"?>
-<p:sld xmlns:a="http://schemas.openxmlformats.org/drawingml/2006/main" xmlns:r="http://schemas.openxmlformats.org/officeDocument/2006/relationships" xmlns:p="http://schemas.openxmlformats.org/presentationml/2006/main">
-  <p:cSld>
-    <p:spTree>
-      <p:nvGrpSpPr>
-        <p:cNvPr id="1" name=""/>
-        <p:cNvGrpSpPr/>
-        <p:nvPr/>
-      </p:nvGrpSpPr>
-      <p:grpSpPr>
-        <a:xfrm>
-          <a:off x="0" y="0"/>
-          <a:ext cx="0" cy="0"/>
-          <a:chOff x="0" y="0"/>
-          <a:chExt cx="0" cy="0"/>
-        </a:xfrm>
-      </p:grpSpPr>
-      <p:sp>
-        <p:nvSpPr>
-          <p:cNvPr id="2" name="Title 1"/>
-          <p:cNvSpPr>
-            <a:spLocks noGrp="1"/>
-          </p:cNvSpPr>
-          <p:nvPr>
-            <p:ph type="title"/>
-          </p:nvPr>
-        </p:nvSpPr>
-        <p:spPr/>
-        <p:txBody>
-          <a:bodyPr/>
-          <a:lstStyle/>
-          <a:p>
-            <a:r>
-              <a:rPr lang="en-GB" dirty="0"/>
-              <a:t>DOCKER DEPLOYMENT</a:t>
-            </a:r>
-            <a:endParaRPr lang="tr-TR" dirty="0"/>
-          </a:p>
-        </p:txBody>
-      </p:sp>
-      <p:sp>
-        <p:nvSpPr>
-          <p:cNvPr id="5" name="Content Placeholder 4">
-            <a:extLst>
-              <a:ext uri="{FF2B5EF4-FFF2-40B4-BE49-F238E27FC236}">
-                <a16:creationId xmlns:a16="http://schemas.microsoft.com/office/drawing/2014/main" id="{16E0D661-67E9-4EBB-8D27-4881FDB37593}"/>
-              </a:ext>
-            </a:extLst>
-          </p:cNvPr>
-          <p:cNvSpPr>
-            <a:spLocks noGrp="1"/>
-          </p:cNvSpPr>
-          <p:nvPr>
-            <p:ph idx="1"/>
-          </p:nvPr>
-        </p:nvSpPr>
-        <p:spPr/>
-        <p:txBody>
-          <a:bodyPr/>
-          <a:lstStyle/>
-          <a:p>
-            <a:r>
-              <a:rPr lang="en-GB" dirty="0"/>
-              <a:t>AMAZON ELASTIC CONTAINER REGISTRY</a:t>
-            </a:r>
-            <a:endParaRPr lang="en-US" dirty="0"/>
+              <a:t>Digital Ocean Deployment</a:t>
+            </a:r>
+          </a:p>
+          <a:p>
+            <a:r>
+              <a:rPr lang="en-GB"/>
+              <a:t>AWS</a:t>
+            </a:r>
+            <a:endParaRPr lang="en-GB" dirty="0"/>
           </a:p>
         </p:txBody>
       </p:sp>
@@ -15696,75 +15614,7 @@
 </p:sld>
 </file>
 
-<file path=ppt/slides/slide32.xml><?xml version="1.0" encoding="utf-8"?>
-<p:sld xmlns:a="http://schemas.openxmlformats.org/drawingml/2006/main" xmlns:r="http://schemas.openxmlformats.org/officeDocument/2006/relationships" xmlns:p="http://schemas.openxmlformats.org/presentationml/2006/main">
-  <p:cSld>
-    <p:spTree>
-      <p:nvGrpSpPr>
-        <p:cNvPr id="1" name=""/>
-        <p:cNvGrpSpPr/>
-        <p:nvPr/>
-      </p:nvGrpSpPr>
-      <p:grpSpPr>
-        <a:xfrm>
-          <a:off x="0" y="0"/>
-          <a:ext cx="0" cy="0"/>
-          <a:chOff x="0" y="0"/>
-          <a:chExt cx="0" cy="0"/>
-        </a:xfrm>
-      </p:grpSpPr>
-      <p:sp>
-        <p:nvSpPr>
-          <p:cNvPr id="2" name="Title 1"/>
-          <p:cNvSpPr>
-            <a:spLocks noGrp="1"/>
-          </p:cNvSpPr>
-          <p:nvPr>
-            <p:ph type="title"/>
-          </p:nvPr>
-        </p:nvSpPr>
-        <p:spPr/>
-        <p:txBody>
-          <a:bodyPr/>
-          <a:lstStyle/>
-          <a:p>
-            <a:endParaRPr lang="tr-TR" dirty="0"/>
-          </a:p>
-        </p:txBody>
-      </p:sp>
-      <p:sp>
-        <p:nvSpPr>
-          <p:cNvPr id="3" name="Text Placeholder 2"/>
-          <p:cNvSpPr>
-            <a:spLocks noGrp="1"/>
-          </p:cNvSpPr>
-          <p:nvPr>
-            <p:ph type="body" idx="1"/>
-          </p:nvPr>
-        </p:nvSpPr>
-        <p:spPr/>
-        <p:txBody>
-          <a:bodyPr/>
-          <a:lstStyle/>
-          <a:p>
-            <a:endParaRPr lang="tr-TR" dirty="0"/>
-          </a:p>
-        </p:txBody>
-      </p:sp>
-    </p:spTree>
-    <p:extLst>
-      <p:ext uri="{BB962C8B-B14F-4D97-AF65-F5344CB8AC3E}">
-        <p14:creationId xmlns:p14="http://schemas.microsoft.com/office/powerpoint/2010/main" val="1672303738"/>
-      </p:ext>
-    </p:extLst>
-  </p:cSld>
-  <p:clrMapOvr>
-    <a:masterClrMapping/>
-  </p:clrMapOvr>
-</p:sld>
-</file>
-
-<file path=ppt/slides/slide33.xml><?xml version="1.0" encoding="utf-8"?>
+<file path=ppt/slides/slide31.xml><?xml version="1.0" encoding="utf-8"?>
 <p:sld xmlns:a="http://schemas.openxmlformats.org/drawingml/2006/main" xmlns:r="http://schemas.openxmlformats.org/officeDocument/2006/relationships" xmlns:p="http://schemas.openxmlformats.org/presentationml/2006/main">
   <p:cSld>
     <p:spTree>

--- a/DOCKER 101.pptx
+++ b/DOCKER 101.pptx
@@ -13377,7 +13377,15 @@
           <a:p>
             <a:r>
               <a:rPr lang="en-US" dirty="0"/>
-              <a:t>docker container start –ai ubuntu</a:t>
+              <a:t>docker container </a:t>
+            </a:r>
+            <a:r>
+              <a:rPr lang="en-US"/>
+              <a:t>start -ai </a:t>
+            </a:r>
+            <a:r>
+              <a:rPr lang="en-US" dirty="0"/>
+              <a:t>ubuntu</a:t>
             </a:r>
           </a:p>
           <a:p>
@@ -15442,20 +15450,15 @@
         </p:spPr>
         <p:txBody>
           <a:bodyPr>
-            <a:normAutofit fontScale="92500" lnSpcReduction="10000"/>
+            <a:normAutofit/>
           </a:bodyPr>
           <a:lstStyle/>
           <a:p>
             <a:r>
-              <a:rPr lang="en-US" dirty="0"/>
+              <a:rPr lang="en-US"/>
               <a:t>Docker-Compose</a:t>
             </a:r>
-          </a:p>
-          <a:p>
-            <a:r>
-              <a:rPr lang="en-US" dirty="0"/>
-              <a:t>Workshop</a:t>
-            </a:r>
+            <a:endParaRPr lang="en-US" dirty="0"/>
           </a:p>
           <a:p>
             <a:r>
